--- a/doc/README_20250103.pptx
+++ b/doc/README_20250103.pptx
@@ -4,12 +4,16 @@
   <p:sldMasterIdLst>
     <p:sldMasterId id="2147483648" r:id="rId1"/>
   </p:sldMasterIdLst>
+  <p:notesMasterIdLst>
+    <p:notesMasterId r:id="rId5"/>
+  </p:notesMasterIdLst>
   <p:sldIdLst>
-    <p:sldId id="257" r:id="rId2"/>
-    <p:sldId id="258" r:id="rId3"/>
+    <p:sldId id="264" r:id="rId2"/>
+    <p:sldId id="260" r:id="rId3"/>
+    <p:sldId id="262" r:id="rId4"/>
   </p:sldIdLst>
   <p:sldSz cx="12192000" cy="6858000"/>
-  <p:notesSz cx="6858000" cy="9144000"/>
+  <p:notesSz cx="7104063" cy="10234613"/>
   <p:defaultTextStyle>
     <a:defPPr>
       <a:defRPr lang="ko-KR"/>
@@ -110,8 +114,9 @@
       <p14:sectionLst xmlns:p14="http://schemas.microsoft.com/office/powerpoint/2010/main">
         <p14:section name="기본 구역" id="{9AD49601-1C29-4F8B-9F3B-97DBA732CC3D}">
           <p14:sldIdLst>
-            <p14:sldId id="257"/>
-            <p14:sldId id="258"/>
+            <p14:sldId id="264"/>
+            <p14:sldId id="260"/>
+            <p14:sldId id="262"/>
           </p14:sldIdLst>
         </p14:section>
       </p14:sectionLst>
@@ -132,6 +137,355 @@
     </p:ext>
   </p:extLst>
 </p:presentation>
+</file>
+
+<file path=ppt/notesMasters/notesMaster1.xml><?xml version="1.0" encoding="utf-8"?>
+<p:notesMaster xmlns:a="http://schemas.openxmlformats.org/drawingml/2006/main" xmlns:r="http://schemas.openxmlformats.org/officeDocument/2006/relationships" xmlns:p="http://schemas.openxmlformats.org/presentationml/2006/main">
+  <p:cSld>
+    <p:bg>
+      <p:bgRef idx="1001">
+        <a:schemeClr val="bg1"/>
+      </p:bgRef>
+    </p:bg>
+    <p:spTree>
+      <p:nvGrpSpPr>
+        <p:cNvPr id="1" name=""/>
+        <p:cNvGrpSpPr/>
+        <p:nvPr/>
+      </p:nvGrpSpPr>
+      <p:grpSpPr>
+        <a:xfrm>
+          <a:off x="0" y="0"/>
+          <a:ext cx="0" cy="0"/>
+          <a:chOff x="0" y="0"/>
+          <a:chExt cx="0" cy="0"/>
+        </a:xfrm>
+      </p:grpSpPr>
+      <p:sp>
+        <p:nvSpPr>
+          <p:cNvPr id="2" name="머리글 개체 틀 1"/>
+          <p:cNvSpPr>
+            <a:spLocks noGrp="1"/>
+          </p:cNvSpPr>
+          <p:nvPr>
+            <p:ph type="hdr" sz="quarter"/>
+          </p:nvPr>
+        </p:nvSpPr>
+        <p:spPr>
+          <a:xfrm>
+            <a:off x="0" y="0"/>
+            <a:ext cx="3078427" cy="513508"/>
+          </a:xfrm>
+          <a:prstGeom prst="rect">
+            <a:avLst/>
+          </a:prstGeom>
+        </p:spPr>
+        <p:txBody>
+          <a:bodyPr vert="horz" lIns="99075" tIns="49538" rIns="99075" bIns="49538" rtlCol="0"/>
+          <a:lstStyle>
+            <a:lvl1pPr algn="l">
+              <a:defRPr sz="1300"/>
+            </a:lvl1pPr>
+          </a:lstStyle>
+          <a:p>
+            <a:endParaRPr lang="ko-KR" altLang="en-US" dirty="0"/>
+          </a:p>
+        </p:txBody>
+      </p:sp>
+      <p:sp>
+        <p:nvSpPr>
+          <p:cNvPr id="3" name="날짜 개체 틀 2"/>
+          <p:cNvSpPr>
+            <a:spLocks noGrp="1"/>
+          </p:cNvSpPr>
+          <p:nvPr>
+            <p:ph type="dt" idx="1"/>
+          </p:nvPr>
+        </p:nvSpPr>
+        <p:spPr>
+          <a:xfrm>
+            <a:off x="4023992" y="0"/>
+            <a:ext cx="3078427" cy="513508"/>
+          </a:xfrm>
+          <a:prstGeom prst="rect">
+            <a:avLst/>
+          </a:prstGeom>
+        </p:spPr>
+        <p:txBody>
+          <a:bodyPr vert="horz" lIns="99075" tIns="49538" rIns="99075" bIns="49538" rtlCol="0"/>
+          <a:lstStyle>
+            <a:lvl1pPr algn="r">
+              <a:defRPr sz="1300"/>
+            </a:lvl1pPr>
+          </a:lstStyle>
+          <a:p>
+            <a:fld id="{212F2D69-18C3-4CFE-A661-0C875BA646AB}" type="datetimeFigureOut">
+              <a:rPr lang="ko-KR" altLang="en-US" smtClean="0"/>
+              <a:t>2025-01-16</a:t>
+            </a:fld>
+            <a:endParaRPr lang="ko-KR" altLang="en-US" dirty="0"/>
+          </a:p>
+        </p:txBody>
+      </p:sp>
+      <p:sp>
+        <p:nvSpPr>
+          <p:cNvPr id="4" name="슬라이드 이미지 개체 틀 3"/>
+          <p:cNvSpPr>
+            <a:spLocks noGrp="1" noRot="1" noChangeAspect="1"/>
+          </p:cNvSpPr>
+          <p:nvPr>
+            <p:ph type="sldImg" idx="2"/>
+          </p:nvPr>
+        </p:nvSpPr>
+        <p:spPr>
+          <a:xfrm>
+            <a:off x="482600" y="1279525"/>
+            <a:ext cx="6140450" cy="3454400"/>
+          </a:xfrm>
+          <a:prstGeom prst="rect">
+            <a:avLst/>
+          </a:prstGeom>
+          <a:noFill/>
+          <a:ln w="12700">
+            <a:solidFill>
+              <a:prstClr val="black"/>
+            </a:solidFill>
+          </a:ln>
+        </p:spPr>
+        <p:txBody>
+          <a:bodyPr vert="horz" lIns="99075" tIns="49538" rIns="99075" bIns="49538" rtlCol="0" anchor="ctr"/>
+          <a:lstStyle/>
+          <a:p>
+            <a:endParaRPr lang="ko-KR" altLang="en-US" dirty="0"/>
+          </a:p>
+        </p:txBody>
+      </p:sp>
+      <p:sp>
+        <p:nvSpPr>
+          <p:cNvPr id="5" name="슬라이드 노트 개체 틀 4"/>
+          <p:cNvSpPr>
+            <a:spLocks noGrp="1"/>
+          </p:cNvSpPr>
+          <p:nvPr>
+            <p:ph type="body" sz="quarter" idx="3"/>
+          </p:nvPr>
+        </p:nvSpPr>
+        <p:spPr>
+          <a:xfrm>
+            <a:off x="710407" y="4925407"/>
+            <a:ext cx="5683250" cy="4029879"/>
+          </a:xfrm>
+          <a:prstGeom prst="rect">
+            <a:avLst/>
+          </a:prstGeom>
+        </p:spPr>
+        <p:txBody>
+          <a:bodyPr vert="horz" lIns="99075" tIns="49538" rIns="99075" bIns="49538" rtlCol="0"/>
+          <a:lstStyle/>
+          <a:p>
+            <a:pPr lvl="0"/>
+            <a:r>
+              <a:rPr lang="ko-KR" altLang="en-US"/>
+              <a:t>마스터 텍스트 스타일을 편집하려면 클릭</a:t>
+            </a:r>
+          </a:p>
+          <a:p>
+            <a:pPr lvl="1"/>
+            <a:r>
+              <a:rPr lang="ko-KR" altLang="en-US"/>
+              <a:t>두 번째 수준</a:t>
+            </a:r>
+          </a:p>
+          <a:p>
+            <a:pPr lvl="2"/>
+            <a:r>
+              <a:rPr lang="ko-KR" altLang="en-US"/>
+              <a:t>세 번째 수준</a:t>
+            </a:r>
+          </a:p>
+          <a:p>
+            <a:pPr lvl="3"/>
+            <a:r>
+              <a:rPr lang="ko-KR" altLang="en-US"/>
+              <a:t>네 번째 수준</a:t>
+            </a:r>
+          </a:p>
+          <a:p>
+            <a:pPr lvl="4"/>
+            <a:r>
+              <a:rPr lang="ko-KR" altLang="en-US"/>
+              <a:t>다섯 번째 수준</a:t>
+            </a:r>
+          </a:p>
+        </p:txBody>
+      </p:sp>
+      <p:sp>
+        <p:nvSpPr>
+          <p:cNvPr id="6" name="바닥글 개체 틀 5"/>
+          <p:cNvSpPr>
+            <a:spLocks noGrp="1"/>
+          </p:cNvSpPr>
+          <p:nvPr>
+            <p:ph type="ftr" sz="quarter" idx="4"/>
+          </p:nvPr>
+        </p:nvSpPr>
+        <p:spPr>
+          <a:xfrm>
+            <a:off x="0" y="9721107"/>
+            <a:ext cx="3078427" cy="513507"/>
+          </a:xfrm>
+          <a:prstGeom prst="rect">
+            <a:avLst/>
+          </a:prstGeom>
+        </p:spPr>
+        <p:txBody>
+          <a:bodyPr vert="horz" lIns="99075" tIns="49538" rIns="99075" bIns="49538" rtlCol="0" anchor="b"/>
+          <a:lstStyle>
+            <a:lvl1pPr algn="l">
+              <a:defRPr sz="1300"/>
+            </a:lvl1pPr>
+          </a:lstStyle>
+          <a:p>
+            <a:endParaRPr lang="ko-KR" altLang="en-US" dirty="0"/>
+          </a:p>
+        </p:txBody>
+      </p:sp>
+      <p:sp>
+        <p:nvSpPr>
+          <p:cNvPr id="7" name="슬라이드 번호 개체 틀 6"/>
+          <p:cNvSpPr>
+            <a:spLocks noGrp="1"/>
+          </p:cNvSpPr>
+          <p:nvPr>
+            <p:ph type="sldNum" sz="quarter" idx="5"/>
+          </p:nvPr>
+        </p:nvSpPr>
+        <p:spPr>
+          <a:xfrm>
+            <a:off x="4023992" y="9721107"/>
+            <a:ext cx="3078427" cy="513507"/>
+          </a:xfrm>
+          <a:prstGeom prst="rect">
+            <a:avLst/>
+          </a:prstGeom>
+        </p:spPr>
+        <p:txBody>
+          <a:bodyPr vert="horz" lIns="99075" tIns="49538" rIns="99075" bIns="49538" rtlCol="0" anchor="b"/>
+          <a:lstStyle>
+            <a:lvl1pPr algn="r">
+              <a:defRPr sz="1300"/>
+            </a:lvl1pPr>
+          </a:lstStyle>
+          <a:p>
+            <a:fld id="{07C264AF-7162-4122-A0BD-A57089CC7253}" type="slidenum">
+              <a:rPr lang="ko-KR" altLang="en-US" smtClean="0"/>
+              <a:t>‹#›</a:t>
+            </a:fld>
+            <a:endParaRPr lang="ko-KR" altLang="en-US" dirty="0"/>
+          </a:p>
+        </p:txBody>
+      </p:sp>
+    </p:spTree>
+    <p:extLst>
+      <p:ext uri="{BB962C8B-B14F-4D97-AF65-F5344CB8AC3E}">
+        <p14:creationId xmlns:p14="http://schemas.microsoft.com/office/powerpoint/2010/main" val="3946971967"/>
+      </p:ext>
+    </p:extLst>
+  </p:cSld>
+  <p:clrMap bg1="lt1" tx1="dk1" bg2="lt2" tx2="dk2" accent1="accent1" accent2="accent2" accent3="accent3" accent4="accent4" accent5="accent5" accent6="accent6" hlink="hlink" folHlink="folHlink"/>
+  <p:notesStyle>
+    <a:lvl1pPr marL="0" algn="l" defTabSz="914400" rtl="0" eaLnBrk="1" latinLnBrk="1" hangingPunct="1">
+      <a:defRPr sz="1200" kern="1200">
+        <a:solidFill>
+          <a:schemeClr val="tx1"/>
+        </a:solidFill>
+        <a:latin typeface="+mn-lt"/>
+        <a:ea typeface="+mn-ea"/>
+        <a:cs typeface="+mn-cs"/>
+      </a:defRPr>
+    </a:lvl1pPr>
+    <a:lvl2pPr marL="457200" algn="l" defTabSz="914400" rtl="0" eaLnBrk="1" latinLnBrk="1" hangingPunct="1">
+      <a:defRPr sz="1200" kern="1200">
+        <a:solidFill>
+          <a:schemeClr val="tx1"/>
+        </a:solidFill>
+        <a:latin typeface="+mn-lt"/>
+        <a:ea typeface="+mn-ea"/>
+        <a:cs typeface="+mn-cs"/>
+      </a:defRPr>
+    </a:lvl2pPr>
+    <a:lvl3pPr marL="914400" algn="l" defTabSz="914400" rtl="0" eaLnBrk="1" latinLnBrk="1" hangingPunct="1">
+      <a:defRPr sz="1200" kern="1200">
+        <a:solidFill>
+          <a:schemeClr val="tx1"/>
+        </a:solidFill>
+        <a:latin typeface="+mn-lt"/>
+        <a:ea typeface="+mn-ea"/>
+        <a:cs typeface="+mn-cs"/>
+      </a:defRPr>
+    </a:lvl3pPr>
+    <a:lvl4pPr marL="1371600" algn="l" defTabSz="914400" rtl="0" eaLnBrk="1" latinLnBrk="1" hangingPunct="1">
+      <a:defRPr sz="1200" kern="1200">
+        <a:solidFill>
+          <a:schemeClr val="tx1"/>
+        </a:solidFill>
+        <a:latin typeface="+mn-lt"/>
+        <a:ea typeface="+mn-ea"/>
+        <a:cs typeface="+mn-cs"/>
+      </a:defRPr>
+    </a:lvl4pPr>
+    <a:lvl5pPr marL="1828800" algn="l" defTabSz="914400" rtl="0" eaLnBrk="1" latinLnBrk="1" hangingPunct="1">
+      <a:defRPr sz="1200" kern="1200">
+        <a:solidFill>
+          <a:schemeClr val="tx1"/>
+        </a:solidFill>
+        <a:latin typeface="+mn-lt"/>
+        <a:ea typeface="+mn-ea"/>
+        <a:cs typeface="+mn-cs"/>
+      </a:defRPr>
+    </a:lvl5pPr>
+    <a:lvl6pPr marL="2286000" algn="l" defTabSz="914400" rtl="0" eaLnBrk="1" latinLnBrk="1" hangingPunct="1">
+      <a:defRPr sz="1200" kern="1200">
+        <a:solidFill>
+          <a:schemeClr val="tx1"/>
+        </a:solidFill>
+        <a:latin typeface="+mn-lt"/>
+        <a:ea typeface="+mn-ea"/>
+        <a:cs typeface="+mn-cs"/>
+      </a:defRPr>
+    </a:lvl6pPr>
+    <a:lvl7pPr marL="2743200" algn="l" defTabSz="914400" rtl="0" eaLnBrk="1" latinLnBrk="1" hangingPunct="1">
+      <a:defRPr sz="1200" kern="1200">
+        <a:solidFill>
+          <a:schemeClr val="tx1"/>
+        </a:solidFill>
+        <a:latin typeface="+mn-lt"/>
+        <a:ea typeface="+mn-ea"/>
+        <a:cs typeface="+mn-cs"/>
+      </a:defRPr>
+    </a:lvl7pPr>
+    <a:lvl8pPr marL="3200400" algn="l" defTabSz="914400" rtl="0" eaLnBrk="1" latinLnBrk="1" hangingPunct="1">
+      <a:defRPr sz="1200" kern="1200">
+        <a:solidFill>
+          <a:schemeClr val="tx1"/>
+        </a:solidFill>
+        <a:latin typeface="+mn-lt"/>
+        <a:ea typeface="+mn-ea"/>
+        <a:cs typeface="+mn-cs"/>
+      </a:defRPr>
+    </a:lvl8pPr>
+    <a:lvl9pPr marL="3657600" algn="l" defTabSz="914400" rtl="0" eaLnBrk="1" latinLnBrk="1" hangingPunct="1">
+      <a:defRPr sz="1200" kern="1200">
+        <a:solidFill>
+          <a:schemeClr val="tx1"/>
+        </a:solidFill>
+        <a:latin typeface="+mn-lt"/>
+        <a:ea typeface="+mn-ea"/>
+        <a:cs typeface="+mn-cs"/>
+      </a:defRPr>
+    </a:lvl9pPr>
+  </p:notesStyle>
+</p:notesMaster>
 </file>
 
 <file path=ppt/slideLayouts/slideLayout1.xml><?xml version="1.0" encoding="utf-8"?>
@@ -289,9 +643,9 @@
           <a:bodyPr/>
           <a:lstStyle/>
           <a:p>
-            <a:fld id="{D236706C-621F-4A16-A25F-3F2A97BB32D2}" type="datetimeFigureOut">
+            <a:fld id="{DEEAC174-71A6-4134-8902-00DCA74794A4}" type="datetime1">
               <a:rPr lang="ko-KR" altLang="en-US" smtClean="0"/>
-              <a:t>2025-01-13</a:t>
+              <a:t>2025-01-16</a:t>
             </a:fld>
             <a:endParaRPr lang="ko-KR" altLang="en-US" dirty="0"/>
           </a:p>
@@ -318,6 +672,10 @@
           <a:bodyPr/>
           <a:lstStyle/>
           <a:p>
+            <a:r>
+              <a:rPr lang="en-US" altLang="ko-KR" dirty="0"/>
+              <a:t>https://github.com/mon99745/TokenReference</a:t>
+            </a:r>
             <a:endParaRPr lang="ko-KR" altLang="en-US" dirty="0"/>
           </a:p>
         </p:txBody>
@@ -487,9 +845,9 @@
           <a:bodyPr/>
           <a:lstStyle/>
           <a:p>
-            <a:fld id="{D236706C-621F-4A16-A25F-3F2A97BB32D2}" type="datetimeFigureOut">
+            <a:fld id="{3663B3C5-6357-4D03-BE43-E5BC6502D074}" type="datetime1">
               <a:rPr lang="ko-KR" altLang="en-US" smtClean="0"/>
-              <a:t>2025-01-13</a:t>
+              <a:t>2025-01-16</a:t>
             </a:fld>
             <a:endParaRPr lang="ko-KR" altLang="en-US" dirty="0"/>
           </a:p>
@@ -516,6 +874,10 @@
           <a:bodyPr/>
           <a:lstStyle/>
           <a:p>
+            <a:r>
+              <a:rPr lang="en-US" altLang="ko-KR" dirty="0"/>
+              <a:t>https://github.com/mon99745/TokenReference</a:t>
+            </a:r>
             <a:endParaRPr lang="ko-KR" altLang="en-US" dirty="0"/>
           </a:p>
         </p:txBody>
@@ -695,9 +1057,9 @@
           <a:bodyPr/>
           <a:lstStyle/>
           <a:p>
-            <a:fld id="{D236706C-621F-4A16-A25F-3F2A97BB32D2}" type="datetimeFigureOut">
+            <a:fld id="{367C25A3-C8A1-49C8-B0F1-5262DEC48DF5}" type="datetime1">
               <a:rPr lang="ko-KR" altLang="en-US" smtClean="0"/>
-              <a:t>2025-01-13</a:t>
+              <a:t>2025-01-16</a:t>
             </a:fld>
             <a:endParaRPr lang="ko-KR" altLang="en-US" dirty="0"/>
           </a:p>
@@ -724,6 +1086,10 @@
           <a:bodyPr/>
           <a:lstStyle/>
           <a:p>
+            <a:r>
+              <a:rPr lang="en-US" altLang="ko-KR" dirty="0"/>
+              <a:t>https://github.com/mon99745/TokenReference</a:t>
+            </a:r>
             <a:endParaRPr lang="ko-KR" altLang="en-US" dirty="0"/>
           </a:p>
         </p:txBody>
@@ -898,9 +1264,9 @@
           <a:bodyPr/>
           <a:lstStyle/>
           <a:p>
-            <a:fld id="{D236706C-621F-4A16-A25F-3F2A97BB32D2}" type="datetimeFigureOut">
+            <a:fld id="{1A6E419E-928D-46E4-827F-0826091F5F03}" type="datetime1">
               <a:rPr lang="ko-KR" altLang="en-US" smtClean="0"/>
-              <a:t>2025-01-13</a:t>
+              <a:t>2025-01-16</a:t>
             </a:fld>
             <a:endParaRPr lang="ko-KR" altLang="en-US" dirty="0"/>
           </a:p>
@@ -927,6 +1293,10 @@
           <a:bodyPr/>
           <a:lstStyle/>
           <a:p>
+            <a:r>
+              <a:rPr lang="en-US" altLang="ko-KR" dirty="0"/>
+              <a:t>https://github.com/mon99745/TokenReference</a:t>
+            </a:r>
             <a:endParaRPr lang="ko-KR" altLang="en-US" dirty="0"/>
           </a:p>
         </p:txBody>
@@ -1183,9 +1553,9 @@
           <a:bodyPr/>
           <a:lstStyle/>
           <a:p>
-            <a:fld id="{D236706C-621F-4A16-A25F-3F2A97BB32D2}" type="datetimeFigureOut">
+            <a:fld id="{C1BF8232-5747-4A2E-AF0B-9651D5D44ABD}" type="datetime1">
               <a:rPr lang="ko-KR" altLang="en-US" smtClean="0"/>
-              <a:t>2025-01-13</a:t>
+              <a:t>2025-01-16</a:t>
             </a:fld>
             <a:endParaRPr lang="ko-KR" altLang="en-US" dirty="0"/>
           </a:p>
@@ -1212,6 +1582,10 @@
           <a:bodyPr/>
           <a:lstStyle/>
           <a:p>
+            <a:r>
+              <a:rPr lang="en-US" altLang="ko-KR" dirty="0"/>
+              <a:t>https://github.com/mon99745/TokenReference</a:t>
+            </a:r>
             <a:endParaRPr lang="ko-KR" altLang="en-US" dirty="0"/>
           </a:p>
         </p:txBody>
@@ -1448,9 +1822,9 @@
           <a:bodyPr/>
           <a:lstStyle/>
           <a:p>
-            <a:fld id="{D236706C-621F-4A16-A25F-3F2A97BB32D2}" type="datetimeFigureOut">
+            <a:fld id="{B0F0BB96-25E3-4C69-9427-7DCE5133B904}" type="datetime1">
               <a:rPr lang="ko-KR" altLang="en-US" smtClean="0"/>
-              <a:t>2025-01-13</a:t>
+              <a:t>2025-01-16</a:t>
             </a:fld>
             <a:endParaRPr lang="ko-KR" altLang="en-US" dirty="0"/>
           </a:p>
@@ -1477,6 +1851,10 @@
           <a:bodyPr/>
           <a:lstStyle/>
           <a:p>
+            <a:r>
+              <a:rPr lang="en-US" altLang="ko-KR" dirty="0"/>
+              <a:t>https://github.com/mon99745/TokenReference</a:t>
+            </a:r>
             <a:endParaRPr lang="ko-KR" altLang="en-US" dirty="0"/>
           </a:p>
         </p:txBody>
@@ -1860,9 +2238,9 @@
           <a:bodyPr/>
           <a:lstStyle/>
           <a:p>
-            <a:fld id="{D236706C-621F-4A16-A25F-3F2A97BB32D2}" type="datetimeFigureOut">
+            <a:fld id="{7E710BDD-EF46-4578-8835-875354C8FAD0}" type="datetime1">
               <a:rPr lang="ko-KR" altLang="en-US" smtClean="0"/>
-              <a:t>2025-01-13</a:t>
+              <a:t>2025-01-16</a:t>
             </a:fld>
             <a:endParaRPr lang="ko-KR" altLang="en-US" dirty="0"/>
           </a:p>
@@ -1889,6 +2267,10 @@
           <a:bodyPr/>
           <a:lstStyle/>
           <a:p>
+            <a:r>
+              <a:rPr lang="en-US" altLang="ko-KR" dirty="0"/>
+              <a:t>https://github.com/mon99745/TokenReference</a:t>
+            </a:r>
             <a:endParaRPr lang="ko-KR" altLang="en-US" dirty="0"/>
           </a:p>
         </p:txBody>
@@ -2001,9 +2383,9 @@
           <a:bodyPr/>
           <a:lstStyle/>
           <a:p>
-            <a:fld id="{D236706C-621F-4A16-A25F-3F2A97BB32D2}" type="datetimeFigureOut">
+            <a:fld id="{29777063-24BF-48FD-984C-8BF49BC3B7EC}" type="datetime1">
               <a:rPr lang="ko-KR" altLang="en-US" smtClean="0"/>
-              <a:t>2025-01-13</a:t>
+              <a:t>2025-01-16</a:t>
             </a:fld>
             <a:endParaRPr lang="ko-KR" altLang="en-US" dirty="0"/>
           </a:p>
@@ -2030,6 +2412,10 @@
           <a:bodyPr/>
           <a:lstStyle/>
           <a:p>
+            <a:r>
+              <a:rPr lang="en-US" altLang="ko-KR" dirty="0"/>
+              <a:t>https://github.com/mon99745/TokenReference</a:t>
+            </a:r>
             <a:endParaRPr lang="ko-KR" altLang="en-US" dirty="0"/>
           </a:p>
         </p:txBody>
@@ -2114,9 +2500,9 @@
           <a:bodyPr/>
           <a:lstStyle/>
           <a:p>
-            <a:fld id="{D236706C-621F-4A16-A25F-3F2A97BB32D2}" type="datetimeFigureOut">
+            <a:fld id="{75B69EBC-839B-4724-B5E4-B88F6A3956A2}" type="datetime1">
               <a:rPr lang="ko-KR" altLang="en-US" smtClean="0"/>
-              <a:t>2025-01-13</a:t>
+              <a:t>2025-01-16</a:t>
             </a:fld>
             <a:endParaRPr lang="ko-KR" altLang="en-US" dirty="0"/>
           </a:p>
@@ -2143,6 +2529,10 @@
           <a:bodyPr/>
           <a:lstStyle/>
           <a:p>
+            <a:r>
+              <a:rPr lang="en-US" altLang="ko-KR" dirty="0"/>
+              <a:t>https://github.com/mon99745/TokenReference</a:t>
+            </a:r>
             <a:endParaRPr lang="ko-KR" altLang="en-US" dirty="0"/>
           </a:p>
         </p:txBody>
@@ -2425,9 +2815,9 @@
           <a:bodyPr/>
           <a:lstStyle/>
           <a:p>
-            <a:fld id="{D236706C-621F-4A16-A25F-3F2A97BB32D2}" type="datetimeFigureOut">
+            <a:fld id="{B5F3135F-4262-44CB-8D11-81CE3757FDC4}" type="datetime1">
               <a:rPr lang="ko-KR" altLang="en-US" smtClean="0"/>
-              <a:t>2025-01-13</a:t>
+              <a:t>2025-01-16</a:t>
             </a:fld>
             <a:endParaRPr lang="ko-KR" altLang="en-US" dirty="0"/>
           </a:p>
@@ -2454,6 +2844,10 @@
           <a:bodyPr/>
           <a:lstStyle/>
           <a:p>
+            <a:r>
+              <a:rPr lang="en-US" altLang="ko-KR" dirty="0"/>
+              <a:t>https://github.com/mon99745/TokenReference</a:t>
+            </a:r>
             <a:endParaRPr lang="ko-KR" altLang="en-US" dirty="0"/>
           </a:p>
         </p:txBody>
@@ -2713,9 +3107,9 @@
           <a:bodyPr/>
           <a:lstStyle/>
           <a:p>
-            <a:fld id="{D236706C-621F-4A16-A25F-3F2A97BB32D2}" type="datetimeFigureOut">
+            <a:fld id="{0EB0A963-2A5E-4395-8215-20F548866A9D}" type="datetime1">
               <a:rPr lang="ko-KR" altLang="en-US" smtClean="0"/>
-              <a:t>2025-01-13</a:t>
+              <a:t>2025-01-16</a:t>
             </a:fld>
             <a:endParaRPr lang="ko-KR" altLang="en-US" dirty="0"/>
           </a:p>
@@ -2742,6 +3136,10 @@
           <a:bodyPr/>
           <a:lstStyle/>
           <a:p>
+            <a:r>
+              <a:rPr lang="en-US" altLang="ko-KR" dirty="0"/>
+              <a:t>https://github.com/mon99745/TokenReference</a:t>
+            </a:r>
             <a:endParaRPr lang="ko-KR" altLang="en-US" dirty="0"/>
           </a:p>
         </p:txBody>
@@ -2954,9 +3352,9 @@
             </a:lvl1pPr>
           </a:lstStyle>
           <a:p>
-            <a:fld id="{D236706C-621F-4A16-A25F-3F2A97BB32D2}" type="datetimeFigureOut">
+            <a:fld id="{BD4DE424-99F5-4763-9AA3-F45A93C7CCA0}" type="datetime1">
               <a:rPr lang="ko-KR" altLang="en-US" smtClean="0"/>
-              <a:t>2025-01-13</a:t>
+              <a:t>2025-01-16</a:t>
             </a:fld>
             <a:endParaRPr lang="ko-KR" altLang="en-US" dirty="0"/>
           </a:p>
@@ -3001,6 +3399,10 @@
             </a:lvl1pPr>
           </a:lstStyle>
           <a:p>
+            <a:r>
+              <a:rPr lang="en-US" altLang="ko-KR" dirty="0"/>
+              <a:t>https://github.com/mon99745/TokenReference</a:t>
+            </a:r>
             <a:endParaRPr lang="ko-KR" altLang="en-US" dirty="0"/>
           </a:p>
         </p:txBody>
@@ -3073,6 +3475,7 @@
     <p:sldLayoutId id="2147483658" r:id="rId10"/>
     <p:sldLayoutId id="2147483659" r:id="rId11"/>
   </p:sldLayoutIdLst>
+  <p:hf sldNum="0" hdr="0"/>
   <p:txStyles>
     <p:titleStyle>
       <a:lvl1pPr algn="l" defTabSz="914400" rtl="0" eaLnBrk="1" latinLnBrk="1" hangingPunct="1">
@@ -3361,7 +3764,13 @@
   <p:cSld>
     <p:spTree>
       <p:nvGrpSpPr>
-        <p:cNvPr id="1" name=""/>
+        <p:cNvPr id="1" name="">
+          <a:extLst>
+            <a:ext uri="{FF2B5EF4-FFF2-40B4-BE49-F238E27FC236}">
+              <a16:creationId xmlns:a16="http://schemas.microsoft.com/office/drawing/2014/main" id="{6885BE83-8098-5E9D-84C0-B0104CA0AEBC}"/>
+            </a:ext>
+          </a:extLst>
+        </p:cNvPr>
         <p:cNvGrpSpPr/>
         <p:nvPr/>
       </p:nvGrpSpPr>
@@ -3375,10 +3784,153 @@
       </p:grpSpPr>
       <p:sp>
         <p:nvSpPr>
+          <p:cNvPr id="69" name="직사각형 68">
+            <a:extLst>
+              <a:ext uri="{FF2B5EF4-FFF2-40B4-BE49-F238E27FC236}">
+                <a16:creationId xmlns:a16="http://schemas.microsoft.com/office/drawing/2014/main" id="{60F9D68E-3BA3-C9A7-B7AF-B5147010DB5A}"/>
+              </a:ext>
+            </a:extLst>
+          </p:cNvPr>
+          <p:cNvSpPr/>
+          <p:nvPr/>
+        </p:nvSpPr>
+        <p:spPr>
+          <a:xfrm>
+            <a:off x="2341983" y="2303768"/>
+            <a:ext cx="1366417" cy="2462213"/>
+          </a:xfrm>
+          <a:prstGeom prst="rect">
+            <a:avLst/>
+          </a:prstGeom>
+          <a:solidFill>
+            <a:schemeClr val="accent1">
+              <a:lumMod val="20000"/>
+              <a:lumOff val="80000"/>
+            </a:schemeClr>
+          </a:solidFill>
+          <a:ln>
+            <a:prstDash val="dash"/>
+          </a:ln>
+        </p:spPr>
+        <p:style>
+          <a:lnRef idx="2">
+            <a:schemeClr val="accent1">
+              <a:shade val="50000"/>
+            </a:schemeClr>
+          </a:lnRef>
+          <a:fillRef idx="1">
+            <a:schemeClr val="accent1"/>
+          </a:fillRef>
+          <a:effectRef idx="0">
+            <a:schemeClr val="accent1"/>
+          </a:effectRef>
+          <a:fontRef idx="minor">
+            <a:schemeClr val="lt1"/>
+          </a:fontRef>
+        </p:style>
+        <p:txBody>
+          <a:bodyPr wrap="square" rtlCol="0" anchor="ctr">
+            <a:spAutoFit/>
+          </a:bodyPr>
+          <a:lstStyle/>
+          <a:p>
+            <a:r>
+              <a:rPr lang="en-US" altLang="ko-KR" sz="1400" b="1" dirty="0">
+                <a:solidFill>
+                  <a:schemeClr val="tx1"/>
+                </a:solidFill>
+              </a:rPr>
+              <a:t>Controller</a:t>
+            </a:r>
+          </a:p>
+          <a:p>
+            <a:pPr algn="ctr"/>
+            <a:endParaRPr lang="en-US" altLang="ko-KR" sz="1400" b="1" dirty="0">
+              <a:solidFill>
+                <a:schemeClr val="tx1"/>
+              </a:solidFill>
+            </a:endParaRPr>
+          </a:p>
+          <a:p>
+            <a:pPr algn="ctr"/>
+            <a:endParaRPr lang="en-US" altLang="ko-KR" sz="1400" b="1" dirty="0">
+              <a:solidFill>
+                <a:schemeClr val="tx1"/>
+              </a:solidFill>
+            </a:endParaRPr>
+          </a:p>
+          <a:p>
+            <a:pPr algn="ctr"/>
+            <a:endParaRPr lang="en-US" altLang="ko-KR" sz="1400" b="1" dirty="0">
+              <a:solidFill>
+                <a:schemeClr val="tx1"/>
+              </a:solidFill>
+            </a:endParaRPr>
+          </a:p>
+          <a:p>
+            <a:pPr algn="ctr"/>
+            <a:endParaRPr lang="en-US" altLang="ko-KR" sz="1400" b="1" dirty="0">
+              <a:solidFill>
+                <a:schemeClr val="tx1"/>
+              </a:solidFill>
+            </a:endParaRPr>
+          </a:p>
+          <a:p>
+            <a:pPr algn="ctr"/>
+            <a:endParaRPr lang="en-US" altLang="ko-KR" sz="1400" b="1" dirty="0">
+              <a:solidFill>
+                <a:schemeClr val="tx1"/>
+              </a:solidFill>
+            </a:endParaRPr>
+          </a:p>
+          <a:p>
+            <a:pPr algn="ctr"/>
+            <a:endParaRPr lang="en-US" altLang="ko-KR" sz="1400" b="1" dirty="0">
+              <a:solidFill>
+                <a:schemeClr val="tx1"/>
+              </a:solidFill>
+            </a:endParaRPr>
+          </a:p>
+          <a:p>
+            <a:pPr algn="ctr"/>
+            <a:endParaRPr lang="en-US" altLang="ko-KR" sz="1400" b="1" dirty="0">
+              <a:solidFill>
+                <a:schemeClr val="tx1"/>
+              </a:solidFill>
+            </a:endParaRPr>
+          </a:p>
+          <a:p>
+            <a:pPr algn="ctr"/>
+            <a:endParaRPr lang="en-US" altLang="ko-KR" sz="1400" b="1" dirty="0">
+              <a:solidFill>
+                <a:schemeClr val="tx1"/>
+              </a:solidFill>
+            </a:endParaRPr>
+          </a:p>
+          <a:p>
+            <a:pPr algn="ctr"/>
+            <a:endParaRPr lang="en-US" altLang="ko-KR" sz="1400" b="1" dirty="0">
+              <a:solidFill>
+                <a:schemeClr val="tx1"/>
+              </a:solidFill>
+            </a:endParaRPr>
+          </a:p>
+          <a:p>
+            <a:pPr algn="ctr"/>
+            <a:endParaRPr lang="ko-KR" altLang="en-US" sz="1400" b="1" dirty="0">
+              <a:solidFill>
+                <a:schemeClr val="tx1"/>
+              </a:solidFill>
+            </a:endParaRPr>
+          </a:p>
+        </p:txBody>
+      </p:sp>
+      <p:sp>
+        <p:nvSpPr>
           <p:cNvPr id="2" name="제목 1">
             <a:extLst>
               <a:ext uri="{FF2B5EF4-FFF2-40B4-BE49-F238E27FC236}">
-                <a16:creationId xmlns:a16="http://schemas.microsoft.com/office/drawing/2014/main" id="{21E2BFD9-A443-A2DA-37DC-075229223D17}"/>
+                <a16:creationId xmlns:a16="http://schemas.microsoft.com/office/drawing/2014/main" id="{57067A1D-5CAB-7499-F264-1ECAD504BB3F}"/>
               </a:ext>
             </a:extLst>
           </p:cNvPr>
@@ -3403,17 +3955,10 @@
           <a:p>
             <a:pPr algn="l"/>
             <a:r>
-              <a:rPr lang="ko-KR" altLang="en-US" sz="2800" b="1" dirty="0"/>
-              <a:t>토큰</a:t>
-            </a:r>
-            <a:r>
               <a:rPr lang="en-US" altLang="ko-KR" sz="2800" b="1" dirty="0"/>
-              <a:t>(JWT)</a:t>
-            </a:r>
-            <a:r>
-              <a:rPr lang="ko-KR" altLang="en-US" sz="2800" b="1" dirty="0"/>
-              <a:t> 발행</a:t>
-            </a:r>
+              <a:t>Json Web Token, JWT</a:t>
+            </a:r>
+            <a:endParaRPr lang="ko-KR" altLang="en-US" sz="2800" b="1" dirty="0"/>
           </a:p>
         </p:txBody>
       </p:sp>
@@ -3422,7 +3967,7 @@
           <p:cNvPr id="5" name="Picture 4" descr="사용자 사람 클라이언트 - Infographics 아이콘">
             <a:extLst>
               <a:ext uri="{FF2B5EF4-FFF2-40B4-BE49-F238E27FC236}">
-                <a16:creationId xmlns:a16="http://schemas.microsoft.com/office/drawing/2014/main" id="{B1473575-47BA-1F3E-A936-2C4D8ABC9260}"/>
+                <a16:creationId xmlns:a16="http://schemas.microsoft.com/office/drawing/2014/main" id="{55197B09-C595-715D-AA6E-4C28CADB2194}"/>
               </a:ext>
             </a:extLst>
           </p:cNvPr>
@@ -3446,7 +3991,7 @@
         </p:blipFill>
         <p:spPr bwMode="auto">
           <a:xfrm>
-            <a:off x="2216570" y="2831715"/>
+            <a:off x="416505" y="3018323"/>
             <a:ext cx="412621" cy="530809"/>
           </a:xfrm>
           <a:prstGeom prst="rect">
@@ -3469,7 +4014,7 @@
           <p:cNvPr id="6" name="TextBox 5">
             <a:extLst>
               <a:ext uri="{FF2B5EF4-FFF2-40B4-BE49-F238E27FC236}">
-                <a16:creationId xmlns:a16="http://schemas.microsoft.com/office/drawing/2014/main" id="{3284825C-ED6D-CB69-9FFB-8ADCE301196E}"/>
+                <a16:creationId xmlns:a16="http://schemas.microsoft.com/office/drawing/2014/main" id="{1FB8B9C3-2913-F4BF-FEFC-5E999962A07B}"/>
               </a:ext>
             </a:extLst>
           </p:cNvPr>
@@ -3478,8 +4023,8 @@
         </p:nvSpPr>
         <p:spPr>
           <a:xfrm>
-            <a:off x="2644111" y="2665266"/>
-            <a:ext cx="1534666" cy="430887"/>
+            <a:off x="762000" y="2851874"/>
+            <a:ext cx="1616712" cy="430887"/>
           </a:xfrm>
           <a:prstGeom prst="rect">
             <a:avLst/>
@@ -3492,7 +4037,9 @@
           </a:bodyPr>
           <a:lstStyle/>
           <a:p>
-            <a:pPr algn="ctr"/>
+            <a:pPr marL="228600" indent="-228600" algn="ctr">
+              <a:buAutoNum type="arabicPeriod"/>
+            </a:pPr>
             <a:r>
               <a:rPr lang="en-US" altLang="ko-KR" sz="1100" b="1" dirty="0">
                 <a:solidFill>
@@ -3501,10 +4048,363 @@
                   </a:schemeClr>
                 </a:solidFill>
               </a:rPr>
-              <a:t>1. Http Request</a:t>
-            </a:r>
-          </a:p>
-          <a:p>
+              <a:t>Authentication (application/json)</a:t>
+            </a:r>
+            <a:endParaRPr lang="ko-KR" altLang="en-US" sz="1100" b="1" dirty="0">
+              <a:solidFill>
+                <a:schemeClr val="accent5">
+                  <a:lumMod val="75000"/>
+                </a:schemeClr>
+              </a:solidFill>
+            </a:endParaRPr>
+          </a:p>
+        </p:txBody>
+      </p:sp>
+      <p:cxnSp>
+        <p:nvCxnSpPr>
+          <p:cNvPr id="8" name="직선 화살표 연결선 7">
+            <a:extLst>
+              <a:ext uri="{FF2B5EF4-FFF2-40B4-BE49-F238E27FC236}">
+                <a16:creationId xmlns:a16="http://schemas.microsoft.com/office/drawing/2014/main" id="{21D4B0B9-E622-FC05-C050-69F8B35D409D}"/>
+              </a:ext>
+            </a:extLst>
+          </p:cNvPr>
+          <p:cNvCxnSpPr>
+            <a:cxnSpLocks/>
+          </p:cNvCxnSpPr>
+          <p:nvPr/>
+        </p:nvCxnSpPr>
+        <p:spPr>
+          <a:xfrm>
+            <a:off x="947311" y="3280986"/>
+            <a:ext cx="1433165" cy="0"/>
+          </a:xfrm>
+          <a:prstGeom prst="straightConnector1">
+            <a:avLst/>
+          </a:prstGeom>
+          <a:ln>
+            <a:tailEnd type="triangle"/>
+          </a:ln>
+        </p:spPr>
+        <p:style>
+          <a:lnRef idx="1">
+            <a:schemeClr val="accent1"/>
+          </a:lnRef>
+          <a:fillRef idx="0">
+            <a:schemeClr val="accent1"/>
+          </a:fillRef>
+          <a:effectRef idx="0">
+            <a:schemeClr val="accent1"/>
+          </a:effectRef>
+          <a:fontRef idx="minor">
+            <a:schemeClr val="tx1"/>
+          </a:fontRef>
+        </p:style>
+      </p:cxnSp>
+      <p:sp>
+        <p:nvSpPr>
+          <p:cNvPr id="16" name="직사각형 15">
+            <a:extLst>
+              <a:ext uri="{FF2B5EF4-FFF2-40B4-BE49-F238E27FC236}">
+                <a16:creationId xmlns:a16="http://schemas.microsoft.com/office/drawing/2014/main" id="{BF13ABB2-7F52-4405-0E68-4CCA00A1D216}"/>
+              </a:ext>
+            </a:extLst>
+          </p:cNvPr>
+          <p:cNvSpPr/>
+          <p:nvPr/>
+        </p:nvSpPr>
+        <p:spPr>
+          <a:xfrm>
+            <a:off x="2500604" y="3183659"/>
+            <a:ext cx="761853" cy="307777"/>
+          </a:xfrm>
+          <a:prstGeom prst="rect">
+            <a:avLst/>
+          </a:prstGeom>
+          <a:solidFill>
+            <a:schemeClr val="accent1">
+              <a:lumMod val="40000"/>
+              <a:lumOff val="60000"/>
+            </a:schemeClr>
+          </a:solidFill>
+        </p:spPr>
+        <p:style>
+          <a:lnRef idx="2">
+            <a:schemeClr val="accent1">
+              <a:shade val="50000"/>
+            </a:schemeClr>
+          </a:lnRef>
+          <a:fillRef idx="1">
+            <a:schemeClr val="accent1"/>
+          </a:fillRef>
+          <a:effectRef idx="0">
+            <a:schemeClr val="accent1"/>
+          </a:effectRef>
+          <a:fontRef idx="minor">
+            <a:schemeClr val="lt1"/>
+          </a:fontRef>
+        </p:style>
+        <p:txBody>
+          <a:bodyPr wrap="square" rtlCol="0" anchor="ctr">
+            <a:spAutoFit/>
+          </a:bodyPr>
+          <a:lstStyle/>
+          <a:p>
+            <a:pPr algn="ctr"/>
+            <a:r>
+              <a:rPr lang="en-US" altLang="ko-KR" sz="1400" b="1" dirty="0">
+                <a:solidFill>
+                  <a:schemeClr val="tx1"/>
+                </a:solidFill>
+              </a:rPr>
+              <a:t>API</a:t>
+            </a:r>
+            <a:endParaRPr lang="ko-KR" altLang="en-US" sz="1400" b="1" dirty="0">
+              <a:solidFill>
+                <a:schemeClr val="tx1"/>
+              </a:solidFill>
+            </a:endParaRPr>
+          </a:p>
+        </p:txBody>
+      </p:sp>
+      <p:sp>
+        <p:nvSpPr>
+          <p:cNvPr id="28" name="직사각형 27">
+            <a:extLst>
+              <a:ext uri="{FF2B5EF4-FFF2-40B4-BE49-F238E27FC236}">
+                <a16:creationId xmlns:a16="http://schemas.microsoft.com/office/drawing/2014/main" id="{77A5869E-A45B-5FB8-590D-1F043580CB8B}"/>
+              </a:ext>
+            </a:extLst>
+          </p:cNvPr>
+          <p:cNvSpPr/>
+          <p:nvPr/>
+        </p:nvSpPr>
+        <p:spPr>
+          <a:xfrm>
+            <a:off x="4320073" y="2303589"/>
+            <a:ext cx="7529805" cy="2462213"/>
+          </a:xfrm>
+          <a:prstGeom prst="rect">
+            <a:avLst/>
+          </a:prstGeom>
+          <a:solidFill>
+            <a:schemeClr val="accent1">
+              <a:lumMod val="20000"/>
+              <a:lumOff val="80000"/>
+            </a:schemeClr>
+          </a:solidFill>
+          <a:ln>
+            <a:prstDash val="dash"/>
+          </a:ln>
+        </p:spPr>
+        <p:style>
+          <a:lnRef idx="2">
+            <a:schemeClr val="accent1">
+              <a:shade val="50000"/>
+            </a:schemeClr>
+          </a:lnRef>
+          <a:fillRef idx="1">
+            <a:schemeClr val="accent1"/>
+          </a:fillRef>
+          <a:effectRef idx="0">
+            <a:schemeClr val="accent1"/>
+          </a:effectRef>
+          <a:fontRef idx="minor">
+            <a:schemeClr val="lt1"/>
+          </a:fontRef>
+        </p:style>
+        <p:txBody>
+          <a:bodyPr wrap="square" rtlCol="0" anchor="ctr">
+            <a:spAutoFit/>
+          </a:bodyPr>
+          <a:lstStyle/>
+          <a:p>
+            <a:r>
+              <a:rPr lang="en-US" altLang="ko-KR" sz="1400" b="1" dirty="0">
+                <a:solidFill>
+                  <a:schemeClr val="tx1"/>
+                </a:solidFill>
+              </a:rPr>
+              <a:t>Service</a:t>
+            </a:r>
+          </a:p>
+          <a:p>
+            <a:pPr algn="ctr"/>
+            <a:endParaRPr lang="en-US" altLang="ko-KR" sz="1400" b="1" dirty="0">
+              <a:solidFill>
+                <a:schemeClr val="tx1"/>
+              </a:solidFill>
+            </a:endParaRPr>
+          </a:p>
+          <a:p>
+            <a:pPr algn="ctr"/>
+            <a:endParaRPr lang="en-US" altLang="ko-KR" sz="1400" b="1" dirty="0">
+              <a:solidFill>
+                <a:schemeClr val="tx1"/>
+              </a:solidFill>
+            </a:endParaRPr>
+          </a:p>
+          <a:p>
+            <a:pPr algn="ctr"/>
+            <a:endParaRPr lang="en-US" altLang="ko-KR" sz="1400" b="1" dirty="0">
+              <a:solidFill>
+                <a:schemeClr val="tx1"/>
+              </a:solidFill>
+            </a:endParaRPr>
+          </a:p>
+          <a:p>
+            <a:pPr algn="ctr"/>
+            <a:endParaRPr lang="en-US" altLang="ko-KR" sz="1400" b="1" dirty="0">
+              <a:solidFill>
+                <a:schemeClr val="tx1"/>
+              </a:solidFill>
+            </a:endParaRPr>
+          </a:p>
+          <a:p>
+            <a:pPr algn="ctr"/>
+            <a:endParaRPr lang="en-US" altLang="ko-KR" sz="1400" b="1" dirty="0">
+              <a:solidFill>
+                <a:schemeClr val="tx1"/>
+              </a:solidFill>
+            </a:endParaRPr>
+          </a:p>
+          <a:p>
+            <a:pPr algn="ctr"/>
+            <a:endParaRPr lang="en-US" altLang="ko-KR" sz="1400" b="1" dirty="0">
+              <a:solidFill>
+                <a:schemeClr val="tx1"/>
+              </a:solidFill>
+            </a:endParaRPr>
+          </a:p>
+          <a:p>
+            <a:pPr algn="ctr"/>
+            <a:endParaRPr lang="en-US" altLang="ko-KR" sz="1400" b="1" dirty="0">
+              <a:solidFill>
+                <a:schemeClr val="tx1"/>
+              </a:solidFill>
+            </a:endParaRPr>
+          </a:p>
+          <a:p>
+            <a:pPr algn="ctr"/>
+            <a:endParaRPr lang="en-US" altLang="ko-KR" sz="1400" b="1" dirty="0">
+              <a:solidFill>
+                <a:schemeClr val="tx1"/>
+              </a:solidFill>
+            </a:endParaRPr>
+          </a:p>
+          <a:p>
+            <a:pPr algn="ctr"/>
+            <a:endParaRPr lang="en-US" altLang="ko-KR" sz="1400" b="1" dirty="0">
+              <a:solidFill>
+                <a:schemeClr val="tx1"/>
+              </a:solidFill>
+            </a:endParaRPr>
+          </a:p>
+          <a:p>
+            <a:pPr algn="ctr"/>
+            <a:endParaRPr lang="ko-KR" altLang="en-US" sz="1400" b="1" dirty="0">
+              <a:solidFill>
+                <a:schemeClr val="tx1"/>
+              </a:solidFill>
+            </a:endParaRPr>
+          </a:p>
+        </p:txBody>
+      </p:sp>
+      <p:sp>
+        <p:nvSpPr>
+          <p:cNvPr id="18" name="직사각형 17">
+            <a:extLst>
+              <a:ext uri="{FF2B5EF4-FFF2-40B4-BE49-F238E27FC236}">
+                <a16:creationId xmlns:a16="http://schemas.microsoft.com/office/drawing/2014/main" id="{00C19DA6-97DB-57D6-484F-22469A2BE70D}"/>
+              </a:ext>
+            </a:extLst>
+          </p:cNvPr>
+          <p:cNvSpPr/>
+          <p:nvPr/>
+        </p:nvSpPr>
+        <p:spPr>
+          <a:xfrm>
+            <a:off x="7489461" y="3165270"/>
+            <a:ext cx="1655685" cy="307777"/>
+          </a:xfrm>
+          <a:prstGeom prst="rect">
+            <a:avLst/>
+          </a:prstGeom>
+          <a:solidFill>
+            <a:schemeClr val="accent1">
+              <a:lumMod val="40000"/>
+              <a:lumOff val="60000"/>
+            </a:schemeClr>
+          </a:solidFill>
+        </p:spPr>
+        <p:style>
+          <a:lnRef idx="2">
+            <a:schemeClr val="accent1">
+              <a:shade val="50000"/>
+            </a:schemeClr>
+          </a:lnRef>
+          <a:fillRef idx="1">
+            <a:schemeClr val="accent1"/>
+          </a:fillRef>
+          <a:effectRef idx="0">
+            <a:schemeClr val="accent1"/>
+          </a:effectRef>
+          <a:fontRef idx="minor">
+            <a:schemeClr val="lt1"/>
+          </a:fontRef>
+        </p:style>
+        <p:txBody>
+          <a:bodyPr wrap="square" rtlCol="0" anchor="ctr">
+            <a:spAutoFit/>
+          </a:bodyPr>
+          <a:lstStyle/>
+          <a:p>
+            <a:pPr algn="ctr"/>
+            <a:r>
+              <a:rPr lang="en-US" altLang="ko-KR" sz="1400" b="1" dirty="0">
+                <a:solidFill>
+                  <a:schemeClr val="tx1"/>
+                </a:solidFill>
+              </a:rPr>
+              <a:t>createPayload</a:t>
+            </a:r>
+            <a:endParaRPr lang="ko-KR" altLang="en-US" sz="1400" b="1" dirty="0">
+              <a:solidFill>
+                <a:schemeClr val="tx1"/>
+              </a:solidFill>
+            </a:endParaRPr>
+          </a:p>
+        </p:txBody>
+      </p:sp>
+      <p:sp>
+        <p:nvSpPr>
+          <p:cNvPr id="25" name="TextBox 24">
+            <a:extLst>
+              <a:ext uri="{FF2B5EF4-FFF2-40B4-BE49-F238E27FC236}">
+                <a16:creationId xmlns:a16="http://schemas.microsoft.com/office/drawing/2014/main" id="{89BAEFEC-9B9B-605C-E498-6DE4263D2B04}"/>
+              </a:ext>
+            </a:extLst>
+          </p:cNvPr>
+          <p:cNvSpPr txBox="1"/>
+          <p:nvPr/>
+        </p:nvSpPr>
+        <p:spPr>
+          <a:xfrm>
+            <a:off x="5775655" y="5014043"/>
+            <a:ext cx="2174851" cy="430887"/>
+          </a:xfrm>
+          <a:prstGeom prst="rect">
+            <a:avLst/>
+          </a:prstGeom>
+          <a:noFill/>
+        </p:spPr>
+        <p:txBody>
+          <a:bodyPr wrap="square" rtlCol="0">
+            <a:spAutoFit/>
+          </a:bodyPr>
+          <a:lstStyle/>
+          <a:p>
+            <a:pPr algn="ctr"/>
             <a:r>
               <a:rPr lang="en-US" altLang="ko-KR" sz="1100" b="1" dirty="0">
                 <a:solidFill>
@@ -3513,596 +4413,7 @@
                   </a:schemeClr>
                 </a:solidFill>
               </a:rPr>
-              <a:t>RequestBody(Claim)</a:t>
-            </a:r>
-            <a:endParaRPr lang="ko-KR" altLang="en-US" sz="1100" b="1" dirty="0">
-              <a:solidFill>
-                <a:schemeClr val="accent5">
-                  <a:lumMod val="75000"/>
-                </a:schemeClr>
-              </a:solidFill>
-            </a:endParaRPr>
-          </a:p>
-        </p:txBody>
-      </p:sp>
-      <p:cxnSp>
-        <p:nvCxnSpPr>
-          <p:cNvPr id="8" name="직선 화살표 연결선 7">
-            <a:extLst>
-              <a:ext uri="{FF2B5EF4-FFF2-40B4-BE49-F238E27FC236}">
-                <a16:creationId xmlns:a16="http://schemas.microsoft.com/office/drawing/2014/main" id="{2E4E11BE-6FB7-1E3F-2310-665FA6E93584}"/>
-              </a:ext>
-            </a:extLst>
-          </p:cNvPr>
-          <p:cNvCxnSpPr>
-            <a:cxnSpLocks/>
-          </p:cNvCxnSpPr>
-          <p:nvPr/>
-        </p:nvCxnSpPr>
-        <p:spPr>
-          <a:xfrm>
-            <a:off x="2747376" y="3094378"/>
-            <a:ext cx="1433165" cy="0"/>
-          </a:xfrm>
-          <a:prstGeom prst="straightConnector1">
-            <a:avLst/>
-          </a:prstGeom>
-          <a:ln>
-            <a:tailEnd type="triangle"/>
-          </a:ln>
-        </p:spPr>
-        <p:style>
-          <a:lnRef idx="1">
-            <a:schemeClr val="accent1"/>
-          </a:lnRef>
-          <a:fillRef idx="0">
-            <a:schemeClr val="accent1"/>
-          </a:fillRef>
-          <a:effectRef idx="0">
-            <a:schemeClr val="accent1"/>
-          </a:effectRef>
-          <a:fontRef idx="minor">
-            <a:schemeClr val="tx1"/>
-          </a:fontRef>
-        </p:style>
-      </p:cxnSp>
-      <p:sp>
-        <p:nvSpPr>
-          <p:cNvPr id="16" name="직사각형 15">
-            <a:extLst>
-              <a:ext uri="{FF2B5EF4-FFF2-40B4-BE49-F238E27FC236}">
-                <a16:creationId xmlns:a16="http://schemas.microsoft.com/office/drawing/2014/main" id="{AB4B2CC8-AD75-CF06-61B2-E670FE7C701D}"/>
-              </a:ext>
-            </a:extLst>
-          </p:cNvPr>
-          <p:cNvSpPr/>
-          <p:nvPr/>
-        </p:nvSpPr>
-        <p:spPr>
-          <a:xfrm>
-            <a:off x="4180541" y="2997051"/>
-            <a:ext cx="1423157" cy="307777"/>
-          </a:xfrm>
-          <a:prstGeom prst="rect">
-            <a:avLst/>
-          </a:prstGeom>
-          <a:solidFill>
-            <a:schemeClr val="accent1">
-              <a:lumMod val="40000"/>
-              <a:lumOff val="60000"/>
-            </a:schemeClr>
-          </a:solidFill>
-        </p:spPr>
-        <p:style>
-          <a:lnRef idx="2">
-            <a:schemeClr val="accent1">
-              <a:shade val="50000"/>
-            </a:schemeClr>
-          </a:lnRef>
-          <a:fillRef idx="1">
-            <a:schemeClr val="accent1"/>
-          </a:fillRef>
-          <a:effectRef idx="0">
-            <a:schemeClr val="accent1"/>
-          </a:effectRef>
-          <a:fontRef idx="minor">
-            <a:schemeClr val="lt1"/>
-          </a:fontRef>
-        </p:style>
-        <p:txBody>
-          <a:bodyPr wrap="square" rtlCol="0" anchor="ctr">
-            <a:spAutoFit/>
-          </a:bodyPr>
-          <a:lstStyle/>
-          <a:p>
-            <a:pPr algn="ctr"/>
-            <a:r>
-              <a:rPr lang="en-US" altLang="ko-KR" sz="1400" b="1" dirty="0">
-                <a:solidFill>
-                  <a:schemeClr val="tx1"/>
-                </a:solidFill>
-              </a:rPr>
-              <a:t>API</a:t>
-            </a:r>
-            <a:endParaRPr lang="ko-KR" altLang="en-US" sz="1400" b="1" dirty="0">
-              <a:solidFill>
-                <a:schemeClr val="tx1"/>
-              </a:solidFill>
-            </a:endParaRPr>
-          </a:p>
-        </p:txBody>
-      </p:sp>
-      <p:grpSp>
-        <p:nvGrpSpPr>
-          <p:cNvPr id="31" name="그룹 30">
-            <a:extLst>
-              <a:ext uri="{FF2B5EF4-FFF2-40B4-BE49-F238E27FC236}">
-                <a16:creationId xmlns:a16="http://schemas.microsoft.com/office/drawing/2014/main" id="{5A738955-08E3-0DDE-F2D4-623A1DE3BEA0}"/>
-              </a:ext>
-            </a:extLst>
-          </p:cNvPr>
-          <p:cNvGrpSpPr/>
-          <p:nvPr/>
-        </p:nvGrpSpPr>
-        <p:grpSpPr>
-          <a:xfrm>
-            <a:off x="7411421" y="2558764"/>
-            <a:ext cx="1939536" cy="2031325"/>
-            <a:chOff x="5914144" y="2257605"/>
-            <a:chExt cx="1939536" cy="2031325"/>
-          </a:xfrm>
-        </p:grpSpPr>
-        <p:sp>
-          <p:nvSpPr>
-            <p:cNvPr id="28" name="직사각형 27">
-              <a:extLst>
-                <a:ext uri="{FF2B5EF4-FFF2-40B4-BE49-F238E27FC236}">
-                  <a16:creationId xmlns:a16="http://schemas.microsoft.com/office/drawing/2014/main" id="{BB39C764-B0E3-0DD3-67BF-02518032A233}"/>
-                </a:ext>
-              </a:extLst>
-            </p:cNvPr>
-            <p:cNvSpPr/>
-            <p:nvPr/>
-          </p:nvSpPr>
-          <p:spPr>
-            <a:xfrm>
-              <a:off x="5914144" y="2257605"/>
-              <a:ext cx="1939536" cy="2031325"/>
-            </a:xfrm>
-            <a:prstGeom prst="rect">
-              <a:avLst/>
-            </a:prstGeom>
-            <a:solidFill>
-              <a:schemeClr val="accent1">
-                <a:lumMod val="20000"/>
-                <a:lumOff val="80000"/>
-              </a:schemeClr>
-            </a:solidFill>
-            <a:ln>
-              <a:prstDash val="dash"/>
-            </a:ln>
-          </p:spPr>
-          <p:style>
-            <a:lnRef idx="2">
-              <a:schemeClr val="accent1">
-                <a:shade val="50000"/>
-              </a:schemeClr>
-            </a:lnRef>
-            <a:fillRef idx="1">
-              <a:schemeClr val="accent1"/>
-            </a:fillRef>
-            <a:effectRef idx="0">
-              <a:schemeClr val="accent1"/>
-            </a:effectRef>
-            <a:fontRef idx="minor">
-              <a:schemeClr val="lt1"/>
-            </a:fontRef>
-          </p:style>
-          <p:txBody>
-            <a:bodyPr wrap="square" rtlCol="0" anchor="ctr">
-              <a:spAutoFit/>
-            </a:bodyPr>
-            <a:lstStyle/>
-            <a:p>
-              <a:pPr algn="ctr"/>
-              <a:r>
-                <a:rPr lang="en-US" altLang="ko-KR" sz="1400" b="1" dirty="0">
-                  <a:solidFill>
-                    <a:schemeClr val="tx1"/>
-                  </a:solidFill>
-                </a:rPr>
-                <a:t>Service</a:t>
-              </a:r>
-            </a:p>
-            <a:p>
-              <a:pPr algn="ctr"/>
-              <a:endParaRPr lang="en-US" altLang="ko-KR" sz="1400" b="1" dirty="0">
-                <a:solidFill>
-                  <a:schemeClr val="tx1"/>
-                </a:solidFill>
-              </a:endParaRPr>
-            </a:p>
-            <a:p>
-              <a:pPr algn="ctr"/>
-              <a:endParaRPr lang="en-US" altLang="ko-KR" sz="1400" b="1" dirty="0">
-                <a:solidFill>
-                  <a:schemeClr val="tx1"/>
-                </a:solidFill>
-              </a:endParaRPr>
-            </a:p>
-            <a:p>
-              <a:pPr algn="ctr"/>
-              <a:endParaRPr lang="en-US" altLang="ko-KR" sz="1400" b="1" dirty="0">
-                <a:solidFill>
-                  <a:schemeClr val="tx1"/>
-                </a:solidFill>
-              </a:endParaRPr>
-            </a:p>
-            <a:p>
-              <a:pPr algn="ctr"/>
-              <a:endParaRPr lang="en-US" altLang="ko-KR" sz="1400" b="1" dirty="0">
-                <a:solidFill>
-                  <a:schemeClr val="tx1"/>
-                </a:solidFill>
-              </a:endParaRPr>
-            </a:p>
-            <a:p>
-              <a:pPr algn="ctr"/>
-              <a:endParaRPr lang="en-US" altLang="ko-KR" sz="1400" b="1" dirty="0">
-                <a:solidFill>
-                  <a:schemeClr val="tx1"/>
-                </a:solidFill>
-              </a:endParaRPr>
-            </a:p>
-            <a:p>
-              <a:pPr algn="ctr"/>
-              <a:endParaRPr lang="en-US" altLang="ko-KR" sz="1400" b="1" dirty="0">
-                <a:solidFill>
-                  <a:schemeClr val="tx1"/>
-                </a:solidFill>
-              </a:endParaRPr>
-            </a:p>
-            <a:p>
-              <a:pPr algn="ctr"/>
-              <a:endParaRPr lang="en-US" altLang="ko-KR" sz="1400" b="1" dirty="0">
-                <a:solidFill>
-                  <a:schemeClr val="tx1"/>
-                </a:solidFill>
-              </a:endParaRPr>
-            </a:p>
-            <a:p>
-              <a:pPr algn="ctr"/>
-              <a:endParaRPr lang="ko-KR" altLang="en-US" sz="1400" b="1" dirty="0">
-                <a:solidFill>
-                  <a:schemeClr val="tx1"/>
-                </a:solidFill>
-              </a:endParaRPr>
-            </a:p>
-          </p:txBody>
-        </p:sp>
-        <p:sp>
-          <p:nvSpPr>
-            <p:cNvPr id="17" name="직사각형 16">
-              <a:extLst>
-                <a:ext uri="{FF2B5EF4-FFF2-40B4-BE49-F238E27FC236}">
-                  <a16:creationId xmlns:a16="http://schemas.microsoft.com/office/drawing/2014/main" id="{410277DF-618E-4C6D-0F65-FD564723B0D4}"/>
-                </a:ext>
-              </a:extLst>
-            </p:cNvPr>
-            <p:cNvSpPr/>
-            <p:nvPr/>
-          </p:nvSpPr>
-          <p:spPr>
-            <a:xfrm>
-              <a:off x="6048522" y="2698615"/>
-              <a:ext cx="1657256" cy="307777"/>
-            </a:xfrm>
-            <a:prstGeom prst="rect">
-              <a:avLst/>
-            </a:prstGeom>
-            <a:solidFill>
-              <a:schemeClr val="accent1">
-                <a:lumMod val="40000"/>
-                <a:lumOff val="60000"/>
-              </a:schemeClr>
-            </a:solidFill>
-          </p:spPr>
-          <p:style>
-            <a:lnRef idx="2">
-              <a:schemeClr val="accent1">
-                <a:shade val="50000"/>
-              </a:schemeClr>
-            </a:lnRef>
-            <a:fillRef idx="1">
-              <a:schemeClr val="accent1"/>
-            </a:fillRef>
-            <a:effectRef idx="0">
-              <a:schemeClr val="accent1"/>
-            </a:effectRef>
-            <a:fontRef idx="minor">
-              <a:schemeClr val="lt1"/>
-            </a:fontRef>
-          </p:style>
-          <p:txBody>
-            <a:bodyPr wrap="square" rtlCol="0" anchor="ctr">
-              <a:spAutoFit/>
-            </a:bodyPr>
-            <a:lstStyle/>
-            <a:p>
-              <a:pPr algn="ctr"/>
-              <a:r>
-                <a:rPr lang="en-US" altLang="ko-KR" sz="1400" b="1" dirty="0">
-                  <a:solidFill>
-                    <a:schemeClr val="tx1"/>
-                  </a:solidFill>
-                </a:rPr>
-                <a:t>createHeader</a:t>
-              </a:r>
-              <a:endParaRPr lang="ko-KR" altLang="en-US" sz="1400" b="1" dirty="0">
-                <a:solidFill>
-                  <a:schemeClr val="tx1"/>
-                </a:solidFill>
-              </a:endParaRPr>
-            </a:p>
-          </p:txBody>
-        </p:sp>
-        <p:sp>
-          <p:nvSpPr>
-            <p:cNvPr id="18" name="직사각형 17">
-              <a:extLst>
-                <a:ext uri="{FF2B5EF4-FFF2-40B4-BE49-F238E27FC236}">
-                  <a16:creationId xmlns:a16="http://schemas.microsoft.com/office/drawing/2014/main" id="{8E200836-3AB1-5C14-97D4-03CA451337FE}"/>
-                </a:ext>
-              </a:extLst>
-            </p:cNvPr>
-            <p:cNvSpPr/>
-            <p:nvPr/>
-          </p:nvSpPr>
-          <p:spPr>
-            <a:xfrm>
-              <a:off x="6050093" y="3256172"/>
-              <a:ext cx="1655685" cy="307777"/>
-            </a:xfrm>
-            <a:prstGeom prst="rect">
-              <a:avLst/>
-            </a:prstGeom>
-            <a:solidFill>
-              <a:schemeClr val="accent1">
-                <a:lumMod val="40000"/>
-                <a:lumOff val="60000"/>
-              </a:schemeClr>
-            </a:solidFill>
-          </p:spPr>
-          <p:style>
-            <a:lnRef idx="2">
-              <a:schemeClr val="accent1">
-                <a:shade val="50000"/>
-              </a:schemeClr>
-            </a:lnRef>
-            <a:fillRef idx="1">
-              <a:schemeClr val="accent1"/>
-            </a:fillRef>
-            <a:effectRef idx="0">
-              <a:schemeClr val="accent1"/>
-            </a:effectRef>
-            <a:fontRef idx="minor">
-              <a:schemeClr val="lt1"/>
-            </a:fontRef>
-          </p:style>
-          <p:txBody>
-            <a:bodyPr wrap="square" rtlCol="0" anchor="ctr">
-              <a:spAutoFit/>
-            </a:bodyPr>
-            <a:lstStyle/>
-            <a:p>
-              <a:pPr algn="ctr"/>
-              <a:r>
-                <a:rPr lang="en-US" altLang="ko-KR" sz="1400" b="1" dirty="0">
-                  <a:solidFill>
-                    <a:schemeClr val="tx1"/>
-                  </a:solidFill>
-                </a:rPr>
-                <a:t>createPayload</a:t>
-              </a:r>
-              <a:endParaRPr lang="ko-KR" altLang="en-US" sz="1400" b="1" dirty="0">
-                <a:solidFill>
-                  <a:schemeClr val="tx1"/>
-                </a:solidFill>
-              </a:endParaRPr>
-            </a:p>
-          </p:txBody>
-        </p:sp>
-        <p:sp>
-          <p:nvSpPr>
-            <p:cNvPr id="19" name="직사각형 18">
-              <a:extLst>
-                <a:ext uri="{FF2B5EF4-FFF2-40B4-BE49-F238E27FC236}">
-                  <a16:creationId xmlns:a16="http://schemas.microsoft.com/office/drawing/2014/main" id="{AB865522-084F-BBA4-3568-63623C8CBCFB}"/>
-                </a:ext>
-              </a:extLst>
-            </p:cNvPr>
-            <p:cNvSpPr/>
-            <p:nvPr/>
-          </p:nvSpPr>
-          <p:spPr>
-            <a:xfrm>
-              <a:off x="6042237" y="3832580"/>
-              <a:ext cx="1672967" cy="307777"/>
-            </a:xfrm>
-            <a:prstGeom prst="rect">
-              <a:avLst/>
-            </a:prstGeom>
-            <a:solidFill>
-              <a:schemeClr val="accent1">
-                <a:lumMod val="40000"/>
-                <a:lumOff val="60000"/>
-              </a:schemeClr>
-            </a:solidFill>
-          </p:spPr>
-          <p:style>
-            <a:lnRef idx="2">
-              <a:schemeClr val="accent1">
-                <a:shade val="50000"/>
-              </a:schemeClr>
-            </a:lnRef>
-            <a:fillRef idx="1">
-              <a:schemeClr val="accent1"/>
-            </a:fillRef>
-            <a:effectRef idx="0">
-              <a:schemeClr val="accent1"/>
-            </a:effectRef>
-            <a:fontRef idx="minor">
-              <a:schemeClr val="lt1"/>
-            </a:fontRef>
-          </p:style>
-          <p:txBody>
-            <a:bodyPr wrap="square" rtlCol="0" anchor="ctr">
-              <a:spAutoFit/>
-            </a:bodyPr>
-            <a:lstStyle/>
-            <a:p>
-              <a:pPr algn="ctr"/>
-              <a:r>
-                <a:rPr lang="en-US" altLang="ko-KR" sz="1400" b="1" dirty="0">
-                  <a:solidFill>
-                    <a:schemeClr val="tx1"/>
-                  </a:solidFill>
-                </a:rPr>
-                <a:t>createSignature</a:t>
-              </a:r>
-              <a:endParaRPr lang="ko-KR" altLang="en-US" sz="1400" b="1" dirty="0">
-                <a:solidFill>
-                  <a:schemeClr val="tx1"/>
-                </a:solidFill>
-              </a:endParaRPr>
-            </a:p>
-          </p:txBody>
-        </p:sp>
-        <p:cxnSp>
-          <p:nvCxnSpPr>
-            <p:cNvPr id="23" name="직선 화살표 연결선 22">
-              <a:extLst>
-                <a:ext uri="{FF2B5EF4-FFF2-40B4-BE49-F238E27FC236}">
-                  <a16:creationId xmlns:a16="http://schemas.microsoft.com/office/drawing/2014/main" id="{4A77AF8B-64E2-2380-6F42-56B00BCAC2F0}"/>
-                </a:ext>
-              </a:extLst>
-            </p:cNvPr>
-            <p:cNvCxnSpPr>
-              <a:cxnSpLocks/>
-              <a:stCxn id="17" idx="2"/>
-              <a:endCxn id="18" idx="0"/>
-            </p:cNvCxnSpPr>
-            <p:nvPr/>
-          </p:nvCxnSpPr>
-          <p:spPr>
-            <a:xfrm>
-              <a:off x="6877150" y="3006392"/>
-              <a:ext cx="786" cy="249780"/>
-            </a:xfrm>
-            <a:prstGeom prst="straightConnector1">
-              <a:avLst/>
-            </a:prstGeom>
-            <a:ln>
-              <a:tailEnd type="triangle"/>
-            </a:ln>
-          </p:spPr>
-          <p:style>
-            <a:lnRef idx="1">
-              <a:schemeClr val="accent1"/>
-            </a:lnRef>
-            <a:fillRef idx="0">
-              <a:schemeClr val="accent1"/>
-            </a:fillRef>
-            <a:effectRef idx="0">
-              <a:schemeClr val="accent1"/>
-            </a:effectRef>
-            <a:fontRef idx="minor">
-              <a:schemeClr val="tx1"/>
-            </a:fontRef>
-          </p:style>
-        </p:cxnSp>
-        <p:cxnSp>
-          <p:nvCxnSpPr>
-            <p:cNvPr id="29" name="직선 화살표 연결선 28">
-              <a:extLst>
-                <a:ext uri="{FF2B5EF4-FFF2-40B4-BE49-F238E27FC236}">
-                  <a16:creationId xmlns:a16="http://schemas.microsoft.com/office/drawing/2014/main" id="{B93C1543-B715-BB7D-1DB8-2E38025B30BA}"/>
-                </a:ext>
-              </a:extLst>
-            </p:cNvPr>
-            <p:cNvCxnSpPr>
-              <a:cxnSpLocks/>
-              <a:stCxn id="18" idx="2"/>
-              <a:endCxn id="19" idx="0"/>
-            </p:cNvCxnSpPr>
-            <p:nvPr/>
-          </p:nvCxnSpPr>
-          <p:spPr>
-            <a:xfrm>
-              <a:off x="6877936" y="3563949"/>
-              <a:ext cx="785" cy="268631"/>
-            </a:xfrm>
-            <a:prstGeom prst="straightConnector1">
-              <a:avLst/>
-            </a:prstGeom>
-            <a:ln>
-              <a:tailEnd type="triangle"/>
-            </a:ln>
-          </p:spPr>
-          <p:style>
-            <a:lnRef idx="1">
-              <a:schemeClr val="accent1"/>
-            </a:lnRef>
-            <a:fillRef idx="0">
-              <a:schemeClr val="accent1"/>
-            </a:fillRef>
-            <a:effectRef idx="0">
-              <a:schemeClr val="accent1"/>
-            </a:effectRef>
-            <a:fontRef idx="minor">
-              <a:schemeClr val="tx1"/>
-            </a:fontRef>
-          </p:style>
-        </p:cxnSp>
-      </p:grpSp>
-      <p:sp>
-        <p:nvSpPr>
-          <p:cNvPr id="25" name="TextBox 24">
-            <a:extLst>
-              <a:ext uri="{FF2B5EF4-FFF2-40B4-BE49-F238E27FC236}">
-                <a16:creationId xmlns:a16="http://schemas.microsoft.com/office/drawing/2014/main" id="{9E1A9002-C09E-1C67-0ADE-EFF0A2D32D53}"/>
-              </a:ext>
-            </a:extLst>
-          </p:cNvPr>
-          <p:cNvSpPr txBox="1"/>
-          <p:nvPr/>
-        </p:nvSpPr>
-        <p:spPr>
-          <a:xfrm>
-            <a:off x="6414105" y="4855428"/>
-            <a:ext cx="2174851" cy="430887"/>
-          </a:xfrm>
-          <a:prstGeom prst="rect">
-            <a:avLst/>
-          </a:prstGeom>
-          <a:noFill/>
-        </p:spPr>
-        <p:txBody>
-          <a:bodyPr wrap="square" rtlCol="0">
-            <a:spAutoFit/>
-          </a:bodyPr>
-          <a:lstStyle/>
-          <a:p>
-            <a:pPr algn="ctr"/>
-            <a:r>
-              <a:rPr lang="en-US" altLang="ko-KR" sz="1100" b="1" dirty="0">
-                <a:solidFill>
-                  <a:schemeClr val="accent5">
-                    <a:lumMod val="75000"/>
-                  </a:schemeClr>
-                </a:solidFill>
-              </a:rPr>
-              <a:t>Token</a:t>
+              <a:t>8. Json Web Token</a:t>
             </a:r>
           </a:p>
           <a:p>
@@ -4132,7 +4443,7 @@
           <p:cNvPr id="33" name="직선 화살표 연결선 32">
             <a:extLst>
               <a:ext uri="{FF2B5EF4-FFF2-40B4-BE49-F238E27FC236}">
-                <a16:creationId xmlns:a16="http://schemas.microsoft.com/office/drawing/2014/main" id="{95179CB6-7555-75B2-9481-84638872982A}"/>
+                <a16:creationId xmlns:a16="http://schemas.microsoft.com/office/drawing/2014/main" id="{E8ACB897-C771-3827-3904-0047905FBBC5}"/>
               </a:ext>
             </a:extLst>
           </p:cNvPr>
@@ -4143,8 +4454,8 @@
         </p:nvCxnSpPr>
         <p:spPr>
           <a:xfrm>
-            <a:off x="5603698" y="3113232"/>
-            <a:ext cx="1942101" cy="2723"/>
+            <a:off x="3275045" y="3299840"/>
+            <a:ext cx="1166326" cy="0"/>
           </a:xfrm>
           <a:prstGeom prst="straightConnector1">
             <a:avLst/>
@@ -4173,25 +4484,25 @@
           <p:cNvPr id="37" name="연결선: 꺾임 36">
             <a:extLst>
               <a:ext uri="{FF2B5EF4-FFF2-40B4-BE49-F238E27FC236}">
-                <a16:creationId xmlns:a16="http://schemas.microsoft.com/office/drawing/2014/main" id="{9FC26C50-3600-74F4-69C0-1B4854EABD85}"/>
+                <a16:creationId xmlns:a16="http://schemas.microsoft.com/office/drawing/2014/main" id="{B632AEE0-3FA6-409B-A59F-A45E08147DEB}"/>
               </a:ext>
             </a:extLst>
           </p:cNvPr>
           <p:cNvCxnSpPr>
             <a:cxnSpLocks/>
-            <a:stCxn id="28" idx="2"/>
+            <a:stCxn id="50" idx="2"/>
           </p:cNvCxnSpPr>
           <p:nvPr/>
         </p:nvCxnSpPr>
         <p:spPr>
           <a:xfrm rot="5400000" flipH="1">
-            <a:off x="6312352" y="2521252"/>
-            <a:ext cx="1365388" cy="2772287"/>
+            <a:off x="5589825" y="1086229"/>
+            <a:ext cx="1028624" cy="5714167"/>
           </a:xfrm>
           <a:prstGeom prst="bentConnector4">
             <a:avLst>
-              <a:gd name="adj1" fmla="val -16742"/>
-              <a:gd name="adj2" fmla="val 67490"/>
+              <a:gd name="adj1" fmla="val -53065"/>
+              <a:gd name="adj2" fmla="val 88421"/>
             </a:avLst>
           </a:prstGeom>
           <a:ln>
@@ -4218,7 +4529,7 @@
           <p:cNvPr id="39" name="TextBox 38">
             <a:extLst>
               <a:ext uri="{FF2B5EF4-FFF2-40B4-BE49-F238E27FC236}">
-                <a16:creationId xmlns:a16="http://schemas.microsoft.com/office/drawing/2014/main" id="{F0124C12-630A-D30D-EFFD-2922166AD07F}"/>
+                <a16:creationId xmlns:a16="http://schemas.microsoft.com/office/drawing/2014/main" id="{AFB8FAE7-997C-9B63-7111-A078F73BBE17}"/>
               </a:ext>
             </a:extLst>
           </p:cNvPr>
@@ -4227,7 +4538,7 @@
         </p:nvSpPr>
         <p:spPr>
           <a:xfrm>
-            <a:off x="5758197" y="2880906"/>
+            <a:off x="3071715" y="3011528"/>
             <a:ext cx="1534666" cy="261610"/>
           </a:xfrm>
           <a:prstGeom prst="rect">
@@ -4250,7 +4561,7 @@
                   </a:schemeClr>
                 </a:solidFill>
               </a:rPr>
-              <a:t>JsonObject</a:t>
+              <a:t>2. JsonObject</a:t>
             </a:r>
             <a:endParaRPr lang="ko-KR" altLang="en-US" sz="1100" b="1" dirty="0">
               <a:solidFill>
@@ -4267,7 +4578,7 @@
           <p:cNvPr id="55" name="직선 화살표 연결선 54">
             <a:extLst>
               <a:ext uri="{FF2B5EF4-FFF2-40B4-BE49-F238E27FC236}">
-                <a16:creationId xmlns:a16="http://schemas.microsoft.com/office/drawing/2014/main" id="{6754F704-3D40-4D84-7C56-30DF1A66C649}"/>
+                <a16:creationId xmlns:a16="http://schemas.microsoft.com/office/drawing/2014/main" id="{1E8D0293-3640-E3FF-C54F-96FB06833320}"/>
               </a:ext>
             </a:extLst>
           </p:cNvPr>
@@ -4278,7 +4589,7 @@
         </p:nvCxnSpPr>
         <p:spPr>
           <a:xfrm>
-            <a:off x="2748948" y="3227922"/>
+            <a:off x="948883" y="3414530"/>
             <a:ext cx="1433165" cy="0"/>
           </a:xfrm>
           <a:prstGeom prst="straightConnector1">
@@ -4309,7 +4620,7 @@
           <p:cNvPr id="56" name="TextBox 55">
             <a:extLst>
               <a:ext uri="{FF2B5EF4-FFF2-40B4-BE49-F238E27FC236}">
-                <a16:creationId xmlns:a16="http://schemas.microsoft.com/office/drawing/2014/main" id="{C416670B-FE79-34F0-84B1-8B77336BB0AE}"/>
+                <a16:creationId xmlns:a16="http://schemas.microsoft.com/office/drawing/2014/main" id="{DE6F3BF7-7073-7346-CBD3-3DD763769647}"/>
               </a:ext>
             </a:extLst>
           </p:cNvPr>
@@ -4318,7 +4629,7 @@
         </p:nvSpPr>
         <p:spPr>
           <a:xfrm>
-            <a:off x="2776930" y="3254442"/>
+            <a:off x="976865" y="3441050"/>
             <a:ext cx="1384468" cy="261610"/>
           </a:xfrm>
           <a:prstGeom prst="rect">
@@ -4341,17 +4652,170 @@
                   </a:schemeClr>
                 </a:solidFill>
               </a:rPr>
-              <a:t>Token</a:t>
-            </a:r>
+              <a:t>Json Web Token</a:t>
+            </a:r>
+          </a:p>
+        </p:txBody>
+      </p:sp>
+      <p:sp>
+        <p:nvSpPr>
+          <p:cNvPr id="3" name="직사각형 2">
+            <a:extLst>
+              <a:ext uri="{FF2B5EF4-FFF2-40B4-BE49-F238E27FC236}">
+                <a16:creationId xmlns:a16="http://schemas.microsoft.com/office/drawing/2014/main" id="{A4153C2F-17B1-5147-E0C9-87B736001BA1}"/>
+              </a:ext>
+            </a:extLst>
+          </p:cNvPr>
+          <p:cNvSpPr/>
+          <p:nvPr/>
+        </p:nvSpPr>
+        <p:spPr>
+          <a:xfrm>
+            <a:off x="6785553" y="1293385"/>
+            <a:ext cx="2097189" cy="954107"/>
+          </a:xfrm>
+          <a:prstGeom prst="rect">
+            <a:avLst/>
+          </a:prstGeom>
+          <a:solidFill>
+            <a:schemeClr val="accent1">
+              <a:lumMod val="20000"/>
+              <a:lumOff val="80000"/>
+            </a:schemeClr>
+          </a:solidFill>
+          <a:ln>
+            <a:prstDash val="dash"/>
+          </a:ln>
+        </p:spPr>
+        <p:style>
+          <a:lnRef idx="2">
+            <a:schemeClr val="accent1">
+              <a:shade val="50000"/>
+            </a:schemeClr>
+          </a:lnRef>
+          <a:fillRef idx="1">
+            <a:schemeClr val="accent1"/>
+          </a:fillRef>
+          <a:effectRef idx="0">
+            <a:schemeClr val="accent1"/>
+          </a:effectRef>
+          <a:fontRef idx="minor">
+            <a:schemeClr val="lt1"/>
+          </a:fontRef>
+        </p:style>
+        <p:txBody>
+          <a:bodyPr wrap="square" rtlCol="0" anchor="ctr">
+            <a:spAutoFit/>
+          </a:bodyPr>
+          <a:lstStyle/>
+          <a:p>
+            <a:r>
+              <a:rPr lang="en-US" altLang="ko-KR" sz="1400" b="1" dirty="0">
+                <a:solidFill>
+                  <a:schemeClr val="tx1"/>
+                </a:solidFill>
+              </a:rPr>
+              <a:t>Properties</a:t>
+            </a:r>
+          </a:p>
+          <a:p>
+            <a:pPr algn="ctr"/>
+            <a:endParaRPr lang="en-US" altLang="ko-KR" sz="1400" b="1" dirty="0">
+              <a:solidFill>
+                <a:schemeClr val="tx1"/>
+              </a:solidFill>
+            </a:endParaRPr>
+          </a:p>
+          <a:p>
+            <a:pPr algn="ctr"/>
+            <a:endParaRPr lang="en-US" altLang="ko-KR" sz="1400" b="1" dirty="0">
+              <a:solidFill>
+                <a:schemeClr val="tx1"/>
+              </a:solidFill>
+            </a:endParaRPr>
+          </a:p>
+          <a:p>
+            <a:pPr algn="ctr"/>
+            <a:endParaRPr lang="ko-KR" altLang="en-US" sz="1400" b="1" dirty="0">
+              <a:solidFill>
+                <a:schemeClr val="tx1"/>
+              </a:solidFill>
+            </a:endParaRPr>
+          </a:p>
+        </p:txBody>
+      </p:sp>
+      <p:sp>
+        <p:nvSpPr>
+          <p:cNvPr id="4" name="직사각형 3">
+            <a:extLst>
+              <a:ext uri="{FF2B5EF4-FFF2-40B4-BE49-F238E27FC236}">
+                <a16:creationId xmlns:a16="http://schemas.microsoft.com/office/drawing/2014/main" id="{D2551D36-BF9E-0D3E-46E1-3A615B68AD70}"/>
+              </a:ext>
+            </a:extLst>
+          </p:cNvPr>
+          <p:cNvSpPr/>
+          <p:nvPr/>
+        </p:nvSpPr>
+        <p:spPr>
+          <a:xfrm>
+            <a:off x="6932643" y="1702796"/>
+            <a:ext cx="1849404" cy="307777"/>
+          </a:xfrm>
+          <a:prstGeom prst="rect">
+            <a:avLst/>
+          </a:prstGeom>
+          <a:solidFill>
+            <a:schemeClr val="accent1">
+              <a:lumMod val="40000"/>
+              <a:lumOff val="60000"/>
+            </a:schemeClr>
+          </a:solidFill>
+        </p:spPr>
+        <p:style>
+          <a:lnRef idx="2">
+            <a:schemeClr val="accent1">
+              <a:shade val="50000"/>
+            </a:schemeClr>
+          </a:lnRef>
+          <a:fillRef idx="1">
+            <a:schemeClr val="accent1"/>
+          </a:fillRef>
+          <a:effectRef idx="0">
+            <a:schemeClr val="accent1"/>
+          </a:effectRef>
+          <a:fontRef idx="minor">
+            <a:schemeClr val="lt1"/>
+          </a:fontRef>
+        </p:style>
+        <p:txBody>
+          <a:bodyPr wrap="square" rtlCol="0" anchor="ctr">
+            <a:spAutoFit/>
+          </a:bodyPr>
+          <a:lstStyle/>
+          <a:p>
+            <a:pPr algn="ctr"/>
+            <a:r>
+              <a:rPr lang="en-US" altLang="ko-KR" sz="1400" b="1" dirty="0">
+                <a:solidFill>
+                  <a:schemeClr val="tx1"/>
+                </a:solidFill>
+              </a:rPr>
+              <a:t>setHeader</a:t>
+            </a:r>
+            <a:endParaRPr lang="ko-KR" altLang="en-US" sz="1400" b="1" dirty="0">
+              <a:solidFill>
+                <a:schemeClr val="tx1"/>
+              </a:solidFill>
+            </a:endParaRPr>
           </a:p>
         </p:txBody>
       </p:sp>
       <p:cxnSp>
         <p:nvCxnSpPr>
-          <p:cNvPr id="58" name="연결선: 꺾임 57">
-            <a:extLst>
-              <a:ext uri="{FF2B5EF4-FFF2-40B4-BE49-F238E27FC236}">
-                <a16:creationId xmlns:a16="http://schemas.microsoft.com/office/drawing/2014/main" id="{33825A64-626A-1415-67C5-0BB65E617334}"/>
+          <p:cNvPr id="9" name="직선 화살표 연결선 8">
+            <a:extLst>
+              <a:ext uri="{FF2B5EF4-FFF2-40B4-BE49-F238E27FC236}">
+                <a16:creationId xmlns:a16="http://schemas.microsoft.com/office/drawing/2014/main" id="{D5A2FA72-1D9E-7AF5-22B3-A95D96414E81}"/>
               </a:ext>
             </a:extLst>
           </p:cNvPr>
@@ -4361,15 +4825,12 @@
           <p:nvPr/>
         </p:nvCxnSpPr>
         <p:spPr>
-          <a:xfrm rot="5400000" flipH="1" flipV="1">
-            <a:off x="8811121" y="4027037"/>
-            <a:ext cx="138499" cy="711578"/>
-          </a:xfrm>
-          <a:prstGeom prst="bentConnector4">
-            <a:avLst>
-              <a:gd name="adj1" fmla="val -165055"/>
-              <a:gd name="adj2" fmla="val 132126"/>
-            </a:avLst>
+          <a:xfrm>
+            <a:off x="7980570" y="1996745"/>
+            <a:ext cx="0" cy="597162"/>
+          </a:xfrm>
+          <a:prstGeom prst="straightConnector1">
+            <a:avLst/>
           </a:prstGeom>
           <a:ln>
             <a:tailEnd type="triangle"/>
@@ -4392,10 +4853,10 @@
       </p:cxnSp>
       <p:sp>
         <p:nvSpPr>
-          <p:cNvPr id="59" name="TextBox 58">
-            <a:extLst>
-              <a:ext uri="{FF2B5EF4-FFF2-40B4-BE49-F238E27FC236}">
-                <a16:creationId xmlns:a16="http://schemas.microsoft.com/office/drawing/2014/main" id="{0B3A794B-FD38-6948-A218-E69E93E4AD55}"/>
+          <p:cNvPr id="12" name="TextBox 11">
+            <a:extLst>
+              <a:ext uri="{FF2B5EF4-FFF2-40B4-BE49-F238E27FC236}">
+                <a16:creationId xmlns:a16="http://schemas.microsoft.com/office/drawing/2014/main" id="{39CB8766-5C77-BD08-7ED8-BE3E52ACE41E}"/>
               </a:ext>
             </a:extLst>
           </p:cNvPr>
@@ -4404,8 +4865,8 @@
         </p:nvSpPr>
         <p:spPr>
           <a:xfrm>
-            <a:off x="9440403" y="4324779"/>
-            <a:ext cx="1263195" cy="430887"/>
+            <a:off x="7164265" y="2293175"/>
+            <a:ext cx="1263195" cy="261610"/>
           </a:xfrm>
           <a:prstGeom prst="rect">
             <a:avLst/>
@@ -4418,7 +4879,6 @@
           </a:bodyPr>
           <a:lstStyle/>
           <a:p>
-            <a:pPr algn="ctr"/>
             <a:r>
               <a:rPr lang="en-US" altLang="ko-KR" sz="1100" b="1" dirty="0">
                 <a:solidFill>
@@ -4427,7 +4887,7 @@
                   </a:schemeClr>
                 </a:solidFill>
               </a:rPr>
-              <a:t>RSA encrypt publicKey</a:t>
+              <a:t>Overriding</a:t>
             </a:r>
             <a:endParaRPr lang="ko-KR" altLang="en-US" sz="1100" b="1" dirty="0">
               <a:solidFill>
@@ -4439,10 +4899,1405 @@
           </a:p>
         </p:txBody>
       </p:sp>
+      <p:sp>
+        <p:nvSpPr>
+          <p:cNvPr id="13" name="직사각형 12">
+            <a:extLst>
+              <a:ext uri="{FF2B5EF4-FFF2-40B4-BE49-F238E27FC236}">
+                <a16:creationId xmlns:a16="http://schemas.microsoft.com/office/drawing/2014/main" id="{42234574-CE05-33DC-065D-4DDAFEFCC407}"/>
+              </a:ext>
+            </a:extLst>
+          </p:cNvPr>
+          <p:cNvSpPr/>
+          <p:nvPr/>
+        </p:nvSpPr>
+        <p:spPr>
+          <a:xfrm>
+            <a:off x="5958314" y="3165270"/>
+            <a:ext cx="1027293" cy="307777"/>
+          </a:xfrm>
+          <a:prstGeom prst="rect">
+            <a:avLst/>
+          </a:prstGeom>
+          <a:solidFill>
+            <a:schemeClr val="accent1">
+              <a:lumMod val="40000"/>
+              <a:lumOff val="60000"/>
+            </a:schemeClr>
+          </a:solidFill>
+        </p:spPr>
+        <p:style>
+          <a:lnRef idx="2">
+            <a:schemeClr val="accent1">
+              <a:shade val="50000"/>
+            </a:schemeClr>
+          </a:lnRef>
+          <a:fillRef idx="1">
+            <a:schemeClr val="accent1"/>
+          </a:fillRef>
+          <a:effectRef idx="0">
+            <a:schemeClr val="accent1"/>
+          </a:effectRef>
+          <a:fontRef idx="minor">
+            <a:schemeClr val="lt1"/>
+          </a:fontRef>
+        </p:style>
+        <p:txBody>
+          <a:bodyPr wrap="square" rtlCol="0" anchor="ctr">
+            <a:spAutoFit/>
+          </a:bodyPr>
+          <a:lstStyle/>
+          <a:p>
+            <a:pPr algn="ctr"/>
+            <a:r>
+              <a:rPr lang="en-US" altLang="ko-KR" sz="1400" b="1" dirty="0">
+                <a:solidFill>
+                  <a:schemeClr val="tx1"/>
+                </a:solidFill>
+              </a:rPr>
+              <a:t>setClaims</a:t>
+            </a:r>
+            <a:endParaRPr lang="ko-KR" altLang="en-US" sz="1400" b="1" dirty="0">
+              <a:solidFill>
+                <a:schemeClr val="tx1"/>
+              </a:solidFill>
+            </a:endParaRPr>
+          </a:p>
+        </p:txBody>
+      </p:sp>
+      <p:cxnSp>
+        <p:nvCxnSpPr>
+          <p:cNvPr id="43" name="연결선: 꺾임 42">
+            <a:extLst>
+              <a:ext uri="{FF2B5EF4-FFF2-40B4-BE49-F238E27FC236}">
+                <a16:creationId xmlns:a16="http://schemas.microsoft.com/office/drawing/2014/main" id="{FC6893C6-32F6-5065-49B2-B0727F1FEB16}"/>
+              </a:ext>
+            </a:extLst>
+          </p:cNvPr>
+          <p:cNvCxnSpPr>
+            <a:cxnSpLocks/>
+            <a:stCxn id="18" idx="3"/>
+            <a:endCxn id="3" idx="3"/>
+          </p:cNvCxnSpPr>
+          <p:nvPr/>
+        </p:nvCxnSpPr>
+        <p:spPr>
+          <a:xfrm flipH="1" flipV="1">
+            <a:off x="8882742" y="1770439"/>
+            <a:ext cx="262404" cy="1548720"/>
+          </a:xfrm>
+          <a:prstGeom prst="bentConnector3">
+            <a:avLst>
+              <a:gd name="adj1" fmla="val -33780"/>
+            </a:avLst>
+          </a:prstGeom>
+          <a:ln>
+            <a:tailEnd type="triangle"/>
+          </a:ln>
+        </p:spPr>
+        <p:style>
+          <a:lnRef idx="1">
+            <a:schemeClr val="accent1"/>
+          </a:lnRef>
+          <a:fillRef idx="0">
+            <a:schemeClr val="accent1"/>
+          </a:fillRef>
+          <a:effectRef idx="0">
+            <a:schemeClr val="accent1"/>
+          </a:effectRef>
+          <a:fontRef idx="minor">
+            <a:schemeClr val="tx1"/>
+          </a:fontRef>
+        </p:style>
+      </p:cxnSp>
+      <p:cxnSp>
+        <p:nvCxnSpPr>
+          <p:cNvPr id="47" name="연결선: 꺾임 46">
+            <a:extLst>
+              <a:ext uri="{FF2B5EF4-FFF2-40B4-BE49-F238E27FC236}">
+                <a16:creationId xmlns:a16="http://schemas.microsoft.com/office/drawing/2014/main" id="{AC027CE2-FD5E-0BD5-2E50-7574188C2B9E}"/>
+              </a:ext>
+            </a:extLst>
+          </p:cNvPr>
+          <p:cNvCxnSpPr>
+            <a:cxnSpLocks/>
+            <a:stCxn id="119" idx="0"/>
+            <a:endCxn id="17" idx="1"/>
+          </p:cNvCxnSpPr>
+          <p:nvPr/>
+        </p:nvCxnSpPr>
+        <p:spPr>
+          <a:xfrm rot="5400000" flipH="1" flipV="1">
+            <a:off x="5860903" y="1868151"/>
+            <a:ext cx="397449" cy="2184340"/>
+          </a:xfrm>
+          <a:prstGeom prst="bentConnector2">
+            <a:avLst/>
+          </a:prstGeom>
+          <a:ln>
+            <a:tailEnd type="triangle"/>
+          </a:ln>
+        </p:spPr>
+        <p:style>
+          <a:lnRef idx="1">
+            <a:schemeClr val="accent1"/>
+          </a:lnRef>
+          <a:fillRef idx="0">
+            <a:schemeClr val="accent1"/>
+          </a:fillRef>
+          <a:effectRef idx="0">
+            <a:schemeClr val="accent1"/>
+          </a:effectRef>
+          <a:fontRef idx="minor">
+            <a:schemeClr val="tx1"/>
+          </a:fontRef>
+        </p:style>
+      </p:cxnSp>
+      <p:sp>
+        <p:nvSpPr>
+          <p:cNvPr id="50" name="직사각형 49">
+            <a:extLst>
+              <a:ext uri="{FF2B5EF4-FFF2-40B4-BE49-F238E27FC236}">
+                <a16:creationId xmlns:a16="http://schemas.microsoft.com/office/drawing/2014/main" id="{17322A3D-28FC-F3F6-F877-6E7F63C4C4BD}"/>
+              </a:ext>
+            </a:extLst>
+          </p:cNvPr>
+          <p:cNvSpPr/>
+          <p:nvPr/>
+        </p:nvSpPr>
+        <p:spPr>
+          <a:xfrm>
+            <a:off x="6380475" y="4149847"/>
+            <a:ext cx="5161490" cy="307777"/>
+          </a:xfrm>
+          <a:prstGeom prst="rect">
+            <a:avLst/>
+          </a:prstGeom>
+          <a:noFill/>
+          <a:ln w="9525" cap="flat" cmpd="sng" algn="ctr">
+            <a:solidFill>
+              <a:schemeClr val="accent5"/>
+            </a:solidFill>
+            <a:prstDash val="dash"/>
+            <a:round/>
+            <a:headEnd type="none" w="med" len="med"/>
+            <a:tailEnd type="none" w="med" len="med"/>
+          </a:ln>
+        </p:spPr>
+        <p:style>
+          <a:lnRef idx="0">
+            <a:scrgbClr r="0" g="0" b="0"/>
+          </a:lnRef>
+          <a:fillRef idx="0">
+            <a:scrgbClr r="0" g="0" b="0"/>
+          </a:fillRef>
+          <a:effectRef idx="0">
+            <a:scrgbClr r="0" g="0" b="0"/>
+          </a:effectRef>
+          <a:fontRef idx="minor">
+            <a:schemeClr val="accent5"/>
+          </a:fontRef>
+        </p:style>
+        <p:txBody>
+          <a:bodyPr wrap="square" rtlCol="0" anchor="ctr">
+            <a:spAutoFit/>
+          </a:bodyPr>
+          <a:lstStyle/>
+          <a:p>
+            <a:r>
+              <a:rPr lang="en-US" altLang="ko-KR" sz="1400" b="1" dirty="0">
+                <a:solidFill>
+                  <a:schemeClr val="tx1">
+                    <a:lumMod val="50000"/>
+                    <a:lumOff val="50000"/>
+                  </a:schemeClr>
+                </a:solidFill>
+              </a:rPr>
+              <a:t>HHHHHHHHH.PPPPPPPPPP.SSSSSSSSSSSSSSSSSSSSSS </a:t>
+            </a:r>
+            <a:endParaRPr lang="ko-KR" altLang="en-US" sz="1400" b="1" dirty="0">
+              <a:solidFill>
+                <a:schemeClr val="tx1">
+                  <a:lumMod val="50000"/>
+                  <a:lumOff val="50000"/>
+                </a:schemeClr>
+              </a:solidFill>
+            </a:endParaRPr>
+          </a:p>
+        </p:txBody>
+      </p:sp>
+      <p:cxnSp>
+        <p:nvCxnSpPr>
+          <p:cNvPr id="61" name="연결선: 꺾임 60">
+            <a:extLst>
+              <a:ext uri="{FF2B5EF4-FFF2-40B4-BE49-F238E27FC236}">
+                <a16:creationId xmlns:a16="http://schemas.microsoft.com/office/drawing/2014/main" id="{4F82FCB2-E2F0-DF1C-D60A-4C3EEED36841}"/>
+              </a:ext>
+            </a:extLst>
+          </p:cNvPr>
+          <p:cNvCxnSpPr>
+            <a:cxnSpLocks/>
+            <a:stCxn id="17" idx="2"/>
+          </p:cNvCxnSpPr>
+          <p:nvPr/>
+        </p:nvCxnSpPr>
+        <p:spPr>
+          <a:xfrm rot="5400000">
+            <a:off x="7048156" y="3210519"/>
+            <a:ext cx="1227304" cy="637235"/>
+          </a:xfrm>
+          <a:prstGeom prst="bentConnector3">
+            <a:avLst>
+              <a:gd name="adj1" fmla="val 11227"/>
+            </a:avLst>
+          </a:prstGeom>
+          <a:ln>
+            <a:solidFill>
+              <a:schemeClr val="tx1">
+                <a:lumMod val="50000"/>
+                <a:lumOff val="50000"/>
+              </a:schemeClr>
+            </a:solidFill>
+            <a:prstDash val="dash"/>
+            <a:tailEnd type="triangle"/>
+          </a:ln>
+        </p:spPr>
+        <p:style>
+          <a:lnRef idx="1">
+            <a:schemeClr val="accent1"/>
+          </a:lnRef>
+          <a:fillRef idx="0">
+            <a:schemeClr val="accent1"/>
+          </a:fillRef>
+          <a:effectRef idx="0">
+            <a:schemeClr val="accent1"/>
+          </a:effectRef>
+          <a:fontRef idx="minor">
+            <a:schemeClr val="tx1"/>
+          </a:fontRef>
+        </p:style>
+      </p:cxnSp>
+      <p:cxnSp>
+        <p:nvCxnSpPr>
+          <p:cNvPr id="64" name="직선 화살표 연결선 63">
+            <a:extLst>
+              <a:ext uri="{FF2B5EF4-FFF2-40B4-BE49-F238E27FC236}">
+                <a16:creationId xmlns:a16="http://schemas.microsoft.com/office/drawing/2014/main" id="{47892007-9F91-4A1C-AC7A-09A4943E520E}"/>
+              </a:ext>
+            </a:extLst>
+          </p:cNvPr>
+          <p:cNvCxnSpPr>
+            <a:cxnSpLocks/>
+          </p:cNvCxnSpPr>
+          <p:nvPr/>
+        </p:nvCxnSpPr>
+        <p:spPr>
+          <a:xfrm>
+            <a:off x="8504255" y="3480314"/>
+            <a:ext cx="0" cy="716979"/>
+          </a:xfrm>
+          <a:prstGeom prst="straightConnector1">
+            <a:avLst/>
+          </a:prstGeom>
+          <a:ln>
+            <a:solidFill>
+              <a:schemeClr val="tx1">
+                <a:lumMod val="50000"/>
+                <a:lumOff val="50000"/>
+              </a:schemeClr>
+            </a:solidFill>
+            <a:prstDash val="dash"/>
+            <a:tailEnd type="triangle"/>
+          </a:ln>
+        </p:spPr>
+        <p:style>
+          <a:lnRef idx="1">
+            <a:schemeClr val="accent1"/>
+          </a:lnRef>
+          <a:fillRef idx="0">
+            <a:schemeClr val="accent1"/>
+          </a:fillRef>
+          <a:effectRef idx="0">
+            <a:schemeClr val="accent1"/>
+          </a:effectRef>
+          <a:fontRef idx="minor">
+            <a:schemeClr val="tx1"/>
+          </a:fontRef>
+        </p:style>
+      </p:cxnSp>
+      <p:sp>
+        <p:nvSpPr>
+          <p:cNvPr id="73" name="TextBox 72">
+            <a:extLst>
+              <a:ext uri="{FF2B5EF4-FFF2-40B4-BE49-F238E27FC236}">
+                <a16:creationId xmlns:a16="http://schemas.microsoft.com/office/drawing/2014/main" id="{EAC38F06-C593-6EDD-EBAB-258B4D4F894A}"/>
+              </a:ext>
+            </a:extLst>
+          </p:cNvPr>
+          <p:cNvSpPr txBox="1"/>
+          <p:nvPr/>
+        </p:nvSpPr>
+        <p:spPr>
+          <a:xfrm>
+            <a:off x="6186194" y="3634093"/>
+            <a:ext cx="1250301" cy="261610"/>
+          </a:xfrm>
+          <a:prstGeom prst="rect">
+            <a:avLst/>
+          </a:prstGeom>
+          <a:noFill/>
+        </p:spPr>
+        <p:txBody>
+          <a:bodyPr wrap="square">
+            <a:spAutoFit/>
+          </a:bodyPr>
+          <a:lstStyle/>
+          <a:p>
+            <a:r>
+              <a:rPr lang="en-US" altLang="ko-KR" sz="1100" b="1" dirty="0">
+                <a:solidFill>
+                  <a:schemeClr val="tx1">
+                    <a:lumMod val="50000"/>
+                    <a:lumOff val="50000"/>
+                  </a:schemeClr>
+                </a:solidFill>
+              </a:rPr>
+              <a:t>base58-encrypt</a:t>
+            </a:r>
+            <a:endParaRPr lang="ko-KR" altLang="en-US" sz="1100" dirty="0">
+              <a:solidFill>
+                <a:schemeClr val="tx1">
+                  <a:lumMod val="50000"/>
+                  <a:lumOff val="50000"/>
+                </a:schemeClr>
+              </a:solidFill>
+            </a:endParaRPr>
+          </a:p>
+        </p:txBody>
+      </p:sp>
+      <p:sp>
+        <p:nvSpPr>
+          <p:cNvPr id="74" name="TextBox 73">
+            <a:extLst>
+              <a:ext uri="{FF2B5EF4-FFF2-40B4-BE49-F238E27FC236}">
+                <a16:creationId xmlns:a16="http://schemas.microsoft.com/office/drawing/2014/main" id="{EF1CD922-76F4-AAFA-853F-1F3E6C452DD2}"/>
+              </a:ext>
+            </a:extLst>
+          </p:cNvPr>
+          <p:cNvSpPr txBox="1"/>
+          <p:nvPr/>
+        </p:nvSpPr>
+        <p:spPr>
+          <a:xfrm>
+            <a:off x="7333859" y="3634270"/>
+            <a:ext cx="1253411" cy="261610"/>
+          </a:xfrm>
+          <a:prstGeom prst="rect">
+            <a:avLst/>
+          </a:prstGeom>
+          <a:noFill/>
+        </p:spPr>
+        <p:txBody>
+          <a:bodyPr wrap="square">
+            <a:spAutoFit/>
+          </a:bodyPr>
+          <a:lstStyle/>
+          <a:p>
+            <a:r>
+              <a:rPr lang="en-US" altLang="ko-KR" sz="1100" b="1" dirty="0">
+                <a:solidFill>
+                  <a:schemeClr val="tx1">
+                    <a:lumMod val="50000"/>
+                    <a:lumOff val="50000"/>
+                  </a:schemeClr>
+                </a:solidFill>
+              </a:rPr>
+              <a:t>base58-encrypt</a:t>
+            </a:r>
+            <a:endParaRPr lang="ko-KR" altLang="en-US" sz="1100" dirty="0">
+              <a:solidFill>
+                <a:schemeClr val="tx1">
+                  <a:lumMod val="50000"/>
+                  <a:lumOff val="50000"/>
+                </a:schemeClr>
+              </a:solidFill>
+            </a:endParaRPr>
+          </a:p>
+        </p:txBody>
+      </p:sp>
+      <p:sp>
+        <p:nvSpPr>
+          <p:cNvPr id="75" name="TextBox 74">
+            <a:extLst>
+              <a:ext uri="{FF2B5EF4-FFF2-40B4-BE49-F238E27FC236}">
+                <a16:creationId xmlns:a16="http://schemas.microsoft.com/office/drawing/2014/main" id="{C89B6B8C-0456-D703-7979-213FD8CDFB83}"/>
+              </a:ext>
+            </a:extLst>
+          </p:cNvPr>
+          <p:cNvSpPr txBox="1"/>
+          <p:nvPr/>
+        </p:nvSpPr>
+        <p:spPr>
+          <a:xfrm>
+            <a:off x="8780104" y="2576801"/>
+            <a:ext cx="1184990" cy="430887"/>
+          </a:xfrm>
+          <a:prstGeom prst="rect">
+            <a:avLst/>
+          </a:prstGeom>
+          <a:noFill/>
+        </p:spPr>
+        <p:txBody>
+          <a:bodyPr wrap="square">
+            <a:spAutoFit/>
+          </a:bodyPr>
+          <a:lstStyle/>
+          <a:p>
+            <a:r>
+              <a:rPr lang="en-US" altLang="ko-KR" sz="1100" b="1" dirty="0">
+                <a:solidFill>
+                  <a:schemeClr val="accent1"/>
+                </a:solidFill>
+              </a:rPr>
+              <a:t>6. Hashing</a:t>
+            </a:r>
+          </a:p>
+          <a:p>
+            <a:r>
+              <a:rPr lang="en-US" altLang="ko-KR" sz="1100" b="1" dirty="0">
+                <a:solidFill>
+                  <a:schemeClr val="accent1"/>
+                </a:solidFill>
+              </a:rPr>
+              <a:t>(Using header)</a:t>
+            </a:r>
+            <a:endParaRPr lang="ko-KR" altLang="en-US" sz="1100" dirty="0">
+              <a:solidFill>
+                <a:schemeClr val="accent1"/>
+              </a:solidFill>
+            </a:endParaRPr>
+          </a:p>
+        </p:txBody>
+      </p:sp>
+      <p:sp>
+        <p:nvSpPr>
+          <p:cNvPr id="93" name="TextBox 92">
+            <a:extLst>
+              <a:ext uri="{FF2B5EF4-FFF2-40B4-BE49-F238E27FC236}">
+                <a16:creationId xmlns:a16="http://schemas.microsoft.com/office/drawing/2014/main" id="{9936580F-CD72-D079-ACDE-F256E3071CFD}"/>
+              </a:ext>
+            </a:extLst>
+          </p:cNvPr>
+          <p:cNvSpPr txBox="1"/>
+          <p:nvPr/>
+        </p:nvSpPr>
+        <p:spPr>
+          <a:xfrm>
+            <a:off x="10600767" y="2445580"/>
+            <a:ext cx="1451269" cy="430887"/>
+          </a:xfrm>
+          <a:prstGeom prst="rect">
+            <a:avLst/>
+          </a:prstGeom>
+          <a:noFill/>
+        </p:spPr>
+        <p:txBody>
+          <a:bodyPr wrap="square" rtlCol="0">
+            <a:spAutoFit/>
+          </a:bodyPr>
+          <a:lstStyle/>
+          <a:p>
+            <a:r>
+              <a:rPr lang="en-US" altLang="ko-KR" sz="1100" b="1" dirty="0">
+                <a:solidFill>
+                  <a:schemeClr val="accent5">
+                    <a:lumMod val="75000"/>
+                  </a:schemeClr>
+                </a:solidFill>
+              </a:rPr>
+              <a:t>7. RSA-encrypt</a:t>
+            </a:r>
+          </a:p>
+          <a:p>
+            <a:r>
+              <a:rPr lang="en-US" altLang="ko-KR" sz="1100" b="1" dirty="0">
+                <a:solidFill>
+                  <a:schemeClr val="accent5">
+                    <a:lumMod val="75000"/>
+                  </a:schemeClr>
+                </a:solidFill>
+              </a:rPr>
+              <a:t>(Using privateKey)</a:t>
+            </a:r>
+            <a:endParaRPr lang="ko-KR" altLang="en-US" sz="1100" b="1" dirty="0">
+              <a:solidFill>
+                <a:schemeClr val="accent5">
+                  <a:lumMod val="75000"/>
+                </a:schemeClr>
+              </a:solidFill>
+            </a:endParaRPr>
+          </a:p>
+        </p:txBody>
+      </p:sp>
+      <p:sp>
+        <p:nvSpPr>
+          <p:cNvPr id="102" name="TextBox 101">
+            <a:extLst>
+              <a:ext uri="{FF2B5EF4-FFF2-40B4-BE49-F238E27FC236}">
+                <a16:creationId xmlns:a16="http://schemas.microsoft.com/office/drawing/2014/main" id="{F36D5955-A6A5-8FD3-949D-58F2433B9487}"/>
+              </a:ext>
+            </a:extLst>
+          </p:cNvPr>
+          <p:cNvSpPr txBox="1"/>
+          <p:nvPr/>
+        </p:nvSpPr>
+        <p:spPr>
+          <a:xfrm>
+            <a:off x="5778759" y="2529452"/>
+            <a:ext cx="634482" cy="261610"/>
+          </a:xfrm>
+          <a:prstGeom prst="rect">
+            <a:avLst/>
+          </a:prstGeom>
+          <a:noFill/>
+        </p:spPr>
+        <p:txBody>
+          <a:bodyPr wrap="square" rtlCol="0">
+            <a:spAutoFit/>
+          </a:bodyPr>
+          <a:lstStyle/>
+          <a:p>
+            <a:pPr algn="ctr"/>
+            <a:r>
+              <a:rPr lang="en-US" altLang="ko-KR" sz="1100" b="1" dirty="0">
+                <a:solidFill>
+                  <a:schemeClr val="accent5">
+                    <a:lumMod val="75000"/>
+                  </a:schemeClr>
+                </a:solidFill>
+              </a:rPr>
+              <a:t>3. call</a:t>
+            </a:r>
+            <a:endParaRPr lang="ko-KR" altLang="en-US" sz="1100" b="1" dirty="0">
+              <a:solidFill>
+                <a:schemeClr val="accent5">
+                  <a:lumMod val="75000"/>
+                </a:schemeClr>
+              </a:solidFill>
+            </a:endParaRPr>
+          </a:p>
+        </p:txBody>
+      </p:sp>
+      <p:cxnSp>
+        <p:nvCxnSpPr>
+          <p:cNvPr id="27" name="직선 화살표 연결선 26">
+            <a:extLst>
+              <a:ext uri="{FF2B5EF4-FFF2-40B4-BE49-F238E27FC236}">
+                <a16:creationId xmlns:a16="http://schemas.microsoft.com/office/drawing/2014/main" id="{74E28202-533B-623B-D635-768FCC88B152}"/>
+              </a:ext>
+            </a:extLst>
+          </p:cNvPr>
+          <p:cNvCxnSpPr>
+            <a:cxnSpLocks/>
+            <a:stCxn id="13" idx="3"/>
+            <a:endCxn id="18" idx="1"/>
+          </p:cNvCxnSpPr>
+          <p:nvPr/>
+        </p:nvCxnSpPr>
+        <p:spPr>
+          <a:xfrm>
+            <a:off x="6985607" y="3319159"/>
+            <a:ext cx="503854" cy="0"/>
+          </a:xfrm>
+          <a:prstGeom prst="straightConnector1">
+            <a:avLst/>
+          </a:prstGeom>
+          <a:ln>
+            <a:tailEnd type="triangle"/>
+          </a:ln>
+        </p:spPr>
+        <p:style>
+          <a:lnRef idx="1">
+            <a:schemeClr val="accent1"/>
+          </a:lnRef>
+          <a:fillRef idx="0">
+            <a:schemeClr val="accent1"/>
+          </a:fillRef>
+          <a:effectRef idx="0">
+            <a:schemeClr val="accent1"/>
+          </a:effectRef>
+          <a:fontRef idx="minor">
+            <a:schemeClr val="tx1"/>
+          </a:fontRef>
+        </p:style>
+      </p:cxnSp>
+      <p:sp>
+        <p:nvSpPr>
+          <p:cNvPr id="38" name="TextBox 37">
+            <a:extLst>
+              <a:ext uri="{FF2B5EF4-FFF2-40B4-BE49-F238E27FC236}">
+                <a16:creationId xmlns:a16="http://schemas.microsoft.com/office/drawing/2014/main" id="{722CDCEF-16A0-95D5-5F80-53C06D09B0E8}"/>
+              </a:ext>
+            </a:extLst>
+          </p:cNvPr>
+          <p:cNvSpPr txBox="1"/>
+          <p:nvPr/>
+        </p:nvSpPr>
+        <p:spPr>
+          <a:xfrm>
+            <a:off x="6916839" y="3045745"/>
+            <a:ext cx="588988" cy="261610"/>
+          </a:xfrm>
+          <a:prstGeom prst="rect">
+            <a:avLst/>
+          </a:prstGeom>
+          <a:noFill/>
+        </p:spPr>
+        <p:txBody>
+          <a:bodyPr wrap="square" rtlCol="0">
+            <a:spAutoFit/>
+          </a:bodyPr>
+          <a:lstStyle/>
+          <a:p>
+            <a:pPr algn="ctr"/>
+            <a:r>
+              <a:rPr lang="en-US" altLang="ko-KR" sz="1100" b="1" dirty="0">
+                <a:solidFill>
+                  <a:schemeClr val="accent5">
+                    <a:lumMod val="75000"/>
+                  </a:schemeClr>
+                </a:solidFill>
+              </a:rPr>
+              <a:t>5. call</a:t>
+            </a:r>
+            <a:endParaRPr lang="ko-KR" altLang="en-US" sz="1100" b="1" dirty="0">
+              <a:solidFill>
+                <a:schemeClr val="accent5">
+                  <a:lumMod val="75000"/>
+                </a:schemeClr>
+              </a:solidFill>
+            </a:endParaRPr>
+          </a:p>
+        </p:txBody>
+      </p:sp>
+      <p:sp>
+        <p:nvSpPr>
+          <p:cNvPr id="78" name="직사각형 77">
+            <a:extLst>
+              <a:ext uri="{FF2B5EF4-FFF2-40B4-BE49-F238E27FC236}">
+                <a16:creationId xmlns:a16="http://schemas.microsoft.com/office/drawing/2014/main" id="{193CF42F-A79F-F3F8-FA49-DC16B37F7C35}"/>
+              </a:ext>
+            </a:extLst>
+          </p:cNvPr>
+          <p:cNvSpPr/>
+          <p:nvPr/>
+        </p:nvSpPr>
+        <p:spPr>
+          <a:xfrm>
+            <a:off x="9535889" y="1296497"/>
+            <a:ext cx="2127379" cy="954107"/>
+          </a:xfrm>
+          <a:prstGeom prst="rect">
+            <a:avLst/>
+          </a:prstGeom>
+          <a:solidFill>
+            <a:schemeClr val="accent1">
+              <a:lumMod val="20000"/>
+              <a:lumOff val="80000"/>
+            </a:schemeClr>
+          </a:solidFill>
+          <a:ln>
+            <a:prstDash val="dash"/>
+          </a:ln>
+        </p:spPr>
+        <p:style>
+          <a:lnRef idx="2">
+            <a:schemeClr val="accent1">
+              <a:shade val="50000"/>
+            </a:schemeClr>
+          </a:lnRef>
+          <a:fillRef idx="1">
+            <a:schemeClr val="accent1"/>
+          </a:fillRef>
+          <a:effectRef idx="0">
+            <a:schemeClr val="accent1"/>
+          </a:effectRef>
+          <a:fontRef idx="minor">
+            <a:schemeClr val="lt1"/>
+          </a:fontRef>
+        </p:style>
+        <p:txBody>
+          <a:bodyPr wrap="square" rtlCol="0" anchor="ctr">
+            <a:spAutoFit/>
+          </a:bodyPr>
+          <a:lstStyle/>
+          <a:p>
+            <a:r>
+              <a:rPr lang="en-US" altLang="ko-KR" sz="1400" b="1" dirty="0">
+                <a:solidFill>
+                  <a:schemeClr val="tx1"/>
+                </a:solidFill>
+              </a:rPr>
+              <a:t>File DB</a:t>
+            </a:r>
+          </a:p>
+          <a:p>
+            <a:pPr algn="ctr"/>
+            <a:endParaRPr lang="en-US" altLang="ko-KR" sz="1400" b="1" dirty="0">
+              <a:solidFill>
+                <a:schemeClr val="tx1"/>
+              </a:solidFill>
+            </a:endParaRPr>
+          </a:p>
+          <a:p>
+            <a:pPr algn="ctr"/>
+            <a:endParaRPr lang="en-US" altLang="ko-KR" sz="1400" b="1" dirty="0">
+              <a:solidFill>
+                <a:schemeClr val="tx1"/>
+              </a:solidFill>
+            </a:endParaRPr>
+          </a:p>
+          <a:p>
+            <a:pPr algn="ctr"/>
+            <a:endParaRPr lang="ko-KR" altLang="en-US" sz="1400" b="1" dirty="0">
+              <a:solidFill>
+                <a:schemeClr val="tx1"/>
+              </a:solidFill>
+            </a:endParaRPr>
+          </a:p>
+        </p:txBody>
+      </p:sp>
+      <p:sp>
+        <p:nvSpPr>
+          <p:cNvPr id="81" name="직사각형 80">
+            <a:extLst>
+              <a:ext uri="{FF2B5EF4-FFF2-40B4-BE49-F238E27FC236}">
+                <a16:creationId xmlns:a16="http://schemas.microsoft.com/office/drawing/2014/main" id="{570A7BC9-5C77-3577-0298-CF8C9BB0E5D4}"/>
+              </a:ext>
+            </a:extLst>
+          </p:cNvPr>
+          <p:cNvSpPr/>
+          <p:nvPr/>
+        </p:nvSpPr>
+        <p:spPr>
+          <a:xfrm>
+            <a:off x="9721815" y="1705908"/>
+            <a:ext cx="1773497" cy="307777"/>
+          </a:xfrm>
+          <a:prstGeom prst="rect">
+            <a:avLst/>
+          </a:prstGeom>
+          <a:solidFill>
+            <a:schemeClr val="accent1">
+              <a:lumMod val="40000"/>
+              <a:lumOff val="60000"/>
+            </a:schemeClr>
+          </a:solidFill>
+        </p:spPr>
+        <p:style>
+          <a:lnRef idx="2">
+            <a:schemeClr val="accent1">
+              <a:shade val="50000"/>
+            </a:schemeClr>
+          </a:lnRef>
+          <a:fillRef idx="1">
+            <a:schemeClr val="accent1"/>
+          </a:fillRef>
+          <a:effectRef idx="0">
+            <a:schemeClr val="accent1"/>
+          </a:effectRef>
+          <a:fontRef idx="minor">
+            <a:schemeClr val="lt1"/>
+          </a:fontRef>
+        </p:style>
+        <p:txBody>
+          <a:bodyPr wrap="square" rtlCol="0" anchor="ctr">
+            <a:spAutoFit/>
+          </a:bodyPr>
+          <a:lstStyle/>
+          <a:p>
+            <a:pPr algn="ctr"/>
+            <a:r>
+              <a:rPr lang="en-US" altLang="ko-KR" sz="1400" b="1" dirty="0">
+                <a:solidFill>
+                  <a:schemeClr val="tx1"/>
+                </a:solidFill>
+              </a:rPr>
+              <a:t>setPrivateKey</a:t>
+            </a:r>
+            <a:endParaRPr lang="ko-KR" altLang="en-US" sz="1400" b="1" dirty="0">
+              <a:solidFill>
+                <a:schemeClr val="tx1"/>
+              </a:solidFill>
+            </a:endParaRPr>
+          </a:p>
+        </p:txBody>
+      </p:sp>
+      <p:cxnSp>
+        <p:nvCxnSpPr>
+          <p:cNvPr id="82" name="연결선: 꺾임 81">
+            <a:extLst>
+              <a:ext uri="{FF2B5EF4-FFF2-40B4-BE49-F238E27FC236}">
+                <a16:creationId xmlns:a16="http://schemas.microsoft.com/office/drawing/2014/main" id="{F566ED29-4693-63D7-AEDC-1B7900673BBB}"/>
+              </a:ext>
+            </a:extLst>
+          </p:cNvPr>
+          <p:cNvCxnSpPr>
+            <a:cxnSpLocks/>
+            <a:stCxn id="19" idx="3"/>
+            <a:endCxn id="78" idx="3"/>
+          </p:cNvCxnSpPr>
+          <p:nvPr/>
+        </p:nvCxnSpPr>
+        <p:spPr>
+          <a:xfrm flipV="1">
+            <a:off x="11532395" y="1773551"/>
+            <a:ext cx="130873" cy="1272644"/>
+          </a:xfrm>
+          <a:prstGeom prst="bentConnector3">
+            <a:avLst>
+              <a:gd name="adj1" fmla="val 274673"/>
+            </a:avLst>
+          </a:prstGeom>
+          <a:ln>
+            <a:tailEnd type="triangle"/>
+          </a:ln>
+        </p:spPr>
+        <p:style>
+          <a:lnRef idx="1">
+            <a:schemeClr val="accent1"/>
+          </a:lnRef>
+          <a:fillRef idx="0">
+            <a:schemeClr val="accent1"/>
+          </a:fillRef>
+          <a:effectRef idx="0">
+            <a:schemeClr val="accent1"/>
+          </a:effectRef>
+          <a:fontRef idx="minor">
+            <a:schemeClr val="tx1"/>
+          </a:fontRef>
+        </p:style>
+      </p:cxnSp>
+      <p:cxnSp>
+        <p:nvCxnSpPr>
+          <p:cNvPr id="85" name="직선 화살표 연결선 84">
+            <a:extLst>
+              <a:ext uri="{FF2B5EF4-FFF2-40B4-BE49-F238E27FC236}">
+                <a16:creationId xmlns:a16="http://schemas.microsoft.com/office/drawing/2014/main" id="{0C5D0BA1-EDD0-9632-2326-EF0DE919612F}"/>
+              </a:ext>
+            </a:extLst>
+          </p:cNvPr>
+          <p:cNvCxnSpPr>
+            <a:cxnSpLocks/>
+            <a:stCxn id="78" idx="2"/>
+          </p:cNvCxnSpPr>
+          <p:nvPr/>
+        </p:nvCxnSpPr>
+        <p:spPr>
+          <a:xfrm>
+            <a:off x="10599579" y="2250604"/>
+            <a:ext cx="0" cy="1938833"/>
+          </a:xfrm>
+          <a:prstGeom prst="straightConnector1">
+            <a:avLst/>
+          </a:prstGeom>
+          <a:ln>
+            <a:tailEnd type="triangle"/>
+          </a:ln>
+        </p:spPr>
+        <p:style>
+          <a:lnRef idx="1">
+            <a:schemeClr val="accent1"/>
+          </a:lnRef>
+          <a:fillRef idx="0">
+            <a:schemeClr val="accent1"/>
+          </a:fillRef>
+          <a:effectRef idx="0">
+            <a:schemeClr val="accent1"/>
+          </a:effectRef>
+          <a:fontRef idx="minor">
+            <a:schemeClr val="tx1"/>
+          </a:fontRef>
+        </p:style>
+      </p:cxnSp>
+      <p:cxnSp>
+        <p:nvCxnSpPr>
+          <p:cNvPr id="96" name="연결선: 꺾임 95">
+            <a:extLst>
+              <a:ext uri="{FF2B5EF4-FFF2-40B4-BE49-F238E27FC236}">
+                <a16:creationId xmlns:a16="http://schemas.microsoft.com/office/drawing/2014/main" id="{C1F1078E-52F0-21FB-54D9-6E432F53B780}"/>
+              </a:ext>
+            </a:extLst>
+          </p:cNvPr>
+          <p:cNvCxnSpPr>
+            <a:cxnSpLocks/>
+            <a:endCxn id="19" idx="1"/>
+          </p:cNvCxnSpPr>
+          <p:nvPr/>
+        </p:nvCxnSpPr>
+        <p:spPr>
+          <a:xfrm>
+            <a:off x="8500186" y="2248672"/>
+            <a:ext cx="1359242" cy="797523"/>
+          </a:xfrm>
+          <a:prstGeom prst="bentConnector3">
+            <a:avLst>
+              <a:gd name="adj1" fmla="val -2171"/>
+            </a:avLst>
+          </a:prstGeom>
+          <a:ln>
+            <a:tailEnd type="triangle"/>
+          </a:ln>
+        </p:spPr>
+        <p:style>
+          <a:lnRef idx="1">
+            <a:schemeClr val="accent1"/>
+          </a:lnRef>
+          <a:fillRef idx="0">
+            <a:schemeClr val="accent1"/>
+          </a:fillRef>
+          <a:effectRef idx="0">
+            <a:schemeClr val="accent1"/>
+          </a:effectRef>
+          <a:fontRef idx="minor">
+            <a:schemeClr val="tx1"/>
+          </a:fontRef>
+        </p:style>
+      </p:cxnSp>
+      <p:sp>
+        <p:nvSpPr>
+          <p:cNvPr id="17" name="직사각형 16">
+            <a:extLst>
+              <a:ext uri="{FF2B5EF4-FFF2-40B4-BE49-F238E27FC236}">
+                <a16:creationId xmlns:a16="http://schemas.microsoft.com/office/drawing/2014/main" id="{00903EBD-FCC6-A120-3F3F-16EB12294E48}"/>
+              </a:ext>
+            </a:extLst>
+          </p:cNvPr>
+          <p:cNvSpPr/>
+          <p:nvPr/>
+        </p:nvSpPr>
+        <p:spPr>
+          <a:xfrm>
+            <a:off x="7151797" y="2607707"/>
+            <a:ext cx="1657256" cy="307777"/>
+          </a:xfrm>
+          <a:prstGeom prst="rect">
+            <a:avLst/>
+          </a:prstGeom>
+          <a:solidFill>
+            <a:schemeClr val="accent1">
+              <a:lumMod val="40000"/>
+              <a:lumOff val="60000"/>
+            </a:schemeClr>
+          </a:solidFill>
+        </p:spPr>
+        <p:style>
+          <a:lnRef idx="2">
+            <a:schemeClr val="accent1">
+              <a:shade val="50000"/>
+            </a:schemeClr>
+          </a:lnRef>
+          <a:fillRef idx="1">
+            <a:schemeClr val="accent1"/>
+          </a:fillRef>
+          <a:effectRef idx="0">
+            <a:schemeClr val="accent1"/>
+          </a:effectRef>
+          <a:fontRef idx="minor">
+            <a:schemeClr val="lt1"/>
+          </a:fontRef>
+        </p:style>
+        <p:txBody>
+          <a:bodyPr wrap="square" rtlCol="0" anchor="ctr">
+            <a:spAutoFit/>
+          </a:bodyPr>
+          <a:lstStyle/>
+          <a:p>
+            <a:pPr algn="ctr"/>
+            <a:r>
+              <a:rPr lang="en-US" altLang="ko-KR" sz="1400" b="1" dirty="0">
+                <a:solidFill>
+                  <a:schemeClr val="tx1"/>
+                </a:solidFill>
+              </a:rPr>
+              <a:t>createHeader</a:t>
+            </a:r>
+            <a:endParaRPr lang="ko-KR" altLang="en-US" sz="1400" b="1" dirty="0">
+              <a:solidFill>
+                <a:schemeClr val="tx1"/>
+              </a:solidFill>
+            </a:endParaRPr>
+          </a:p>
+        </p:txBody>
+      </p:sp>
+      <p:sp>
+        <p:nvSpPr>
+          <p:cNvPr id="19" name="직사각형 18">
+            <a:extLst>
+              <a:ext uri="{FF2B5EF4-FFF2-40B4-BE49-F238E27FC236}">
+                <a16:creationId xmlns:a16="http://schemas.microsoft.com/office/drawing/2014/main" id="{BCA339DA-72AB-8841-F0FF-5035631784CD}"/>
+              </a:ext>
+            </a:extLst>
+          </p:cNvPr>
+          <p:cNvSpPr/>
+          <p:nvPr/>
+        </p:nvSpPr>
+        <p:spPr>
+          <a:xfrm>
+            <a:off x="9859428" y="2892306"/>
+            <a:ext cx="1672967" cy="307777"/>
+          </a:xfrm>
+          <a:prstGeom prst="rect">
+            <a:avLst/>
+          </a:prstGeom>
+          <a:solidFill>
+            <a:schemeClr val="accent1">
+              <a:lumMod val="40000"/>
+              <a:lumOff val="60000"/>
+            </a:schemeClr>
+          </a:solidFill>
+        </p:spPr>
+        <p:style>
+          <a:lnRef idx="2">
+            <a:schemeClr val="accent1">
+              <a:shade val="50000"/>
+            </a:schemeClr>
+          </a:lnRef>
+          <a:fillRef idx="1">
+            <a:schemeClr val="accent1"/>
+          </a:fillRef>
+          <a:effectRef idx="0">
+            <a:schemeClr val="accent1"/>
+          </a:effectRef>
+          <a:fontRef idx="minor">
+            <a:schemeClr val="lt1"/>
+          </a:fontRef>
+        </p:style>
+        <p:txBody>
+          <a:bodyPr wrap="square" rtlCol="0" anchor="ctr">
+            <a:spAutoFit/>
+          </a:bodyPr>
+          <a:lstStyle/>
+          <a:p>
+            <a:pPr algn="ctr"/>
+            <a:r>
+              <a:rPr lang="en-US" altLang="ko-KR" sz="1400" b="1" dirty="0">
+                <a:solidFill>
+                  <a:schemeClr val="tx1"/>
+                </a:solidFill>
+              </a:rPr>
+              <a:t>createSignature</a:t>
+            </a:r>
+            <a:endParaRPr lang="ko-KR" altLang="en-US" sz="1400" b="1" dirty="0">
+              <a:solidFill>
+                <a:schemeClr val="tx1"/>
+              </a:solidFill>
+            </a:endParaRPr>
+          </a:p>
+        </p:txBody>
+      </p:sp>
+      <p:sp>
+        <p:nvSpPr>
+          <p:cNvPr id="110" name="TextBox 109">
+            <a:extLst>
+              <a:ext uri="{FF2B5EF4-FFF2-40B4-BE49-F238E27FC236}">
+                <a16:creationId xmlns:a16="http://schemas.microsoft.com/office/drawing/2014/main" id="{887482CC-8056-162F-AD12-7393FFE6F930}"/>
+              </a:ext>
+            </a:extLst>
+          </p:cNvPr>
+          <p:cNvSpPr txBox="1"/>
+          <p:nvPr/>
+        </p:nvSpPr>
+        <p:spPr>
+          <a:xfrm>
+            <a:off x="382555" y="1212980"/>
+            <a:ext cx="2827176" cy="369332"/>
+          </a:xfrm>
+          <a:prstGeom prst="rect">
+            <a:avLst/>
+          </a:prstGeom>
+          <a:noFill/>
+        </p:spPr>
+        <p:txBody>
+          <a:bodyPr wrap="square" rtlCol="0">
+            <a:spAutoFit/>
+          </a:bodyPr>
+          <a:lstStyle/>
+          <a:p>
+            <a:r>
+              <a:rPr lang="en-US" altLang="ko-KR" dirty="0"/>
+              <a:t>1. </a:t>
+            </a:r>
+            <a:r>
+              <a:rPr lang="ko-KR" altLang="en-US" dirty="0"/>
+              <a:t>토큰 발행</a:t>
+            </a:r>
+          </a:p>
+        </p:txBody>
+      </p:sp>
+      <p:sp>
+        <p:nvSpPr>
+          <p:cNvPr id="111" name="날짜 개체 틀 110">
+            <a:extLst>
+              <a:ext uri="{FF2B5EF4-FFF2-40B4-BE49-F238E27FC236}">
+                <a16:creationId xmlns:a16="http://schemas.microsoft.com/office/drawing/2014/main" id="{FA08CD56-D27B-BFB9-0E57-694083D6279A}"/>
+              </a:ext>
+            </a:extLst>
+          </p:cNvPr>
+          <p:cNvSpPr>
+            <a:spLocks noGrp="1"/>
+          </p:cNvSpPr>
+          <p:nvPr>
+            <p:ph type="dt" sz="half" idx="10"/>
+          </p:nvPr>
+        </p:nvSpPr>
+        <p:spPr/>
+        <p:txBody>
+          <a:bodyPr/>
+          <a:lstStyle/>
+          <a:p>
+            <a:fld id="{5D8E01F4-183C-477C-B072-578C977CE1AB}" type="datetime1">
+              <a:rPr lang="ko-KR" altLang="en-US" smtClean="0"/>
+              <a:t>2025-01-16</a:t>
+            </a:fld>
+            <a:endParaRPr lang="ko-KR" altLang="en-US" dirty="0"/>
+          </a:p>
+        </p:txBody>
+      </p:sp>
+      <p:sp>
+        <p:nvSpPr>
+          <p:cNvPr id="112" name="바닥글 개체 틀 111">
+            <a:extLst>
+              <a:ext uri="{FF2B5EF4-FFF2-40B4-BE49-F238E27FC236}">
+                <a16:creationId xmlns:a16="http://schemas.microsoft.com/office/drawing/2014/main" id="{22734D2D-AAE3-A39E-D76F-7873BDA1A5DD}"/>
+              </a:ext>
+            </a:extLst>
+          </p:cNvPr>
+          <p:cNvSpPr>
+            <a:spLocks noGrp="1"/>
+          </p:cNvSpPr>
+          <p:nvPr>
+            <p:ph type="ftr" sz="quarter" idx="11"/>
+          </p:nvPr>
+        </p:nvSpPr>
+        <p:spPr/>
+        <p:txBody>
+          <a:bodyPr/>
+          <a:lstStyle/>
+          <a:p>
+            <a:r>
+              <a:rPr lang="en-US" altLang="ko-KR" dirty="0"/>
+              <a:t>https://github.com/mon99745/TokenReference</a:t>
+            </a:r>
+            <a:endParaRPr lang="ko-KR" altLang="en-US" dirty="0"/>
+          </a:p>
+        </p:txBody>
+      </p:sp>
+      <p:sp>
+        <p:nvSpPr>
+          <p:cNvPr id="119" name="직사각형 118">
+            <a:extLst>
+              <a:ext uri="{FF2B5EF4-FFF2-40B4-BE49-F238E27FC236}">
+                <a16:creationId xmlns:a16="http://schemas.microsoft.com/office/drawing/2014/main" id="{4D5424C9-C305-3FED-E7F7-2232570A7ABC}"/>
+              </a:ext>
+            </a:extLst>
+          </p:cNvPr>
+          <p:cNvSpPr/>
+          <p:nvPr/>
+        </p:nvSpPr>
+        <p:spPr>
+          <a:xfrm>
+            <a:off x="4453810" y="3159045"/>
+            <a:ext cx="1027293" cy="307777"/>
+          </a:xfrm>
+          <a:prstGeom prst="rect">
+            <a:avLst/>
+          </a:prstGeom>
+          <a:solidFill>
+            <a:schemeClr val="accent1">
+              <a:lumMod val="40000"/>
+              <a:lumOff val="60000"/>
+            </a:schemeClr>
+          </a:solidFill>
+        </p:spPr>
+        <p:style>
+          <a:lnRef idx="2">
+            <a:schemeClr val="accent1">
+              <a:shade val="50000"/>
+            </a:schemeClr>
+          </a:lnRef>
+          <a:fillRef idx="1">
+            <a:schemeClr val="accent1"/>
+          </a:fillRef>
+          <a:effectRef idx="0">
+            <a:schemeClr val="accent1"/>
+          </a:effectRef>
+          <a:fontRef idx="minor">
+            <a:schemeClr val="lt1"/>
+          </a:fontRef>
+        </p:style>
+        <p:txBody>
+          <a:bodyPr wrap="square" rtlCol="0" anchor="ctr">
+            <a:spAutoFit/>
+          </a:bodyPr>
+          <a:lstStyle/>
+          <a:p>
+            <a:pPr algn="ctr"/>
+            <a:r>
+              <a:rPr lang="en-US" altLang="ko-KR" sz="1400" b="1" dirty="0">
+                <a:solidFill>
+                  <a:schemeClr val="tx1"/>
+                </a:solidFill>
+              </a:rPr>
+              <a:t>createJwt</a:t>
+            </a:r>
+            <a:endParaRPr lang="ko-KR" altLang="en-US" sz="1400" b="1" dirty="0">
+              <a:solidFill>
+                <a:schemeClr val="tx1"/>
+              </a:solidFill>
+            </a:endParaRPr>
+          </a:p>
+        </p:txBody>
+      </p:sp>
+      <p:cxnSp>
+        <p:nvCxnSpPr>
+          <p:cNvPr id="124" name="직선 화살표 연결선 123">
+            <a:extLst>
+              <a:ext uri="{FF2B5EF4-FFF2-40B4-BE49-F238E27FC236}">
+                <a16:creationId xmlns:a16="http://schemas.microsoft.com/office/drawing/2014/main" id="{A2870DAB-2B1C-E3A8-D149-C2408A75D0A4}"/>
+              </a:ext>
+            </a:extLst>
+          </p:cNvPr>
+          <p:cNvCxnSpPr>
+            <a:cxnSpLocks/>
+            <a:stCxn id="119" idx="3"/>
+            <a:endCxn id="13" idx="1"/>
+          </p:cNvCxnSpPr>
+          <p:nvPr/>
+        </p:nvCxnSpPr>
+        <p:spPr>
+          <a:xfrm>
+            <a:off x="5481103" y="3312934"/>
+            <a:ext cx="477211" cy="6225"/>
+          </a:xfrm>
+          <a:prstGeom prst="straightConnector1">
+            <a:avLst/>
+          </a:prstGeom>
+          <a:ln>
+            <a:tailEnd type="triangle"/>
+          </a:ln>
+        </p:spPr>
+        <p:style>
+          <a:lnRef idx="1">
+            <a:schemeClr val="accent1"/>
+          </a:lnRef>
+          <a:fillRef idx="0">
+            <a:schemeClr val="accent1"/>
+          </a:fillRef>
+          <a:effectRef idx="0">
+            <a:schemeClr val="accent1"/>
+          </a:effectRef>
+          <a:fontRef idx="minor">
+            <a:schemeClr val="tx1"/>
+          </a:fontRef>
+        </p:style>
+      </p:cxnSp>
+      <p:sp>
+        <p:nvSpPr>
+          <p:cNvPr id="128" name="TextBox 127">
+            <a:extLst>
+              <a:ext uri="{FF2B5EF4-FFF2-40B4-BE49-F238E27FC236}">
+                <a16:creationId xmlns:a16="http://schemas.microsoft.com/office/drawing/2014/main" id="{95942B4B-318C-C960-4387-D24143079072}"/>
+              </a:ext>
+            </a:extLst>
+          </p:cNvPr>
+          <p:cNvSpPr txBox="1"/>
+          <p:nvPr/>
+        </p:nvSpPr>
+        <p:spPr>
+          <a:xfrm>
+            <a:off x="5411039" y="3067512"/>
+            <a:ext cx="588988" cy="261610"/>
+          </a:xfrm>
+          <a:prstGeom prst="rect">
+            <a:avLst/>
+          </a:prstGeom>
+          <a:noFill/>
+        </p:spPr>
+        <p:txBody>
+          <a:bodyPr wrap="square" rtlCol="0">
+            <a:spAutoFit/>
+          </a:bodyPr>
+          <a:lstStyle/>
+          <a:p>
+            <a:pPr algn="ctr"/>
+            <a:r>
+              <a:rPr lang="en-US" altLang="ko-KR" sz="1100" b="1" dirty="0">
+                <a:solidFill>
+                  <a:schemeClr val="accent5">
+                    <a:lumMod val="75000"/>
+                  </a:schemeClr>
+                </a:solidFill>
+              </a:rPr>
+              <a:t>4. call</a:t>
+            </a:r>
+            <a:endParaRPr lang="ko-KR" altLang="en-US" sz="1100" b="1" dirty="0">
+              <a:solidFill>
+                <a:schemeClr val="accent5">
+                  <a:lumMod val="75000"/>
+                </a:schemeClr>
+              </a:solidFill>
+            </a:endParaRPr>
+          </a:p>
+        </p:txBody>
+      </p:sp>
+      <p:sp>
+        <p:nvSpPr>
+          <p:cNvPr id="7" name="TextBox 6">
+            <a:extLst>
+              <a:ext uri="{FF2B5EF4-FFF2-40B4-BE49-F238E27FC236}">
+                <a16:creationId xmlns:a16="http://schemas.microsoft.com/office/drawing/2014/main" id="{CD23CE7D-BA4B-B372-8AB3-730D5B41C2FA}"/>
+              </a:ext>
+            </a:extLst>
+          </p:cNvPr>
+          <p:cNvSpPr txBox="1"/>
+          <p:nvPr/>
+        </p:nvSpPr>
+        <p:spPr>
+          <a:xfrm>
+            <a:off x="-55985" y="3490812"/>
+            <a:ext cx="1384468" cy="261610"/>
+          </a:xfrm>
+          <a:prstGeom prst="rect">
+            <a:avLst/>
+          </a:prstGeom>
+          <a:noFill/>
+        </p:spPr>
+        <p:txBody>
+          <a:bodyPr wrap="square" rtlCol="0">
+            <a:spAutoFit/>
+          </a:bodyPr>
+          <a:lstStyle/>
+          <a:p>
+            <a:pPr algn="ctr"/>
+            <a:r>
+              <a:rPr lang="en-US" altLang="ko-KR" sz="1100" b="1" dirty="0">
+                <a:solidFill>
+                  <a:schemeClr val="tx1">
+                    <a:lumMod val="50000"/>
+                    <a:lumOff val="50000"/>
+                  </a:schemeClr>
+                </a:solidFill>
+              </a:rPr>
+              <a:t>user</a:t>
+            </a:r>
+          </a:p>
+        </p:txBody>
+      </p:sp>
     </p:spTree>
     <p:extLst>
       <p:ext uri="{BB962C8B-B14F-4D97-AF65-F5344CB8AC3E}">
-        <p14:creationId xmlns:p14="http://schemas.microsoft.com/office/powerpoint/2010/main" val="3015120662"/>
+        <p14:creationId xmlns:p14="http://schemas.microsoft.com/office/powerpoint/2010/main" val="44263320"/>
       </p:ext>
     </p:extLst>
   </p:cSld>
@@ -4457,7 +6312,13 @@
   <p:cSld>
     <p:spTree>
       <p:nvGrpSpPr>
-        <p:cNvPr id="1" name=""/>
+        <p:cNvPr id="1" name="">
+          <a:extLst>
+            <a:ext uri="{FF2B5EF4-FFF2-40B4-BE49-F238E27FC236}">
+              <a16:creationId xmlns:a16="http://schemas.microsoft.com/office/drawing/2014/main" id="{A96D1401-A0FD-0B8C-4641-C705BBE4CCDE}"/>
+            </a:ext>
+          </a:extLst>
+        </p:cNvPr>
         <p:cNvGrpSpPr/>
         <p:nvPr/>
       </p:nvGrpSpPr>
@@ -4471,45 +6332,297 @@
       </p:grpSpPr>
       <p:sp>
         <p:nvSpPr>
-          <p:cNvPr id="2" name="제목 1">
-            <a:extLst>
-              <a:ext uri="{FF2B5EF4-FFF2-40B4-BE49-F238E27FC236}">
-                <a16:creationId xmlns:a16="http://schemas.microsoft.com/office/drawing/2014/main" id="{21E2BFD9-A443-A2DA-37DC-075229223D17}"/>
-              </a:ext>
-            </a:extLst>
-          </p:cNvPr>
-          <p:cNvSpPr>
-            <a:spLocks noGrp="1"/>
-          </p:cNvSpPr>
-          <p:nvPr>
-            <p:ph type="ctrTitle"/>
-          </p:nvPr>
-        </p:nvSpPr>
-        <p:spPr>
-          <a:xfrm>
-            <a:off x="373930" y="566243"/>
-            <a:ext cx="4603423" cy="480131"/>
-          </a:xfrm>
-        </p:spPr>
-        <p:txBody>
-          <a:bodyPr>
+          <p:cNvPr id="79" name="직사각형 78">
+            <a:extLst>
+              <a:ext uri="{FF2B5EF4-FFF2-40B4-BE49-F238E27FC236}">
+                <a16:creationId xmlns:a16="http://schemas.microsoft.com/office/drawing/2014/main" id="{66765C39-212E-951F-2DEC-06D985E29600}"/>
+              </a:ext>
+            </a:extLst>
+          </p:cNvPr>
+          <p:cNvSpPr/>
+          <p:nvPr/>
+        </p:nvSpPr>
+        <p:spPr>
+          <a:xfrm>
+            <a:off x="6925513" y="1293386"/>
+            <a:ext cx="2097189" cy="954107"/>
+          </a:xfrm>
+          <a:prstGeom prst="rect">
+            <a:avLst/>
+          </a:prstGeom>
+          <a:solidFill>
+            <a:schemeClr val="accent1">
+              <a:lumMod val="20000"/>
+              <a:lumOff val="80000"/>
+            </a:schemeClr>
+          </a:solidFill>
+          <a:ln>
+            <a:prstDash val="dash"/>
+          </a:ln>
+        </p:spPr>
+        <p:style>
+          <a:lnRef idx="2">
+            <a:schemeClr val="accent1">
+              <a:shade val="50000"/>
+            </a:schemeClr>
+          </a:lnRef>
+          <a:fillRef idx="1">
+            <a:schemeClr val="accent1"/>
+          </a:fillRef>
+          <a:effectRef idx="0">
+            <a:schemeClr val="accent1"/>
+          </a:effectRef>
+          <a:fontRef idx="minor">
+            <a:schemeClr val="lt1"/>
+          </a:fontRef>
+        </p:style>
+        <p:txBody>
+          <a:bodyPr wrap="square" rtlCol="0" anchor="ctr">
             <a:spAutoFit/>
           </a:bodyPr>
           <a:lstStyle/>
           <a:p>
-            <a:pPr algn="l"/>
-            <a:r>
-              <a:rPr lang="ko-KR" altLang="en-US" sz="2800" b="1" dirty="0"/>
-              <a:t>토큰</a:t>
-            </a:r>
-            <a:r>
-              <a:rPr lang="en-US" altLang="ko-KR" sz="2800" b="1" dirty="0"/>
-              <a:t>(JWT)</a:t>
-            </a:r>
-            <a:r>
-              <a:rPr lang="ko-KR" altLang="en-US" sz="2800" b="1" dirty="0"/>
-              <a:t> 검증</a:t>
-            </a:r>
+            <a:r>
+              <a:rPr lang="en-US" altLang="ko-KR" sz="1400" b="1" dirty="0">
+                <a:solidFill>
+                  <a:schemeClr val="tx1"/>
+                </a:solidFill>
+              </a:rPr>
+              <a:t>Properties</a:t>
+            </a:r>
+          </a:p>
+          <a:p>
+            <a:pPr algn="ctr"/>
+            <a:endParaRPr lang="en-US" altLang="ko-KR" sz="1400" b="1" dirty="0">
+              <a:solidFill>
+                <a:schemeClr val="tx1"/>
+              </a:solidFill>
+            </a:endParaRPr>
+          </a:p>
+          <a:p>
+            <a:pPr algn="ctr"/>
+            <a:endParaRPr lang="en-US" altLang="ko-KR" sz="1400" b="1" dirty="0">
+              <a:solidFill>
+                <a:schemeClr val="tx1"/>
+              </a:solidFill>
+            </a:endParaRPr>
+          </a:p>
+          <a:p>
+            <a:pPr algn="ctr"/>
+            <a:endParaRPr lang="ko-KR" altLang="en-US" sz="1400" b="1" dirty="0">
+              <a:solidFill>
+                <a:schemeClr val="tx1"/>
+              </a:solidFill>
+            </a:endParaRPr>
+          </a:p>
+        </p:txBody>
+      </p:sp>
+      <p:sp>
+        <p:nvSpPr>
+          <p:cNvPr id="80" name="직사각형 79">
+            <a:extLst>
+              <a:ext uri="{FF2B5EF4-FFF2-40B4-BE49-F238E27FC236}">
+                <a16:creationId xmlns:a16="http://schemas.microsoft.com/office/drawing/2014/main" id="{FDDE9230-09E8-7BC5-1BC6-4B4CD9D24E22}"/>
+              </a:ext>
+            </a:extLst>
+          </p:cNvPr>
+          <p:cNvSpPr/>
+          <p:nvPr/>
+        </p:nvSpPr>
+        <p:spPr>
+          <a:xfrm>
+            <a:off x="7072603" y="1702797"/>
+            <a:ext cx="1849404" cy="307777"/>
+          </a:xfrm>
+          <a:prstGeom prst="rect">
+            <a:avLst/>
+          </a:prstGeom>
+          <a:solidFill>
+            <a:schemeClr val="accent1">
+              <a:lumMod val="40000"/>
+              <a:lumOff val="60000"/>
+            </a:schemeClr>
+          </a:solidFill>
+        </p:spPr>
+        <p:style>
+          <a:lnRef idx="2">
+            <a:schemeClr val="accent1">
+              <a:shade val="50000"/>
+            </a:schemeClr>
+          </a:lnRef>
+          <a:fillRef idx="1">
+            <a:schemeClr val="accent1"/>
+          </a:fillRef>
+          <a:effectRef idx="0">
+            <a:schemeClr val="accent1"/>
+          </a:effectRef>
+          <a:fontRef idx="minor">
+            <a:schemeClr val="lt1"/>
+          </a:fontRef>
+        </p:style>
+        <p:txBody>
+          <a:bodyPr wrap="square" rtlCol="0" anchor="ctr">
+            <a:spAutoFit/>
+          </a:bodyPr>
+          <a:lstStyle/>
+          <a:p>
+            <a:pPr algn="ctr"/>
+            <a:r>
+              <a:rPr lang="en-US" altLang="ko-KR" sz="1400" b="1" dirty="0">
+                <a:solidFill>
+                  <a:schemeClr val="tx1"/>
+                </a:solidFill>
+              </a:rPr>
+              <a:t>setHeader</a:t>
+            </a:r>
+            <a:endParaRPr lang="ko-KR" altLang="en-US" sz="1400" b="1" dirty="0">
+              <a:solidFill>
+                <a:schemeClr val="tx1"/>
+              </a:solidFill>
+            </a:endParaRPr>
+          </a:p>
+        </p:txBody>
+      </p:sp>
+      <p:sp>
+        <p:nvSpPr>
+          <p:cNvPr id="69" name="직사각형 68">
+            <a:extLst>
+              <a:ext uri="{FF2B5EF4-FFF2-40B4-BE49-F238E27FC236}">
+                <a16:creationId xmlns:a16="http://schemas.microsoft.com/office/drawing/2014/main" id="{BBBF0E24-6AF5-C570-7EC9-CC73BEC31783}"/>
+              </a:ext>
+            </a:extLst>
+          </p:cNvPr>
+          <p:cNvSpPr/>
+          <p:nvPr/>
+        </p:nvSpPr>
+        <p:spPr>
+          <a:xfrm>
+            <a:off x="2209115" y="2303772"/>
+            <a:ext cx="1785037" cy="2462213"/>
+          </a:xfrm>
+          <a:prstGeom prst="rect">
+            <a:avLst/>
+          </a:prstGeom>
+          <a:solidFill>
+            <a:schemeClr val="accent1">
+              <a:lumMod val="20000"/>
+              <a:lumOff val="80000"/>
+            </a:schemeClr>
+          </a:solidFill>
+          <a:ln>
+            <a:prstDash val="dash"/>
+          </a:ln>
+        </p:spPr>
+        <p:style>
+          <a:lnRef idx="2">
+            <a:schemeClr val="accent1">
+              <a:shade val="50000"/>
+            </a:schemeClr>
+          </a:lnRef>
+          <a:fillRef idx="1">
+            <a:schemeClr val="accent1"/>
+          </a:fillRef>
+          <a:effectRef idx="0">
+            <a:schemeClr val="accent1"/>
+          </a:effectRef>
+          <a:fontRef idx="minor">
+            <a:schemeClr val="lt1"/>
+          </a:fontRef>
+        </p:style>
+        <p:txBody>
+          <a:bodyPr wrap="square" rtlCol="0" anchor="ctr">
+            <a:spAutoFit/>
+          </a:bodyPr>
+          <a:lstStyle/>
+          <a:p>
+            <a:r>
+              <a:rPr lang="en-US" altLang="ko-KR" sz="1400" b="1" dirty="0">
+                <a:solidFill>
+                  <a:schemeClr val="tx1"/>
+                </a:solidFill>
+              </a:rPr>
+              <a:t>Controller</a:t>
+            </a:r>
+          </a:p>
+          <a:p>
+            <a:pPr algn="ctr"/>
+            <a:endParaRPr lang="en-US" altLang="ko-KR" sz="1400" b="1" dirty="0">
+              <a:solidFill>
+                <a:schemeClr val="tx1"/>
+              </a:solidFill>
+            </a:endParaRPr>
+          </a:p>
+          <a:p>
+            <a:pPr algn="ctr"/>
+            <a:endParaRPr lang="en-US" altLang="ko-KR" sz="1400" b="1" dirty="0">
+              <a:solidFill>
+                <a:schemeClr val="tx1"/>
+              </a:solidFill>
+            </a:endParaRPr>
+          </a:p>
+          <a:p>
+            <a:pPr algn="ctr"/>
+            <a:endParaRPr lang="en-US" altLang="ko-KR" sz="1400" b="1" dirty="0">
+              <a:solidFill>
+                <a:schemeClr val="tx1"/>
+              </a:solidFill>
+            </a:endParaRPr>
+          </a:p>
+          <a:p>
+            <a:pPr algn="ctr"/>
+            <a:endParaRPr lang="en-US" altLang="ko-KR" sz="1400" b="1" dirty="0">
+              <a:solidFill>
+                <a:schemeClr val="tx1"/>
+              </a:solidFill>
+            </a:endParaRPr>
+          </a:p>
+          <a:p>
+            <a:pPr algn="ctr"/>
+            <a:endParaRPr lang="en-US" altLang="ko-KR" sz="1400" b="1" dirty="0">
+              <a:solidFill>
+                <a:schemeClr val="tx1"/>
+              </a:solidFill>
+            </a:endParaRPr>
+          </a:p>
+          <a:p>
+            <a:pPr algn="ctr"/>
+            <a:endParaRPr lang="en-US" altLang="ko-KR" sz="1400" b="1" dirty="0">
+              <a:solidFill>
+                <a:schemeClr val="tx1"/>
+              </a:solidFill>
+            </a:endParaRPr>
+          </a:p>
+          <a:p>
+            <a:pPr algn="ctr"/>
+            <a:endParaRPr lang="en-US" altLang="ko-KR" sz="1400" b="1" dirty="0">
+              <a:solidFill>
+                <a:schemeClr val="tx1"/>
+              </a:solidFill>
+            </a:endParaRPr>
+          </a:p>
+          <a:p>
+            <a:pPr algn="ctr"/>
+            <a:endParaRPr lang="en-US" altLang="ko-KR" sz="1400" b="1" dirty="0">
+              <a:solidFill>
+                <a:schemeClr val="tx1"/>
+              </a:solidFill>
+            </a:endParaRPr>
+          </a:p>
+          <a:p>
+            <a:pPr algn="ctr"/>
+            <a:endParaRPr lang="en-US" altLang="ko-KR" sz="1400" b="1" dirty="0">
+              <a:solidFill>
+                <a:schemeClr val="tx1"/>
+              </a:solidFill>
+            </a:endParaRPr>
+          </a:p>
+          <a:p>
+            <a:pPr algn="ctr"/>
+            <a:endParaRPr lang="ko-KR" altLang="en-US" sz="1400" b="1" dirty="0">
+              <a:solidFill>
+                <a:schemeClr val="tx1"/>
+              </a:solidFill>
+            </a:endParaRPr>
           </a:p>
         </p:txBody>
       </p:sp>
@@ -4518,7 +6631,7 @@
           <p:cNvPr id="5" name="Picture 4" descr="사용자 사람 클라이언트 - Infographics 아이콘">
             <a:extLst>
               <a:ext uri="{FF2B5EF4-FFF2-40B4-BE49-F238E27FC236}">
-                <a16:creationId xmlns:a16="http://schemas.microsoft.com/office/drawing/2014/main" id="{B1473575-47BA-1F3E-A936-2C4D8ABC9260}"/>
+                <a16:creationId xmlns:a16="http://schemas.microsoft.com/office/drawing/2014/main" id="{0606789F-10A7-9C82-CB99-692C362B5208}"/>
               </a:ext>
             </a:extLst>
           </p:cNvPr>
@@ -4542,7 +6655,7 @@
         </p:blipFill>
         <p:spPr bwMode="auto">
           <a:xfrm>
-            <a:off x="977483" y="2997916"/>
+            <a:off x="416509" y="3018327"/>
             <a:ext cx="412621" cy="530809"/>
           </a:xfrm>
           <a:prstGeom prst="rect">
@@ -4565,7 +6678,7 @@
           <p:cNvPr id="6" name="TextBox 5">
             <a:extLst>
               <a:ext uri="{FF2B5EF4-FFF2-40B4-BE49-F238E27FC236}">
-                <a16:creationId xmlns:a16="http://schemas.microsoft.com/office/drawing/2014/main" id="{3284825C-ED6D-CB69-9FFB-8ADCE301196E}"/>
+                <a16:creationId xmlns:a16="http://schemas.microsoft.com/office/drawing/2014/main" id="{9DFDDDA0-7FF1-F8FC-4665-6D1F76F7D24F}"/>
               </a:ext>
             </a:extLst>
           </p:cNvPr>
@@ -4574,7 +6687,7 @@
         </p:nvSpPr>
         <p:spPr>
           <a:xfrm>
-            <a:off x="1405024" y="2850321"/>
+            <a:off x="741409" y="2851878"/>
             <a:ext cx="1534666" cy="430887"/>
           </a:xfrm>
           <a:prstGeom prst="rect">
@@ -4609,7 +6722,27 @@
                   </a:schemeClr>
                 </a:solidFill>
               </a:rPr>
-              <a:t>RequestBody(Token)</a:t>
+              <a:t>RequestBody(</a:t>
+            </a:r>
+            <a:r>
+              <a:rPr lang="en-US" altLang="ko-KR" sz="1050" b="1" dirty="0">
+                <a:solidFill>
+                  <a:schemeClr val="accent5">
+                    <a:lumMod val="75000"/>
+                  </a:schemeClr>
+                </a:solidFill>
+              </a:rPr>
+              <a:t>Token</a:t>
+            </a:r>
+            <a:r>
+              <a:rPr lang="en-US" altLang="ko-KR" sz="1100" b="1" dirty="0">
+                <a:solidFill>
+                  <a:schemeClr val="accent5">
+                    <a:lumMod val="75000"/>
+                  </a:schemeClr>
+                </a:solidFill>
+              </a:rPr>
+              <a:t>)</a:t>
             </a:r>
             <a:endParaRPr lang="ko-KR" altLang="en-US" sz="1100" b="1" dirty="0">
               <a:solidFill>
@@ -4626,7 +6759,7 @@
           <p:cNvPr id="8" name="직선 화살표 연결선 7">
             <a:extLst>
               <a:ext uri="{FF2B5EF4-FFF2-40B4-BE49-F238E27FC236}">
-                <a16:creationId xmlns:a16="http://schemas.microsoft.com/office/drawing/2014/main" id="{2E4E11BE-6FB7-1E3F-2310-665FA6E93584}"/>
+                <a16:creationId xmlns:a16="http://schemas.microsoft.com/office/drawing/2014/main" id="{966BA98B-70C8-105C-1171-0D314DD61C4B}"/>
               </a:ext>
             </a:extLst>
           </p:cNvPr>
@@ -4637,7 +6770,7 @@
         </p:nvCxnSpPr>
         <p:spPr>
           <a:xfrm>
-            <a:off x="1508289" y="3279433"/>
+            <a:off x="947315" y="3280990"/>
             <a:ext cx="1433165" cy="0"/>
           </a:xfrm>
           <a:prstGeom prst="straightConnector1">
@@ -4667,7 +6800,7 @@
           <p:cNvPr id="16" name="직사각형 15">
             <a:extLst>
               <a:ext uri="{FF2B5EF4-FFF2-40B4-BE49-F238E27FC236}">
-                <a16:creationId xmlns:a16="http://schemas.microsoft.com/office/drawing/2014/main" id="{AB4B2CC8-AD75-CF06-61B2-E670FE7C701D}"/>
+                <a16:creationId xmlns:a16="http://schemas.microsoft.com/office/drawing/2014/main" id="{6F70247E-8062-B04D-C1A6-8C7A1601C8DB}"/>
               </a:ext>
             </a:extLst>
           </p:cNvPr>
@@ -4676,7 +6809,7 @@
         </p:nvSpPr>
         <p:spPr>
           <a:xfrm>
-            <a:off x="2941454" y="3163252"/>
+            <a:off x="2380480" y="3183663"/>
             <a:ext cx="1423157" cy="307777"/>
           </a:xfrm>
           <a:prstGeom prst="rect">
@@ -4733,7 +6866,7 @@
           <p:cNvPr id="28" name="직사각형 27">
             <a:extLst>
               <a:ext uri="{FF2B5EF4-FFF2-40B4-BE49-F238E27FC236}">
-                <a16:creationId xmlns:a16="http://schemas.microsoft.com/office/drawing/2014/main" id="{BB39C764-B0E3-0DD3-67BF-02518032A233}"/>
+                <a16:creationId xmlns:a16="http://schemas.microsoft.com/office/drawing/2014/main" id="{6F597636-C3D0-81F4-EC7C-3FD71C436250}"/>
               </a:ext>
             </a:extLst>
           </p:cNvPr>
@@ -4742,8 +6875,8 @@
         </p:nvSpPr>
         <p:spPr>
           <a:xfrm>
-            <a:off x="6172333" y="2724965"/>
-            <a:ext cx="3499567" cy="2031325"/>
+            <a:off x="5136001" y="2312924"/>
+            <a:ext cx="6400795" cy="2462213"/>
           </a:xfrm>
           <a:prstGeom prst="rect">
             <a:avLst/>
@@ -4780,7 +6913,6 @@
           </a:bodyPr>
           <a:lstStyle/>
           <a:p>
-            <a:pPr algn="ctr"/>
             <a:r>
               <a:rPr lang="en-US" altLang="ko-KR" sz="1400" b="1" dirty="0">
                 <a:solidFill>
@@ -4848,6 +6980,22 @@
           </a:p>
           <a:p>
             <a:pPr algn="ctr"/>
+            <a:endParaRPr lang="en-US" altLang="ko-KR" sz="1400" b="1" dirty="0">
+              <a:solidFill>
+                <a:schemeClr val="tx1"/>
+              </a:solidFill>
+            </a:endParaRPr>
+          </a:p>
+          <a:p>
+            <a:pPr algn="ctr"/>
+            <a:endParaRPr lang="en-US" altLang="ko-KR" sz="1400" b="1" dirty="0">
+              <a:solidFill>
+                <a:schemeClr val="tx1"/>
+              </a:solidFill>
+            </a:endParaRPr>
+          </a:p>
+          <a:p>
+            <a:pPr algn="ctr"/>
             <a:endParaRPr lang="ko-KR" altLang="en-US" sz="1400" b="1" dirty="0">
               <a:solidFill>
                 <a:schemeClr val="tx1"/>
@@ -4858,61 +7006,65 @@
       </p:sp>
       <p:sp>
         <p:nvSpPr>
-          <p:cNvPr id="25" name="TextBox 24">
-            <a:extLst>
-              <a:ext uri="{FF2B5EF4-FFF2-40B4-BE49-F238E27FC236}">
-                <a16:creationId xmlns:a16="http://schemas.microsoft.com/office/drawing/2014/main" id="{9E1A9002-C09E-1C67-0ADE-EFF0A2D32D53}"/>
-              </a:ext>
-            </a:extLst>
-          </p:cNvPr>
-          <p:cNvSpPr txBox="1"/>
+          <p:cNvPr id="18" name="직사각형 17">
+            <a:extLst>
+              <a:ext uri="{FF2B5EF4-FFF2-40B4-BE49-F238E27FC236}">
+                <a16:creationId xmlns:a16="http://schemas.microsoft.com/office/drawing/2014/main" id="{83A33BE6-B356-DFE1-C391-3296C06766B0}"/>
+              </a:ext>
+            </a:extLst>
+          </p:cNvPr>
+          <p:cNvSpPr/>
           <p:nvPr/>
         </p:nvSpPr>
         <p:spPr>
           <a:xfrm>
-            <a:off x="5787760" y="4936788"/>
-            <a:ext cx="2174851" cy="430887"/>
+            <a:off x="7302852" y="3155941"/>
+            <a:ext cx="1655685" cy="307777"/>
           </a:xfrm>
           <a:prstGeom prst="rect">
             <a:avLst/>
           </a:prstGeom>
-          <a:noFill/>
-        </p:spPr>
-        <p:txBody>
-          <a:bodyPr wrap="square" rtlCol="0">
+          <a:solidFill>
+            <a:schemeClr val="accent1">
+              <a:lumMod val="40000"/>
+              <a:lumOff val="60000"/>
+            </a:schemeClr>
+          </a:solidFill>
+        </p:spPr>
+        <p:style>
+          <a:lnRef idx="2">
+            <a:schemeClr val="accent1">
+              <a:shade val="50000"/>
+            </a:schemeClr>
+          </a:lnRef>
+          <a:fillRef idx="1">
+            <a:schemeClr val="accent1"/>
+          </a:fillRef>
+          <a:effectRef idx="0">
+            <a:schemeClr val="accent1"/>
+          </a:effectRef>
+          <a:fontRef idx="minor">
+            <a:schemeClr val="lt1"/>
+          </a:fontRef>
+        </p:style>
+        <p:txBody>
+          <a:bodyPr wrap="square" rtlCol="0" anchor="ctr">
             <a:spAutoFit/>
           </a:bodyPr>
           <a:lstStyle/>
           <a:p>
             <a:pPr algn="ctr"/>
             <a:r>
-              <a:rPr lang="en-US" altLang="ko-KR" sz="1100" b="1" dirty="0">
+              <a:rPr lang="en-US" altLang="ko-KR" sz="1400" b="1" dirty="0">
                 <a:solidFill>
-                  <a:schemeClr val="accent5">
-                    <a:lumMod val="75000"/>
-                  </a:schemeClr>
+                  <a:schemeClr val="tx1"/>
                 </a:solidFill>
               </a:rPr>
-              <a:t>Response</a:t>
-            </a:r>
-          </a:p>
-          <a:p>
-            <a:pPr algn="ctr"/>
-            <a:r>
-              <a:rPr lang="en-US" altLang="ko-KR" sz="1100" b="1" dirty="0">
-                <a:solidFill>
-                  <a:schemeClr val="accent5">
-                    <a:lumMod val="75000"/>
-                  </a:schemeClr>
-                </a:solidFill>
-              </a:rPr>
-              <a:t>(Verify Result)</a:t>
-            </a:r>
-            <a:endParaRPr lang="ko-KR" altLang="en-US" sz="1100" b="1" dirty="0">
-              <a:solidFill>
-                <a:schemeClr val="accent5">
-                  <a:lumMod val="75000"/>
-                </a:schemeClr>
+              <a:t>setPayload</a:t>
+            </a:r>
+            <a:endParaRPr lang="ko-KR" altLang="en-US" sz="1400" b="1" dirty="0">
+              <a:solidFill>
+                <a:schemeClr val="tx1"/>
               </a:solidFill>
             </a:endParaRPr>
           </a:p>
@@ -4923,7 +7075,7 @@
           <p:cNvPr id="33" name="직선 화살표 연결선 32">
             <a:extLst>
               <a:ext uri="{FF2B5EF4-FFF2-40B4-BE49-F238E27FC236}">
-                <a16:creationId xmlns:a16="http://schemas.microsoft.com/office/drawing/2014/main" id="{95179CB6-7555-75B2-9481-84638872982A}"/>
+                <a16:creationId xmlns:a16="http://schemas.microsoft.com/office/drawing/2014/main" id="{FA2CE0EB-9DFB-458B-B051-16D1661398B8}"/>
               </a:ext>
             </a:extLst>
           </p:cNvPr>
@@ -4934,8 +7086,8 @@
         </p:nvCxnSpPr>
         <p:spPr>
           <a:xfrm>
-            <a:off x="4364611" y="3279433"/>
-            <a:ext cx="2073896" cy="0"/>
+            <a:off x="3803637" y="3299844"/>
+            <a:ext cx="1561465" cy="0"/>
           </a:xfrm>
           <a:prstGeom prst="straightConnector1">
             <a:avLst/>
@@ -4964,285 +7116,26 @@
           <p:cNvPr id="37" name="연결선: 꺾임 36">
             <a:extLst>
               <a:ext uri="{FF2B5EF4-FFF2-40B4-BE49-F238E27FC236}">
-                <a16:creationId xmlns:a16="http://schemas.microsoft.com/office/drawing/2014/main" id="{9FC26C50-3600-74F4-69C0-1B4854EABD85}"/>
+                <a16:creationId xmlns:a16="http://schemas.microsoft.com/office/drawing/2014/main" id="{BE0C90DD-F10E-D349-29CD-E3CD584F1E43}"/>
               </a:ext>
             </a:extLst>
           </p:cNvPr>
           <p:cNvCxnSpPr>
             <a:cxnSpLocks/>
-            <a:stCxn id="59" idx="2"/>
+            <a:stCxn id="31" idx="2"/>
           </p:cNvCxnSpPr>
           <p:nvPr/>
         </p:nvCxnSpPr>
         <p:spPr>
           <a:xfrm rot="5400000" flipH="1">
-            <a:off x="5609135" y="2132743"/>
-            <a:ext cx="1060778" cy="3539416"/>
+            <a:off x="6515103" y="678800"/>
+            <a:ext cx="1306286" cy="6704044"/>
           </a:xfrm>
           <a:prstGeom prst="bentConnector4">
             <a:avLst>
-              <a:gd name="adj1" fmla="val -41989"/>
-              <a:gd name="adj2" fmla="val 60052"/>
+              <a:gd name="adj1" fmla="val -94643"/>
+              <a:gd name="adj2" fmla="val 87335"/>
             </a:avLst>
-          </a:prstGeom>
-          <a:ln>
-            <a:tailEnd type="triangle"/>
-          </a:ln>
-        </p:spPr>
-        <p:style>
-          <a:lnRef idx="1">
-            <a:schemeClr val="accent1"/>
-          </a:lnRef>
-          <a:fillRef idx="0">
-            <a:schemeClr val="accent1"/>
-          </a:fillRef>
-          <a:effectRef idx="0">
-            <a:schemeClr val="accent1"/>
-          </a:effectRef>
-          <a:fontRef idx="minor">
-            <a:schemeClr val="tx1"/>
-          </a:fontRef>
-        </p:style>
-      </p:cxnSp>
-      <p:sp>
-        <p:nvSpPr>
-          <p:cNvPr id="39" name="TextBox 38">
-            <a:extLst>
-              <a:ext uri="{FF2B5EF4-FFF2-40B4-BE49-F238E27FC236}">
-                <a16:creationId xmlns:a16="http://schemas.microsoft.com/office/drawing/2014/main" id="{F0124C12-630A-D30D-EFFD-2922166AD07F}"/>
-              </a:ext>
-            </a:extLst>
-          </p:cNvPr>
-          <p:cNvSpPr txBox="1"/>
-          <p:nvPr/>
-        </p:nvSpPr>
-        <p:spPr>
-          <a:xfrm>
-            <a:off x="4519110" y="3047107"/>
-            <a:ext cx="1534666" cy="261610"/>
-          </a:xfrm>
-          <a:prstGeom prst="rect">
-            <a:avLst/>
-          </a:prstGeom>
-          <a:noFill/>
-        </p:spPr>
-        <p:txBody>
-          <a:bodyPr wrap="square" rtlCol="0">
-            <a:spAutoFit/>
-          </a:bodyPr>
-          <a:lstStyle/>
-          <a:p>
-            <a:pPr algn="ctr"/>
-            <a:r>
-              <a:rPr lang="en-US" altLang="ko-KR" sz="1100" b="1" dirty="0">
-                <a:solidFill>
-                  <a:schemeClr val="accent5">
-                    <a:lumMod val="75000"/>
-                  </a:schemeClr>
-                </a:solidFill>
-              </a:rPr>
-              <a:t>JsonObject</a:t>
-            </a:r>
-            <a:endParaRPr lang="ko-KR" altLang="en-US" sz="1100" b="1" dirty="0">
-              <a:solidFill>
-                <a:schemeClr val="accent5">
-                  <a:lumMod val="75000"/>
-                </a:schemeClr>
-              </a:solidFill>
-            </a:endParaRPr>
-          </a:p>
-        </p:txBody>
-      </p:sp>
-      <p:sp>
-        <p:nvSpPr>
-          <p:cNvPr id="4" name="직사각형 3">
-            <a:extLst>
-              <a:ext uri="{FF2B5EF4-FFF2-40B4-BE49-F238E27FC236}">
-                <a16:creationId xmlns:a16="http://schemas.microsoft.com/office/drawing/2014/main" id="{FED46057-C793-2EEE-DB65-1193900898D5}"/>
-              </a:ext>
-            </a:extLst>
-          </p:cNvPr>
-          <p:cNvSpPr/>
-          <p:nvPr/>
-        </p:nvSpPr>
-        <p:spPr>
-          <a:xfrm>
-            <a:off x="6449796" y="3197330"/>
-            <a:ext cx="1423157" cy="261610"/>
-          </a:xfrm>
-          <a:prstGeom prst="rect">
-            <a:avLst/>
-          </a:prstGeom>
-          <a:solidFill>
-            <a:schemeClr val="accent1">
-              <a:lumMod val="40000"/>
-              <a:lumOff val="60000"/>
-            </a:schemeClr>
-          </a:solidFill>
-        </p:spPr>
-        <p:style>
-          <a:lnRef idx="2">
-            <a:schemeClr val="accent1">
-              <a:shade val="50000"/>
-            </a:schemeClr>
-          </a:lnRef>
-          <a:fillRef idx="1">
-            <a:schemeClr val="accent1"/>
-          </a:fillRef>
-          <a:effectRef idx="0">
-            <a:schemeClr val="accent1"/>
-          </a:effectRef>
-          <a:fontRef idx="minor">
-            <a:schemeClr val="lt1"/>
-          </a:fontRef>
-        </p:style>
-        <p:txBody>
-          <a:bodyPr wrap="square" rtlCol="0" anchor="ctr">
-            <a:spAutoFit/>
-          </a:bodyPr>
-          <a:lstStyle/>
-          <a:p>
-            <a:pPr algn="ctr"/>
-            <a:r>
-              <a:rPr lang="en-US" altLang="ko-KR" sz="1100" b="1" dirty="0">
-                <a:solidFill>
-                  <a:schemeClr val="tx1"/>
-                </a:solidFill>
-              </a:rPr>
-              <a:t>Header + Payload</a:t>
-            </a:r>
-          </a:p>
-        </p:txBody>
-      </p:sp>
-      <p:cxnSp>
-        <p:nvCxnSpPr>
-          <p:cNvPr id="21" name="연결선: 꺾임 20">
-            <a:extLst>
-              <a:ext uri="{FF2B5EF4-FFF2-40B4-BE49-F238E27FC236}">
-                <a16:creationId xmlns:a16="http://schemas.microsoft.com/office/drawing/2014/main" id="{0B76BAC0-2E4B-79EA-0F70-34D5C11CECFD}"/>
-              </a:ext>
-            </a:extLst>
-          </p:cNvPr>
-          <p:cNvCxnSpPr>
-            <a:cxnSpLocks/>
-          </p:cNvCxnSpPr>
-          <p:nvPr/>
-        </p:nvCxnSpPr>
-        <p:spPr>
-          <a:xfrm rot="5400000" flipH="1" flipV="1">
-            <a:off x="9250006" y="3033741"/>
-            <a:ext cx="138499" cy="711578"/>
-          </a:xfrm>
-          <a:prstGeom prst="bentConnector4">
-            <a:avLst>
-              <a:gd name="adj1" fmla="val -165055"/>
-              <a:gd name="adj2" fmla="val 132126"/>
-            </a:avLst>
-          </a:prstGeom>
-          <a:ln>
-            <a:tailEnd type="triangle"/>
-          </a:ln>
-        </p:spPr>
-        <p:style>
-          <a:lnRef idx="1">
-            <a:schemeClr val="accent1"/>
-          </a:lnRef>
-          <a:fillRef idx="0">
-            <a:schemeClr val="accent1"/>
-          </a:fillRef>
-          <a:effectRef idx="0">
-            <a:schemeClr val="accent1"/>
-          </a:effectRef>
-          <a:fontRef idx="minor">
-            <a:schemeClr val="tx1"/>
-          </a:fontRef>
-        </p:style>
-      </p:cxnSp>
-      <p:sp>
-        <p:nvSpPr>
-          <p:cNvPr id="40" name="TextBox 39">
-            <a:extLst>
-              <a:ext uri="{FF2B5EF4-FFF2-40B4-BE49-F238E27FC236}">
-                <a16:creationId xmlns:a16="http://schemas.microsoft.com/office/drawing/2014/main" id="{0677D1AD-E894-15F3-4DD7-8D96F70C8F25}"/>
-              </a:ext>
-            </a:extLst>
-          </p:cNvPr>
-          <p:cNvSpPr txBox="1"/>
-          <p:nvPr/>
-        </p:nvSpPr>
-        <p:spPr>
-          <a:xfrm>
-            <a:off x="9916996" y="3303201"/>
-            <a:ext cx="1168926" cy="430887"/>
-          </a:xfrm>
-          <a:prstGeom prst="rect">
-            <a:avLst/>
-          </a:prstGeom>
-          <a:noFill/>
-        </p:spPr>
-        <p:txBody>
-          <a:bodyPr wrap="square" rtlCol="0">
-            <a:spAutoFit/>
-          </a:bodyPr>
-          <a:lstStyle/>
-          <a:p>
-            <a:pPr algn="ctr"/>
-            <a:r>
-              <a:rPr lang="en-US" altLang="ko-KR" sz="1100" b="1" dirty="0">
-                <a:solidFill>
-                  <a:schemeClr val="accent5">
-                    <a:lumMod val="75000"/>
-                  </a:schemeClr>
-                </a:solidFill>
-              </a:rPr>
-              <a:t>RSA decrypt</a:t>
-            </a:r>
-          </a:p>
-          <a:p>
-            <a:pPr algn="ctr"/>
-            <a:r>
-              <a:rPr lang="en-US" altLang="ko-KR" sz="1100" b="1" dirty="0">
-                <a:solidFill>
-                  <a:schemeClr val="accent5">
-                    <a:lumMod val="75000"/>
-                  </a:schemeClr>
-                </a:solidFill>
-              </a:rPr>
-              <a:t>privateKey</a:t>
-            </a:r>
-            <a:endParaRPr lang="ko-KR" altLang="en-US" sz="1100" b="1" dirty="0">
-              <a:solidFill>
-                <a:schemeClr val="accent5">
-                  <a:lumMod val="75000"/>
-                </a:schemeClr>
-              </a:solidFill>
-            </a:endParaRPr>
-          </a:p>
-        </p:txBody>
-      </p:sp>
-      <p:cxnSp>
-        <p:nvCxnSpPr>
-          <p:cNvPr id="43" name="연결선: 꺾임 42">
-            <a:extLst>
-              <a:ext uri="{FF2B5EF4-FFF2-40B4-BE49-F238E27FC236}">
-                <a16:creationId xmlns:a16="http://schemas.microsoft.com/office/drawing/2014/main" id="{580046CD-E296-8BE1-E2EC-45D41C054F06}"/>
-              </a:ext>
-            </a:extLst>
-          </p:cNvPr>
-          <p:cNvCxnSpPr>
-            <a:cxnSpLocks/>
-            <a:stCxn id="4" idx="2"/>
-            <a:endCxn id="59" idx="0"/>
-          </p:cNvCxnSpPr>
-          <p:nvPr/>
-        </p:nvCxnSpPr>
-        <p:spPr>
-          <a:xfrm rot="16200000" flipH="1">
-            <a:off x="7263797" y="3356517"/>
-            <a:ext cx="543013" cy="747857"/>
-          </a:xfrm>
-          <a:prstGeom prst="bentConnector3">
-            <a:avLst/>
           </a:prstGeom>
           <a:ln>
             <a:tailEnd type="triangle"/>
@@ -5265,32 +7158,29 @@
       </p:cxnSp>
       <p:cxnSp>
         <p:nvCxnSpPr>
-          <p:cNvPr id="45" name="연결선: 꺾임 44">
-            <a:extLst>
-              <a:ext uri="{FF2B5EF4-FFF2-40B4-BE49-F238E27FC236}">
-                <a16:creationId xmlns:a16="http://schemas.microsoft.com/office/drawing/2014/main" id="{3FDD100A-CF60-D969-24CF-F7E8711258C1}"/>
+          <p:cNvPr id="55" name="직선 화살표 연결선 54">
+            <a:extLst>
+              <a:ext uri="{FF2B5EF4-FFF2-40B4-BE49-F238E27FC236}">
+                <a16:creationId xmlns:a16="http://schemas.microsoft.com/office/drawing/2014/main" id="{C18F0899-069C-690F-73E3-EEC80C932F82}"/>
               </a:ext>
             </a:extLst>
           </p:cNvPr>
           <p:cNvCxnSpPr>
             <a:cxnSpLocks/>
-            <a:stCxn id="56" idx="2"/>
-            <a:endCxn id="59" idx="0"/>
           </p:cNvCxnSpPr>
           <p:nvPr/>
         </p:nvCxnSpPr>
         <p:spPr>
-          <a:xfrm rot="5400000">
-            <a:off x="8038364" y="3331377"/>
-            <a:ext cx="541445" cy="799707"/>
-          </a:xfrm>
-          <a:prstGeom prst="bentConnector3">
-            <a:avLst>
-              <a:gd name="adj1" fmla="val 50000"/>
-            </a:avLst>
+          <a:xfrm>
+            <a:off x="948887" y="3414534"/>
+            <a:ext cx="1433165" cy="0"/>
+          </a:xfrm>
+          <a:prstGeom prst="straightConnector1">
+            <a:avLst/>
           </a:prstGeom>
           <a:ln>
-            <a:tailEnd type="triangle"/>
+            <a:headEnd type="triangle"/>
+            <a:tailEnd type="none"/>
           </a:ln>
         </p:spPr>
         <p:style>
@@ -5310,10 +7200,58 @@
       </p:cxnSp>
       <p:sp>
         <p:nvSpPr>
-          <p:cNvPr id="56" name="직사각형 55">
-            <a:extLst>
-              <a:ext uri="{FF2B5EF4-FFF2-40B4-BE49-F238E27FC236}">
-                <a16:creationId xmlns:a16="http://schemas.microsoft.com/office/drawing/2014/main" id="{45416C39-3700-4EA7-46F8-DAD6ACE0E3F6}"/>
+          <p:cNvPr id="12" name="TextBox 11">
+            <a:extLst>
+              <a:ext uri="{FF2B5EF4-FFF2-40B4-BE49-F238E27FC236}">
+                <a16:creationId xmlns:a16="http://schemas.microsoft.com/office/drawing/2014/main" id="{C957D1BD-B694-0816-BA5E-9F6995E877AB}"/>
+              </a:ext>
+            </a:extLst>
+          </p:cNvPr>
+          <p:cNvSpPr txBox="1"/>
+          <p:nvPr/>
+        </p:nvSpPr>
+        <p:spPr>
+          <a:xfrm>
+            <a:off x="7145600" y="2293192"/>
+            <a:ext cx="1263195" cy="261610"/>
+          </a:xfrm>
+          <a:prstGeom prst="rect">
+            <a:avLst/>
+          </a:prstGeom>
+          <a:noFill/>
+        </p:spPr>
+        <p:txBody>
+          <a:bodyPr wrap="square" rtlCol="0">
+            <a:spAutoFit/>
+          </a:bodyPr>
+          <a:lstStyle/>
+          <a:p>
+            <a:r>
+              <a:rPr lang="en-US" altLang="ko-KR" sz="1100" b="1" dirty="0">
+                <a:solidFill>
+                  <a:schemeClr val="accent5">
+                    <a:lumMod val="75000"/>
+                  </a:schemeClr>
+                </a:solidFill>
+              </a:rPr>
+              <a:t>Overriding</a:t>
+            </a:r>
+            <a:endParaRPr lang="ko-KR" altLang="en-US" sz="1100" b="1" dirty="0">
+              <a:solidFill>
+                <a:schemeClr val="accent5">
+                  <a:lumMod val="75000"/>
+                </a:schemeClr>
+              </a:solidFill>
+            </a:endParaRPr>
+          </a:p>
+        </p:txBody>
+      </p:sp>
+      <p:sp>
+        <p:nvSpPr>
+          <p:cNvPr id="13" name="직사각형 12">
+            <a:extLst>
+              <a:ext uri="{FF2B5EF4-FFF2-40B4-BE49-F238E27FC236}">
+                <a16:creationId xmlns:a16="http://schemas.microsoft.com/office/drawing/2014/main" id="{C1E2AFC9-EA2E-5411-F8EC-143A34253A0B}"/>
               </a:ext>
             </a:extLst>
           </p:cNvPr>
@@ -5322,8 +7260,8 @@
         </p:nvSpPr>
         <p:spPr>
           <a:xfrm>
-            <a:off x="7997360" y="3198898"/>
-            <a:ext cx="1423157" cy="261610"/>
+            <a:off x="5373038" y="3157728"/>
+            <a:ext cx="1355266" cy="307777"/>
           </a:xfrm>
           <a:prstGeom prst="rect">
             <a:avLst/>
@@ -5359,41 +7297,47 @@
           <a:p>
             <a:pPr algn="ctr"/>
             <a:r>
-              <a:rPr lang="en-US" altLang="ko-KR" sz="1100" b="1" dirty="0">
+              <a:rPr lang="en-US" altLang="ko-KR" sz="1400" b="1" dirty="0">
                 <a:solidFill>
                   <a:schemeClr val="tx1"/>
                 </a:solidFill>
               </a:rPr>
-              <a:t>Signature </a:t>
-            </a:r>
+              <a:t>setElements</a:t>
+            </a:r>
+            <a:endParaRPr lang="ko-KR" altLang="en-US" sz="1400" b="1" dirty="0">
+              <a:solidFill>
+                <a:schemeClr val="tx1"/>
+              </a:solidFill>
+            </a:endParaRPr>
           </a:p>
         </p:txBody>
       </p:sp>
       <p:cxnSp>
         <p:nvCxnSpPr>
-          <p:cNvPr id="57" name="직선 화살표 연결선 56">
-            <a:extLst>
-              <a:ext uri="{FF2B5EF4-FFF2-40B4-BE49-F238E27FC236}">
-                <a16:creationId xmlns:a16="http://schemas.microsoft.com/office/drawing/2014/main" id="{4A86740E-F369-17FE-55D6-FB50E8B608CA}"/>
+          <p:cNvPr id="21" name="연결선: 꺾임 20">
+            <a:extLst>
+              <a:ext uri="{FF2B5EF4-FFF2-40B4-BE49-F238E27FC236}">
+                <a16:creationId xmlns:a16="http://schemas.microsoft.com/office/drawing/2014/main" id="{612F714E-FE69-4F6F-FF3F-98525ED7ABC4}"/>
               </a:ext>
             </a:extLst>
           </p:cNvPr>
           <p:cNvCxnSpPr>
             <a:cxnSpLocks/>
+            <a:stCxn id="13" idx="3"/>
+            <a:endCxn id="19" idx="1"/>
           </p:cNvCxnSpPr>
           <p:nvPr/>
         </p:nvCxnSpPr>
         <p:spPr>
           <a:xfrm>
-            <a:off x="1491011" y="3394123"/>
-            <a:ext cx="1433165" cy="0"/>
-          </a:xfrm>
-          <a:prstGeom prst="straightConnector1">
+            <a:off x="6728304" y="3311617"/>
+            <a:ext cx="565210" cy="798281"/>
+          </a:xfrm>
+          <a:prstGeom prst="bentConnector3">
             <a:avLst/>
           </a:prstGeom>
           <a:ln>
-            <a:headEnd type="triangle"/>
-            <a:tailEnd type="none"/>
+            <a:tailEnd type="triangle"/>
           </a:ln>
         </p:spPr>
         <p:style>
@@ -5411,12 +7355,224 @@
           </a:fontRef>
         </p:style>
       </p:cxnSp>
-      <p:sp>
-        <p:nvSpPr>
-          <p:cNvPr id="58" name="TextBox 57">
-            <a:extLst>
-              <a:ext uri="{FF2B5EF4-FFF2-40B4-BE49-F238E27FC236}">
-                <a16:creationId xmlns:a16="http://schemas.microsoft.com/office/drawing/2014/main" id="{DE2D6208-145D-06AC-F85B-6D3F531E437E}"/>
+      <p:cxnSp>
+        <p:nvCxnSpPr>
+          <p:cNvPr id="47" name="연결선: 꺾임 46">
+            <a:extLst>
+              <a:ext uri="{FF2B5EF4-FFF2-40B4-BE49-F238E27FC236}">
+                <a16:creationId xmlns:a16="http://schemas.microsoft.com/office/drawing/2014/main" id="{64B15278-2A99-07C7-16E4-CD99255DCE40}"/>
+              </a:ext>
+            </a:extLst>
+          </p:cNvPr>
+          <p:cNvCxnSpPr>
+            <a:stCxn id="13" idx="3"/>
+            <a:endCxn id="18" idx="1"/>
+          </p:cNvCxnSpPr>
+          <p:nvPr/>
+        </p:nvCxnSpPr>
+        <p:spPr>
+          <a:xfrm flipV="1">
+            <a:off x="6728304" y="3309830"/>
+            <a:ext cx="574548" cy="1787"/>
+          </a:xfrm>
+          <a:prstGeom prst="bentConnector3">
+            <a:avLst/>
+          </a:prstGeom>
+          <a:ln>
+            <a:tailEnd type="triangle"/>
+          </a:ln>
+        </p:spPr>
+        <p:style>
+          <a:lnRef idx="1">
+            <a:schemeClr val="accent1"/>
+          </a:lnRef>
+          <a:fillRef idx="0">
+            <a:schemeClr val="accent1"/>
+          </a:fillRef>
+          <a:effectRef idx="0">
+            <a:schemeClr val="accent1"/>
+          </a:effectRef>
+          <a:fontRef idx="minor">
+            <a:schemeClr val="tx1"/>
+          </a:fontRef>
+        </p:style>
+      </p:cxnSp>
+      <p:sp>
+        <p:nvSpPr>
+          <p:cNvPr id="15" name="직사각형 14">
+            <a:extLst>
+              <a:ext uri="{FF2B5EF4-FFF2-40B4-BE49-F238E27FC236}">
+                <a16:creationId xmlns:a16="http://schemas.microsoft.com/office/drawing/2014/main" id="{8D8F359F-D14E-53EF-D991-28F0DE76A4F2}"/>
+              </a:ext>
+            </a:extLst>
+          </p:cNvPr>
+          <p:cNvSpPr/>
+          <p:nvPr/>
+        </p:nvSpPr>
+        <p:spPr>
+          <a:xfrm>
+            <a:off x="9682147" y="2836336"/>
+            <a:ext cx="1672967" cy="307777"/>
+          </a:xfrm>
+          <a:prstGeom prst="rect">
+            <a:avLst/>
+          </a:prstGeom>
+          <a:solidFill>
+            <a:schemeClr val="accent1">
+              <a:lumMod val="40000"/>
+              <a:lumOff val="60000"/>
+            </a:schemeClr>
+          </a:solidFill>
+        </p:spPr>
+        <p:style>
+          <a:lnRef idx="2">
+            <a:schemeClr val="accent1">
+              <a:shade val="50000"/>
+            </a:schemeClr>
+          </a:lnRef>
+          <a:fillRef idx="1">
+            <a:schemeClr val="accent1"/>
+          </a:fillRef>
+          <a:effectRef idx="0">
+            <a:schemeClr val="accent1"/>
+          </a:effectRef>
+          <a:fontRef idx="minor">
+            <a:schemeClr val="lt1"/>
+          </a:fontRef>
+        </p:style>
+        <p:txBody>
+          <a:bodyPr wrap="square" rtlCol="0" anchor="ctr">
+            <a:spAutoFit/>
+          </a:bodyPr>
+          <a:lstStyle/>
+          <a:p>
+            <a:pPr algn="ctr"/>
+            <a:r>
+              <a:rPr lang="en-US" altLang="ko-KR" sz="1400" b="1" dirty="0">
+                <a:solidFill>
+                  <a:schemeClr val="tx1"/>
+                </a:solidFill>
+              </a:rPr>
+              <a:t>createSignature</a:t>
+            </a:r>
+            <a:endParaRPr lang="ko-KR" altLang="en-US" sz="1400" b="1" dirty="0">
+              <a:solidFill>
+                <a:schemeClr val="tx1"/>
+              </a:solidFill>
+            </a:endParaRPr>
+          </a:p>
+        </p:txBody>
+      </p:sp>
+      <p:cxnSp>
+        <p:nvCxnSpPr>
+          <p:cNvPr id="20" name="연결선: 꺾임 19">
+            <a:extLst>
+              <a:ext uri="{FF2B5EF4-FFF2-40B4-BE49-F238E27FC236}">
+                <a16:creationId xmlns:a16="http://schemas.microsoft.com/office/drawing/2014/main" id="{C7D36BBA-5F7C-FEC0-9CDE-9E0FEE3FE7B8}"/>
+              </a:ext>
+            </a:extLst>
+          </p:cNvPr>
+          <p:cNvCxnSpPr>
+            <a:cxnSpLocks/>
+            <a:stCxn id="18" idx="3"/>
+            <a:endCxn id="79" idx="3"/>
+          </p:cNvCxnSpPr>
+          <p:nvPr/>
+        </p:nvCxnSpPr>
+        <p:spPr>
+          <a:xfrm flipV="1">
+            <a:off x="8958537" y="1770440"/>
+            <a:ext cx="64165" cy="1539390"/>
+          </a:xfrm>
+          <a:prstGeom prst="bentConnector3">
+            <a:avLst>
+              <a:gd name="adj1" fmla="val 456269"/>
+            </a:avLst>
+          </a:prstGeom>
+          <a:ln>
+            <a:tailEnd type="triangle"/>
+          </a:ln>
+        </p:spPr>
+        <p:style>
+          <a:lnRef idx="1">
+            <a:schemeClr val="accent1"/>
+          </a:lnRef>
+          <a:fillRef idx="0">
+            <a:schemeClr val="accent1"/>
+          </a:fillRef>
+          <a:effectRef idx="0">
+            <a:schemeClr val="accent1"/>
+          </a:effectRef>
+          <a:fontRef idx="minor">
+            <a:schemeClr val="tx1"/>
+          </a:fontRef>
+        </p:style>
+      </p:cxnSp>
+      <p:sp>
+        <p:nvSpPr>
+          <p:cNvPr id="31" name="순서도: 판단 30">
+            <a:extLst>
+              <a:ext uri="{FF2B5EF4-FFF2-40B4-BE49-F238E27FC236}">
+                <a16:creationId xmlns:a16="http://schemas.microsoft.com/office/drawing/2014/main" id="{18A3110B-DE9A-B8F3-F84F-57F6B77D1090}"/>
+              </a:ext>
+            </a:extLst>
+          </p:cNvPr>
+          <p:cNvSpPr/>
+          <p:nvPr/>
+        </p:nvSpPr>
+        <p:spPr>
+          <a:xfrm>
+            <a:off x="9657186" y="3568957"/>
+            <a:ext cx="1726163" cy="1115008"/>
+          </a:xfrm>
+          <a:prstGeom prst="flowChartDecision">
+            <a:avLst/>
+          </a:prstGeom>
+          <a:solidFill>
+            <a:schemeClr val="accent1">
+              <a:lumMod val="60000"/>
+              <a:lumOff val="40000"/>
+            </a:schemeClr>
+          </a:solidFill>
+        </p:spPr>
+        <p:style>
+          <a:lnRef idx="2">
+            <a:schemeClr val="accent1">
+              <a:shade val="15000"/>
+            </a:schemeClr>
+          </a:lnRef>
+          <a:fillRef idx="1">
+            <a:schemeClr val="accent1"/>
+          </a:fillRef>
+          <a:effectRef idx="0">
+            <a:schemeClr val="accent1"/>
+          </a:effectRef>
+          <a:fontRef idx="minor">
+            <a:schemeClr val="lt1"/>
+          </a:fontRef>
+        </p:style>
+        <p:txBody>
+          <a:bodyPr rtlCol="0" anchor="ctr"/>
+          <a:lstStyle/>
+          <a:p>
+            <a:pPr algn="ctr"/>
+            <a:r>
+              <a:rPr lang="en-US" altLang="ko-KR" sz="1200" b="1" dirty="0">
+                <a:solidFill>
+                  <a:schemeClr val="tx1"/>
+                </a:solidFill>
+              </a:rPr>
+              <a:t>Compare (Hash)</a:t>
+            </a:r>
+          </a:p>
+        </p:txBody>
+      </p:sp>
+      <p:sp>
+        <p:nvSpPr>
+          <p:cNvPr id="36" name="TextBox 35">
+            <a:extLst>
+              <a:ext uri="{FF2B5EF4-FFF2-40B4-BE49-F238E27FC236}">
+                <a16:creationId xmlns:a16="http://schemas.microsoft.com/office/drawing/2014/main" id="{4441F66D-7832-88FA-1AB4-1DD2CE2149AC}"/>
               </a:ext>
             </a:extLst>
           </p:cNvPr>
@@ -5425,8 +7581,8 @@
         </p:nvSpPr>
         <p:spPr>
           <a:xfrm>
-            <a:off x="1498859" y="3420643"/>
-            <a:ext cx="1480011" cy="430887"/>
+            <a:off x="6711494" y="5935160"/>
+            <a:ext cx="2174851" cy="430887"/>
           </a:xfrm>
           <a:prstGeom prst="rect">
             <a:avLst/>
@@ -5475,10 +7631,208 @@
       </p:sp>
       <p:sp>
         <p:nvSpPr>
-          <p:cNvPr id="59" name="직사각형 58">
-            <a:extLst>
-              <a:ext uri="{FF2B5EF4-FFF2-40B4-BE49-F238E27FC236}">
-                <a16:creationId xmlns:a16="http://schemas.microsoft.com/office/drawing/2014/main" id="{AE293497-1625-7D4C-BE5D-A8703A732DBA}"/>
+          <p:cNvPr id="38" name="TextBox 37">
+            <a:extLst>
+              <a:ext uri="{FF2B5EF4-FFF2-40B4-BE49-F238E27FC236}">
+                <a16:creationId xmlns:a16="http://schemas.microsoft.com/office/drawing/2014/main" id="{47B3EAF2-DD3E-3443-A69A-08C1D22DAF80}"/>
+              </a:ext>
+            </a:extLst>
+          </p:cNvPr>
+          <p:cNvSpPr txBox="1"/>
+          <p:nvPr/>
+        </p:nvSpPr>
+        <p:spPr>
+          <a:xfrm>
+            <a:off x="537740" y="3493654"/>
+            <a:ext cx="2174851" cy="430887"/>
+          </a:xfrm>
+          <a:prstGeom prst="rect">
+            <a:avLst/>
+          </a:prstGeom>
+          <a:noFill/>
+        </p:spPr>
+        <p:txBody>
+          <a:bodyPr wrap="square" rtlCol="0">
+            <a:spAutoFit/>
+          </a:bodyPr>
+          <a:lstStyle/>
+          <a:p>
+            <a:pPr algn="ctr"/>
+            <a:r>
+              <a:rPr lang="en-US" altLang="ko-KR" sz="1100" b="1" dirty="0">
+                <a:solidFill>
+                  <a:schemeClr val="accent5">
+                    <a:lumMod val="75000"/>
+                  </a:schemeClr>
+                </a:solidFill>
+              </a:rPr>
+              <a:t>Response</a:t>
+            </a:r>
+          </a:p>
+          <a:p>
+            <a:pPr algn="ctr"/>
+            <a:r>
+              <a:rPr lang="en-US" altLang="ko-KR" sz="1100" b="1" dirty="0">
+                <a:solidFill>
+                  <a:schemeClr val="accent5">
+                    <a:lumMod val="75000"/>
+                  </a:schemeClr>
+                </a:solidFill>
+              </a:rPr>
+              <a:t>(Verify Result)</a:t>
+            </a:r>
+            <a:endParaRPr lang="ko-KR" altLang="en-US" sz="1100" b="1" dirty="0">
+              <a:solidFill>
+                <a:schemeClr val="accent5">
+                  <a:lumMod val="75000"/>
+                </a:schemeClr>
+              </a:solidFill>
+            </a:endParaRPr>
+          </a:p>
+        </p:txBody>
+      </p:sp>
+      <p:cxnSp>
+        <p:nvCxnSpPr>
+          <p:cNvPr id="60" name="직선 화살표 연결선 59">
+            <a:extLst>
+              <a:ext uri="{FF2B5EF4-FFF2-40B4-BE49-F238E27FC236}">
+                <a16:creationId xmlns:a16="http://schemas.microsoft.com/office/drawing/2014/main" id="{1B2B2F94-BE01-746B-5518-B24A346E1870}"/>
+              </a:ext>
+            </a:extLst>
+          </p:cNvPr>
+          <p:cNvCxnSpPr>
+            <a:cxnSpLocks/>
+            <a:stCxn id="15" idx="2"/>
+            <a:endCxn id="31" idx="0"/>
+          </p:cNvCxnSpPr>
+          <p:nvPr/>
+        </p:nvCxnSpPr>
+        <p:spPr>
+          <a:xfrm>
+            <a:off x="10518631" y="3144113"/>
+            <a:ext cx="1637" cy="424844"/>
+          </a:xfrm>
+          <a:prstGeom prst="straightConnector1">
+            <a:avLst/>
+          </a:prstGeom>
+          <a:ln>
+            <a:tailEnd type="triangle"/>
+          </a:ln>
+        </p:spPr>
+        <p:style>
+          <a:lnRef idx="1">
+            <a:schemeClr val="accent1"/>
+          </a:lnRef>
+          <a:fillRef idx="0">
+            <a:schemeClr val="accent1"/>
+          </a:fillRef>
+          <a:effectRef idx="0">
+            <a:schemeClr val="accent1"/>
+          </a:effectRef>
+          <a:fontRef idx="minor">
+            <a:schemeClr val="tx1"/>
+          </a:fontRef>
+        </p:style>
+      </p:cxnSp>
+      <p:sp>
+        <p:nvSpPr>
+          <p:cNvPr id="72" name="TextBox 71">
+            <a:extLst>
+              <a:ext uri="{FF2B5EF4-FFF2-40B4-BE49-F238E27FC236}">
+                <a16:creationId xmlns:a16="http://schemas.microsoft.com/office/drawing/2014/main" id="{C214BA01-1C0D-9A45-3911-13B009D1EC2A}"/>
+              </a:ext>
+            </a:extLst>
+          </p:cNvPr>
+          <p:cNvSpPr txBox="1"/>
+          <p:nvPr/>
+        </p:nvSpPr>
+        <p:spPr>
+          <a:xfrm>
+            <a:off x="3799510" y="3030195"/>
+            <a:ext cx="1534666" cy="261610"/>
+          </a:xfrm>
+          <a:prstGeom prst="rect">
+            <a:avLst/>
+          </a:prstGeom>
+          <a:noFill/>
+        </p:spPr>
+        <p:txBody>
+          <a:bodyPr wrap="square" rtlCol="0">
+            <a:spAutoFit/>
+          </a:bodyPr>
+          <a:lstStyle/>
+          <a:p>
+            <a:pPr algn="ctr"/>
+            <a:r>
+              <a:rPr lang="en-US" altLang="ko-KR" sz="1100" b="1" dirty="0">
+                <a:solidFill>
+                  <a:schemeClr val="accent5">
+                    <a:lumMod val="75000"/>
+                  </a:schemeClr>
+                </a:solidFill>
+              </a:rPr>
+              <a:t>2. JsonObject</a:t>
+            </a:r>
+            <a:endParaRPr lang="ko-KR" altLang="en-US" sz="1100" b="1" dirty="0">
+              <a:solidFill>
+                <a:schemeClr val="accent5">
+                  <a:lumMod val="75000"/>
+                </a:schemeClr>
+              </a:solidFill>
+            </a:endParaRPr>
+          </a:p>
+        </p:txBody>
+      </p:sp>
+      <p:cxnSp>
+        <p:nvCxnSpPr>
+          <p:cNvPr id="83" name="연결선: 꺾임 82">
+            <a:extLst>
+              <a:ext uri="{FF2B5EF4-FFF2-40B4-BE49-F238E27FC236}">
+                <a16:creationId xmlns:a16="http://schemas.microsoft.com/office/drawing/2014/main" id="{C0DC5A8C-CFBB-E149-016A-DEA46283E030}"/>
+              </a:ext>
+            </a:extLst>
+          </p:cNvPr>
+          <p:cNvCxnSpPr>
+            <a:cxnSpLocks/>
+            <a:endCxn id="15" idx="1"/>
+          </p:cNvCxnSpPr>
+          <p:nvPr/>
+        </p:nvCxnSpPr>
+        <p:spPr>
+          <a:xfrm>
+            <a:off x="8528180" y="2248678"/>
+            <a:ext cx="1153967" cy="741547"/>
+          </a:xfrm>
+          <a:prstGeom prst="bentConnector3">
+            <a:avLst>
+              <a:gd name="adj1" fmla="val -940"/>
+            </a:avLst>
+          </a:prstGeom>
+          <a:ln>
+            <a:tailEnd type="triangle"/>
+          </a:ln>
+        </p:spPr>
+        <p:style>
+          <a:lnRef idx="1">
+            <a:schemeClr val="accent1"/>
+          </a:lnRef>
+          <a:fillRef idx="0">
+            <a:schemeClr val="accent1"/>
+          </a:fillRef>
+          <a:effectRef idx="0">
+            <a:schemeClr val="accent1"/>
+          </a:effectRef>
+          <a:fontRef idx="minor">
+            <a:schemeClr val="tx1"/>
+          </a:fontRef>
+        </p:style>
+      </p:cxnSp>
+      <p:sp>
+        <p:nvSpPr>
+          <p:cNvPr id="17" name="직사각형 16">
+            <a:extLst>
+              <a:ext uri="{FF2B5EF4-FFF2-40B4-BE49-F238E27FC236}">
+                <a16:creationId xmlns:a16="http://schemas.microsoft.com/office/drawing/2014/main" id="{92A045C7-4F7E-875F-60A1-A6F144BEDB15}"/>
               </a:ext>
             </a:extLst>
           </p:cNvPr>
@@ -5487,8 +7841,8 @@
         </p:nvSpPr>
         <p:spPr>
           <a:xfrm>
-            <a:off x="7197653" y="4001953"/>
-            <a:ext cx="1423157" cy="430887"/>
+            <a:off x="7301093" y="2579723"/>
+            <a:ext cx="1657256" cy="307777"/>
           </a:xfrm>
           <a:prstGeom prst="rect">
             <a:avLst/>
@@ -5524,25 +7878,2770 @@
           <a:p>
             <a:pPr algn="ctr"/>
             <a:r>
-              <a:rPr lang="en-US" altLang="ko-KR" sz="1100" b="1" dirty="0">
+              <a:rPr lang="en-US" altLang="ko-KR" sz="1400" b="1" dirty="0">
                 <a:solidFill>
                   <a:schemeClr val="tx1"/>
                 </a:solidFill>
               </a:rPr>
-              <a:t>String Comparison</a:t>
+              <a:t>createHeader</a:t>
+            </a:r>
+            <a:endParaRPr lang="ko-KR" altLang="en-US" sz="1400" b="1" dirty="0">
+              <a:solidFill>
+                <a:schemeClr val="tx1"/>
+              </a:solidFill>
+            </a:endParaRPr>
+          </a:p>
+        </p:txBody>
+      </p:sp>
+      <p:sp>
+        <p:nvSpPr>
+          <p:cNvPr id="87" name="TextBox 86">
+            <a:extLst>
+              <a:ext uri="{FF2B5EF4-FFF2-40B4-BE49-F238E27FC236}">
+                <a16:creationId xmlns:a16="http://schemas.microsoft.com/office/drawing/2014/main" id="{27C21C40-3945-9772-83D9-BDD4E0957263}"/>
+              </a:ext>
+            </a:extLst>
+          </p:cNvPr>
+          <p:cNvSpPr txBox="1"/>
+          <p:nvPr/>
+        </p:nvSpPr>
+        <p:spPr>
+          <a:xfrm>
+            <a:off x="9283958" y="2418184"/>
+            <a:ext cx="1184990" cy="430887"/>
+          </a:xfrm>
+          <a:prstGeom prst="rect">
+            <a:avLst/>
+          </a:prstGeom>
+          <a:noFill/>
+        </p:spPr>
+        <p:txBody>
+          <a:bodyPr wrap="square">
+            <a:spAutoFit/>
+          </a:bodyPr>
+          <a:lstStyle/>
+          <a:p>
+            <a:r>
+              <a:rPr lang="en-US" altLang="ko-KR" sz="1100" b="1" dirty="0">
+                <a:solidFill>
+                  <a:schemeClr val="accent1"/>
+                </a:solidFill>
+              </a:rPr>
+              <a:t>5. Hashing</a:t>
+            </a:r>
+          </a:p>
+          <a:p>
+            <a:r>
+              <a:rPr lang="en-US" altLang="ko-KR" sz="1100" b="1" dirty="0">
+                <a:solidFill>
+                  <a:schemeClr val="accent1"/>
+                </a:solidFill>
+              </a:rPr>
+              <a:t>(Using header)</a:t>
+            </a:r>
+            <a:endParaRPr lang="ko-KR" altLang="en-US" sz="1100" dirty="0">
+              <a:solidFill>
+                <a:schemeClr val="accent1"/>
+              </a:solidFill>
+            </a:endParaRPr>
+          </a:p>
+        </p:txBody>
+      </p:sp>
+      <p:sp>
+        <p:nvSpPr>
+          <p:cNvPr id="88" name="직사각형 87">
+            <a:extLst>
+              <a:ext uri="{FF2B5EF4-FFF2-40B4-BE49-F238E27FC236}">
+                <a16:creationId xmlns:a16="http://schemas.microsoft.com/office/drawing/2014/main" id="{8102870B-E868-F2DC-942C-F5E1063FC816}"/>
+              </a:ext>
+            </a:extLst>
+          </p:cNvPr>
+          <p:cNvSpPr/>
+          <p:nvPr/>
+        </p:nvSpPr>
+        <p:spPr>
+          <a:xfrm>
+            <a:off x="7063279" y="4879455"/>
+            <a:ext cx="2127379" cy="954107"/>
+          </a:xfrm>
+          <a:prstGeom prst="rect">
+            <a:avLst/>
+          </a:prstGeom>
+          <a:solidFill>
+            <a:schemeClr val="accent1">
+              <a:lumMod val="20000"/>
+              <a:lumOff val="80000"/>
+            </a:schemeClr>
+          </a:solidFill>
+          <a:ln>
+            <a:prstDash val="dash"/>
+          </a:ln>
+        </p:spPr>
+        <p:style>
+          <a:lnRef idx="2">
+            <a:schemeClr val="accent1">
+              <a:shade val="50000"/>
+            </a:schemeClr>
+          </a:lnRef>
+          <a:fillRef idx="1">
+            <a:schemeClr val="accent1"/>
+          </a:fillRef>
+          <a:effectRef idx="0">
+            <a:schemeClr val="accent1"/>
+          </a:effectRef>
+          <a:fontRef idx="minor">
+            <a:schemeClr val="lt1"/>
+          </a:fontRef>
+        </p:style>
+        <p:txBody>
+          <a:bodyPr wrap="square" rtlCol="0" anchor="ctr">
+            <a:spAutoFit/>
+          </a:bodyPr>
+          <a:lstStyle/>
+          <a:p>
+            <a:r>
+              <a:rPr lang="en-US" altLang="ko-KR" sz="1400" b="1" dirty="0">
+                <a:solidFill>
+                  <a:schemeClr val="tx1"/>
+                </a:solidFill>
+              </a:rPr>
+              <a:t>File DB</a:t>
+            </a:r>
+          </a:p>
+          <a:p>
+            <a:pPr algn="ctr"/>
+            <a:endParaRPr lang="en-US" altLang="ko-KR" sz="1400" b="1" dirty="0">
+              <a:solidFill>
+                <a:schemeClr val="tx1"/>
+              </a:solidFill>
+            </a:endParaRPr>
+          </a:p>
+          <a:p>
+            <a:pPr algn="ctr"/>
+            <a:endParaRPr lang="en-US" altLang="ko-KR" sz="1400" b="1" dirty="0">
+              <a:solidFill>
+                <a:schemeClr val="tx1"/>
+              </a:solidFill>
+            </a:endParaRPr>
+          </a:p>
+          <a:p>
+            <a:pPr algn="ctr"/>
+            <a:endParaRPr lang="ko-KR" altLang="en-US" sz="1400" b="1" dirty="0">
+              <a:solidFill>
+                <a:schemeClr val="tx1"/>
+              </a:solidFill>
+            </a:endParaRPr>
+          </a:p>
+        </p:txBody>
+      </p:sp>
+      <p:sp>
+        <p:nvSpPr>
+          <p:cNvPr id="89" name="직사각형 88">
+            <a:extLst>
+              <a:ext uri="{FF2B5EF4-FFF2-40B4-BE49-F238E27FC236}">
+                <a16:creationId xmlns:a16="http://schemas.microsoft.com/office/drawing/2014/main" id="{F9C154CE-A2AA-D850-1B6C-930462435C38}"/>
+              </a:ext>
+            </a:extLst>
+          </p:cNvPr>
+          <p:cNvSpPr/>
+          <p:nvPr/>
+        </p:nvSpPr>
+        <p:spPr>
+          <a:xfrm>
+            <a:off x="7249205" y="5288866"/>
+            <a:ext cx="1773497" cy="307777"/>
+          </a:xfrm>
+          <a:prstGeom prst="rect">
+            <a:avLst/>
+          </a:prstGeom>
+          <a:solidFill>
+            <a:schemeClr val="accent1">
+              <a:lumMod val="40000"/>
+              <a:lumOff val="60000"/>
+            </a:schemeClr>
+          </a:solidFill>
+        </p:spPr>
+        <p:style>
+          <a:lnRef idx="2">
+            <a:schemeClr val="accent1">
+              <a:shade val="50000"/>
+            </a:schemeClr>
+          </a:lnRef>
+          <a:fillRef idx="1">
+            <a:schemeClr val="accent1"/>
+          </a:fillRef>
+          <a:effectRef idx="0">
+            <a:schemeClr val="accent1"/>
+          </a:effectRef>
+          <a:fontRef idx="minor">
+            <a:schemeClr val="lt1"/>
+          </a:fontRef>
+        </p:style>
+        <p:txBody>
+          <a:bodyPr wrap="square" rtlCol="0" anchor="ctr">
+            <a:spAutoFit/>
+          </a:bodyPr>
+          <a:lstStyle/>
+          <a:p>
+            <a:pPr algn="ctr"/>
+            <a:r>
+              <a:rPr lang="en-US" altLang="ko-KR" sz="1400" b="1" dirty="0">
+                <a:solidFill>
+                  <a:schemeClr val="tx1"/>
+                </a:solidFill>
+              </a:rPr>
+              <a:t>setPublicKey</a:t>
+            </a:r>
+            <a:endParaRPr lang="ko-KR" altLang="en-US" sz="1400" b="1" dirty="0">
+              <a:solidFill>
+                <a:schemeClr val="tx1"/>
+              </a:solidFill>
+            </a:endParaRPr>
+          </a:p>
+        </p:txBody>
+      </p:sp>
+      <p:cxnSp>
+        <p:nvCxnSpPr>
+          <p:cNvPr id="98" name="연결선: 꺾임 97">
+            <a:extLst>
+              <a:ext uri="{FF2B5EF4-FFF2-40B4-BE49-F238E27FC236}">
+                <a16:creationId xmlns:a16="http://schemas.microsoft.com/office/drawing/2014/main" id="{CC539243-61B8-04A8-40CA-4A87030215D8}"/>
+              </a:ext>
+            </a:extLst>
+          </p:cNvPr>
+          <p:cNvCxnSpPr>
+            <a:cxnSpLocks/>
+            <a:endCxn id="31" idx="1"/>
+          </p:cNvCxnSpPr>
+          <p:nvPr/>
+        </p:nvCxnSpPr>
+        <p:spPr>
+          <a:xfrm flipV="1">
+            <a:off x="8378890" y="4126461"/>
+            <a:ext cx="1278296" cy="744119"/>
+          </a:xfrm>
+          <a:prstGeom prst="bentConnector3">
+            <a:avLst>
+              <a:gd name="adj1" fmla="val 2555"/>
+            </a:avLst>
+          </a:prstGeom>
+          <a:ln>
+            <a:tailEnd type="triangle"/>
+          </a:ln>
+        </p:spPr>
+        <p:style>
+          <a:lnRef idx="1">
+            <a:schemeClr val="accent1"/>
+          </a:lnRef>
+          <a:fillRef idx="0">
+            <a:schemeClr val="accent1"/>
+          </a:fillRef>
+          <a:effectRef idx="0">
+            <a:schemeClr val="accent1"/>
+          </a:effectRef>
+          <a:fontRef idx="minor">
+            <a:schemeClr val="tx1"/>
+          </a:fontRef>
+        </p:style>
+      </p:cxnSp>
+      <p:cxnSp>
+        <p:nvCxnSpPr>
+          <p:cNvPr id="101" name="직선 화살표 연결선 100">
+            <a:extLst>
+              <a:ext uri="{FF2B5EF4-FFF2-40B4-BE49-F238E27FC236}">
+                <a16:creationId xmlns:a16="http://schemas.microsoft.com/office/drawing/2014/main" id="{F6A504DB-1FC3-6FA1-13ED-5AB85ED3B35F}"/>
+              </a:ext>
+            </a:extLst>
+          </p:cNvPr>
+          <p:cNvCxnSpPr>
+            <a:cxnSpLocks/>
+            <a:stCxn id="19" idx="2"/>
+            <a:endCxn id="88" idx="0"/>
+          </p:cNvCxnSpPr>
+          <p:nvPr/>
+        </p:nvCxnSpPr>
+        <p:spPr>
+          <a:xfrm flipH="1">
+            <a:off x="8126969" y="4263786"/>
+            <a:ext cx="3029" cy="615669"/>
+          </a:xfrm>
+          <a:prstGeom prst="straightConnector1">
+            <a:avLst/>
+          </a:prstGeom>
+          <a:ln>
+            <a:tailEnd type="triangle"/>
+          </a:ln>
+        </p:spPr>
+        <p:style>
+          <a:lnRef idx="1">
+            <a:schemeClr val="accent1"/>
+          </a:lnRef>
+          <a:fillRef idx="0">
+            <a:schemeClr val="accent1"/>
+          </a:fillRef>
+          <a:effectRef idx="0">
+            <a:schemeClr val="accent1"/>
+          </a:effectRef>
+          <a:fontRef idx="minor">
+            <a:schemeClr val="tx1"/>
+          </a:fontRef>
+        </p:style>
+      </p:cxnSp>
+      <p:sp>
+        <p:nvSpPr>
+          <p:cNvPr id="19" name="직사각형 18">
+            <a:extLst>
+              <a:ext uri="{FF2B5EF4-FFF2-40B4-BE49-F238E27FC236}">
+                <a16:creationId xmlns:a16="http://schemas.microsoft.com/office/drawing/2014/main" id="{91222AB1-E551-21F5-6EBC-EEE5D4544A97}"/>
+              </a:ext>
+            </a:extLst>
+          </p:cNvPr>
+          <p:cNvSpPr/>
+          <p:nvPr/>
+        </p:nvSpPr>
+        <p:spPr>
+          <a:xfrm>
+            <a:off x="7293514" y="3956009"/>
+            <a:ext cx="1672967" cy="307777"/>
+          </a:xfrm>
+          <a:prstGeom prst="rect">
+            <a:avLst/>
+          </a:prstGeom>
+          <a:solidFill>
+            <a:schemeClr val="accent1">
+              <a:lumMod val="40000"/>
+              <a:lumOff val="60000"/>
+            </a:schemeClr>
+          </a:solidFill>
+        </p:spPr>
+        <p:style>
+          <a:lnRef idx="2">
+            <a:schemeClr val="accent1">
+              <a:shade val="50000"/>
+            </a:schemeClr>
+          </a:lnRef>
+          <a:fillRef idx="1">
+            <a:schemeClr val="accent1"/>
+          </a:fillRef>
+          <a:effectRef idx="0">
+            <a:schemeClr val="accent1"/>
+          </a:effectRef>
+          <a:fontRef idx="minor">
+            <a:schemeClr val="lt1"/>
+          </a:fontRef>
+        </p:style>
+        <p:txBody>
+          <a:bodyPr wrap="square" rtlCol="0" anchor="ctr">
+            <a:spAutoFit/>
+          </a:bodyPr>
+          <a:lstStyle/>
+          <a:p>
+            <a:pPr algn="ctr"/>
+            <a:r>
+              <a:rPr lang="en-US" altLang="ko-KR" sz="1400" b="1" dirty="0">
+                <a:solidFill>
+                  <a:schemeClr val="tx1"/>
+                </a:solidFill>
+              </a:rPr>
+              <a:t>setSignature</a:t>
+            </a:r>
+            <a:endParaRPr lang="ko-KR" altLang="en-US" sz="1400" b="1" dirty="0">
+              <a:solidFill>
+                <a:schemeClr val="tx1"/>
+              </a:solidFill>
+            </a:endParaRPr>
+          </a:p>
+        </p:txBody>
+      </p:sp>
+      <p:sp>
+        <p:nvSpPr>
+          <p:cNvPr id="106" name="TextBox 105">
+            <a:extLst>
+              <a:ext uri="{FF2B5EF4-FFF2-40B4-BE49-F238E27FC236}">
+                <a16:creationId xmlns:a16="http://schemas.microsoft.com/office/drawing/2014/main" id="{11A7F729-63BE-EF66-4CEE-828C1D8F16EA}"/>
+              </a:ext>
+            </a:extLst>
+          </p:cNvPr>
+          <p:cNvSpPr txBox="1"/>
+          <p:nvPr/>
+        </p:nvSpPr>
+        <p:spPr>
+          <a:xfrm>
+            <a:off x="8426736" y="4302374"/>
+            <a:ext cx="1451269" cy="430887"/>
+          </a:xfrm>
+          <a:prstGeom prst="rect">
+            <a:avLst/>
+          </a:prstGeom>
+          <a:noFill/>
+        </p:spPr>
+        <p:txBody>
+          <a:bodyPr wrap="square" rtlCol="0">
+            <a:spAutoFit/>
+          </a:bodyPr>
+          <a:lstStyle/>
+          <a:p>
+            <a:r>
+              <a:rPr lang="en-US" altLang="ko-KR" sz="1100" b="1" dirty="0">
+                <a:solidFill>
+                  <a:schemeClr val="accent5">
+                    <a:lumMod val="75000"/>
+                  </a:schemeClr>
+                </a:solidFill>
+              </a:rPr>
+              <a:t>6. RSA-decrypt</a:t>
+            </a:r>
+          </a:p>
+          <a:p>
+            <a:r>
+              <a:rPr lang="en-US" altLang="ko-KR" sz="1100" b="1" dirty="0">
+                <a:solidFill>
+                  <a:schemeClr val="accent5">
+                    <a:lumMod val="75000"/>
+                  </a:schemeClr>
+                </a:solidFill>
+              </a:rPr>
+              <a:t>(Using publicKey)</a:t>
             </a:r>
             <a:endParaRPr lang="ko-KR" altLang="en-US" sz="1100" b="1" dirty="0">
               <a:solidFill>
-                <a:schemeClr val="tx1"/>
-              </a:solidFill>
-            </a:endParaRPr>
+                <a:schemeClr val="accent5">
+                  <a:lumMod val="75000"/>
+                </a:schemeClr>
+              </a:solidFill>
+            </a:endParaRPr>
+          </a:p>
+        </p:txBody>
+      </p:sp>
+      <p:sp>
+        <p:nvSpPr>
+          <p:cNvPr id="113" name="TextBox 112">
+            <a:extLst>
+              <a:ext uri="{FF2B5EF4-FFF2-40B4-BE49-F238E27FC236}">
+                <a16:creationId xmlns:a16="http://schemas.microsoft.com/office/drawing/2014/main" id="{015DD51A-4185-BD3E-ED0A-D0EB00EFFCD7}"/>
+              </a:ext>
+            </a:extLst>
+          </p:cNvPr>
+          <p:cNvSpPr txBox="1"/>
+          <p:nvPr/>
+        </p:nvSpPr>
+        <p:spPr>
+          <a:xfrm>
+            <a:off x="6690050" y="3042642"/>
+            <a:ext cx="634482" cy="261610"/>
+          </a:xfrm>
+          <a:prstGeom prst="rect">
+            <a:avLst/>
+          </a:prstGeom>
+          <a:noFill/>
+        </p:spPr>
+        <p:txBody>
+          <a:bodyPr wrap="square" rtlCol="0">
+            <a:spAutoFit/>
+          </a:bodyPr>
+          <a:lstStyle/>
+          <a:p>
+            <a:pPr algn="ctr"/>
+            <a:r>
+              <a:rPr lang="en-US" altLang="ko-KR" sz="1100" b="1" dirty="0">
+                <a:solidFill>
+                  <a:schemeClr val="accent5">
+                    <a:lumMod val="75000"/>
+                  </a:schemeClr>
+                </a:solidFill>
+              </a:rPr>
+              <a:t>3. call</a:t>
+            </a:r>
+            <a:endParaRPr lang="ko-KR" altLang="en-US" sz="1100" b="1" dirty="0">
+              <a:solidFill>
+                <a:schemeClr val="accent5">
+                  <a:lumMod val="75000"/>
+                </a:schemeClr>
+              </a:solidFill>
+            </a:endParaRPr>
+          </a:p>
+        </p:txBody>
+      </p:sp>
+      <p:sp>
+        <p:nvSpPr>
+          <p:cNvPr id="114" name="TextBox 113">
+            <a:extLst>
+              <a:ext uri="{FF2B5EF4-FFF2-40B4-BE49-F238E27FC236}">
+                <a16:creationId xmlns:a16="http://schemas.microsoft.com/office/drawing/2014/main" id="{595737EB-25D6-D10E-0B8F-15236FDC5CE6}"/>
+              </a:ext>
+            </a:extLst>
+          </p:cNvPr>
+          <p:cNvSpPr txBox="1"/>
+          <p:nvPr/>
+        </p:nvSpPr>
+        <p:spPr>
+          <a:xfrm>
+            <a:off x="6973079" y="3614919"/>
+            <a:ext cx="634482" cy="261610"/>
+          </a:xfrm>
+          <a:prstGeom prst="rect">
+            <a:avLst/>
+          </a:prstGeom>
+          <a:noFill/>
+        </p:spPr>
+        <p:txBody>
+          <a:bodyPr wrap="square" rtlCol="0">
+            <a:spAutoFit/>
+          </a:bodyPr>
+          <a:lstStyle/>
+          <a:p>
+            <a:pPr algn="ctr"/>
+            <a:r>
+              <a:rPr lang="en-US" altLang="ko-KR" sz="1100" b="1" dirty="0">
+                <a:solidFill>
+                  <a:schemeClr val="accent5">
+                    <a:lumMod val="75000"/>
+                  </a:schemeClr>
+                </a:solidFill>
+              </a:rPr>
+              <a:t>4. call</a:t>
+            </a:r>
+            <a:endParaRPr lang="ko-KR" altLang="en-US" sz="1100" b="1" dirty="0">
+              <a:solidFill>
+                <a:schemeClr val="accent5">
+                  <a:lumMod val="75000"/>
+                </a:schemeClr>
+              </a:solidFill>
+            </a:endParaRPr>
+          </a:p>
+        </p:txBody>
+      </p:sp>
+      <p:cxnSp>
+        <p:nvCxnSpPr>
+          <p:cNvPr id="115" name="직선 화살표 연결선 114">
+            <a:extLst>
+              <a:ext uri="{FF2B5EF4-FFF2-40B4-BE49-F238E27FC236}">
+                <a16:creationId xmlns:a16="http://schemas.microsoft.com/office/drawing/2014/main" id="{10B0CAF0-65BD-756C-9F3D-B585F4EA493F}"/>
+              </a:ext>
+            </a:extLst>
+          </p:cNvPr>
+          <p:cNvCxnSpPr>
+            <a:cxnSpLocks/>
+          </p:cNvCxnSpPr>
+          <p:nvPr/>
+        </p:nvCxnSpPr>
+        <p:spPr>
+          <a:xfrm>
+            <a:off x="7980574" y="2015412"/>
+            <a:ext cx="0" cy="550506"/>
+          </a:xfrm>
+          <a:prstGeom prst="straightConnector1">
+            <a:avLst/>
+          </a:prstGeom>
+          <a:ln>
+            <a:tailEnd type="triangle"/>
+          </a:ln>
+        </p:spPr>
+        <p:style>
+          <a:lnRef idx="1">
+            <a:schemeClr val="accent1"/>
+          </a:lnRef>
+          <a:fillRef idx="0">
+            <a:schemeClr val="accent1"/>
+          </a:fillRef>
+          <a:effectRef idx="0">
+            <a:schemeClr val="accent1"/>
+          </a:effectRef>
+          <a:fontRef idx="minor">
+            <a:schemeClr val="tx1"/>
+          </a:fontRef>
+        </p:style>
+      </p:cxnSp>
+      <p:sp>
+        <p:nvSpPr>
+          <p:cNvPr id="125" name="제목 1">
+            <a:extLst>
+              <a:ext uri="{FF2B5EF4-FFF2-40B4-BE49-F238E27FC236}">
+                <a16:creationId xmlns:a16="http://schemas.microsoft.com/office/drawing/2014/main" id="{9AB7725F-D4EC-F89F-4F09-D4AD10529E5D}"/>
+              </a:ext>
+            </a:extLst>
+          </p:cNvPr>
+          <p:cNvSpPr txBox="1">
+            <a:spLocks/>
+          </p:cNvSpPr>
+          <p:nvPr/>
+        </p:nvSpPr>
+        <p:spPr>
+          <a:xfrm>
+            <a:off x="373930" y="566243"/>
+            <a:ext cx="4603423" cy="480131"/>
+          </a:xfrm>
+          <a:prstGeom prst="rect">
+            <a:avLst/>
+          </a:prstGeom>
+        </p:spPr>
+        <p:txBody>
+          <a:bodyPr vert="horz" lIns="91440" tIns="45720" rIns="91440" bIns="45720" rtlCol="0" anchor="b">
+            <a:spAutoFit/>
+          </a:bodyPr>
+          <a:lstStyle>
+            <a:lvl1pPr algn="ctr" defTabSz="914400" rtl="0" eaLnBrk="1" latinLnBrk="1" hangingPunct="1">
+              <a:lnSpc>
+                <a:spcPct val="90000"/>
+              </a:lnSpc>
+              <a:spcBef>
+                <a:spcPct val="0"/>
+              </a:spcBef>
+              <a:buNone/>
+              <a:defRPr sz="6000" kern="1200">
+                <a:solidFill>
+                  <a:schemeClr val="tx1"/>
+                </a:solidFill>
+                <a:latin typeface="+mj-lt"/>
+                <a:ea typeface="+mj-ea"/>
+                <a:cs typeface="+mj-cs"/>
+              </a:defRPr>
+            </a:lvl1pPr>
+          </a:lstStyle>
+          <a:p>
+            <a:pPr algn="l"/>
+            <a:r>
+              <a:rPr lang="en-US" altLang="ko-KR" sz="2800" b="1" dirty="0"/>
+              <a:t>Json Web Token, JWT</a:t>
+            </a:r>
+            <a:endParaRPr lang="ko-KR" altLang="en-US" sz="2800" b="1" dirty="0"/>
+          </a:p>
+        </p:txBody>
+      </p:sp>
+      <p:sp>
+        <p:nvSpPr>
+          <p:cNvPr id="126" name="TextBox 125">
+            <a:extLst>
+              <a:ext uri="{FF2B5EF4-FFF2-40B4-BE49-F238E27FC236}">
+                <a16:creationId xmlns:a16="http://schemas.microsoft.com/office/drawing/2014/main" id="{40A16C12-935A-266F-935E-56E7AC5A5DD8}"/>
+              </a:ext>
+            </a:extLst>
+          </p:cNvPr>
+          <p:cNvSpPr txBox="1"/>
+          <p:nvPr/>
+        </p:nvSpPr>
+        <p:spPr>
+          <a:xfrm>
+            <a:off x="382555" y="1212980"/>
+            <a:ext cx="2827176" cy="369332"/>
+          </a:xfrm>
+          <a:prstGeom prst="rect">
+            <a:avLst/>
+          </a:prstGeom>
+          <a:noFill/>
+        </p:spPr>
+        <p:txBody>
+          <a:bodyPr wrap="square" rtlCol="0">
+            <a:spAutoFit/>
+          </a:bodyPr>
+          <a:lstStyle/>
+          <a:p>
+            <a:r>
+              <a:rPr lang="en-US" altLang="ko-KR" dirty="0"/>
+              <a:t>2. </a:t>
+            </a:r>
+            <a:r>
+              <a:rPr lang="ko-KR" altLang="en-US" dirty="0"/>
+              <a:t>토큰 검증</a:t>
+            </a:r>
+          </a:p>
+        </p:txBody>
+      </p:sp>
+      <p:sp>
+        <p:nvSpPr>
+          <p:cNvPr id="127" name="날짜 개체 틀 126">
+            <a:extLst>
+              <a:ext uri="{FF2B5EF4-FFF2-40B4-BE49-F238E27FC236}">
+                <a16:creationId xmlns:a16="http://schemas.microsoft.com/office/drawing/2014/main" id="{34A27D62-A534-9191-CA9C-DB541F3F9704}"/>
+              </a:ext>
+            </a:extLst>
+          </p:cNvPr>
+          <p:cNvSpPr>
+            <a:spLocks noGrp="1"/>
+          </p:cNvSpPr>
+          <p:nvPr>
+            <p:ph type="dt" sz="half" idx="10"/>
+          </p:nvPr>
+        </p:nvSpPr>
+        <p:spPr/>
+        <p:txBody>
+          <a:bodyPr/>
+          <a:lstStyle/>
+          <a:p>
+            <a:fld id="{1E0A6EA3-B7AC-4808-BC3A-74F21D3C015F}" type="datetime1">
+              <a:rPr lang="ko-KR" altLang="en-US" smtClean="0"/>
+              <a:t>2025-01-16</a:t>
+            </a:fld>
+            <a:endParaRPr lang="ko-KR" altLang="en-US" dirty="0"/>
+          </a:p>
+        </p:txBody>
+      </p:sp>
+      <p:sp>
+        <p:nvSpPr>
+          <p:cNvPr id="128" name="바닥글 개체 틀 127">
+            <a:extLst>
+              <a:ext uri="{FF2B5EF4-FFF2-40B4-BE49-F238E27FC236}">
+                <a16:creationId xmlns:a16="http://schemas.microsoft.com/office/drawing/2014/main" id="{0D8E17CC-D5C5-DF99-1B74-C564BDAA5196}"/>
+              </a:ext>
+            </a:extLst>
+          </p:cNvPr>
+          <p:cNvSpPr>
+            <a:spLocks noGrp="1"/>
+          </p:cNvSpPr>
+          <p:nvPr>
+            <p:ph type="ftr" sz="quarter" idx="11"/>
+          </p:nvPr>
+        </p:nvSpPr>
+        <p:spPr/>
+        <p:txBody>
+          <a:bodyPr/>
+          <a:lstStyle/>
+          <a:p>
+            <a:r>
+              <a:rPr lang="en-US" altLang="ko-KR" dirty="0"/>
+              <a:t>https://github.com/mon99745/TokenReference</a:t>
+            </a:r>
+            <a:endParaRPr lang="ko-KR" altLang="en-US" dirty="0"/>
+          </a:p>
+        </p:txBody>
+      </p:sp>
+      <p:sp>
+        <p:nvSpPr>
+          <p:cNvPr id="129" name="TextBox 128">
+            <a:extLst>
+              <a:ext uri="{FF2B5EF4-FFF2-40B4-BE49-F238E27FC236}">
+                <a16:creationId xmlns:a16="http://schemas.microsoft.com/office/drawing/2014/main" id="{F61C7B73-0187-209E-8996-7B4D015CBB17}"/>
+              </a:ext>
+            </a:extLst>
+          </p:cNvPr>
+          <p:cNvSpPr txBox="1"/>
+          <p:nvPr/>
+        </p:nvSpPr>
+        <p:spPr>
+          <a:xfrm>
+            <a:off x="-55985" y="3490812"/>
+            <a:ext cx="1384468" cy="261610"/>
+          </a:xfrm>
+          <a:prstGeom prst="rect">
+            <a:avLst/>
+          </a:prstGeom>
+          <a:noFill/>
+        </p:spPr>
+        <p:txBody>
+          <a:bodyPr wrap="square" rtlCol="0">
+            <a:spAutoFit/>
+          </a:bodyPr>
+          <a:lstStyle/>
+          <a:p>
+            <a:pPr algn="ctr"/>
+            <a:r>
+              <a:rPr lang="en-US" altLang="ko-KR" sz="1100" b="1" dirty="0">
+                <a:solidFill>
+                  <a:schemeClr val="tx1">
+                    <a:lumMod val="50000"/>
+                    <a:lumOff val="50000"/>
+                  </a:schemeClr>
+                </a:solidFill>
+              </a:rPr>
+              <a:t>user</a:t>
+            </a:r>
           </a:p>
         </p:txBody>
       </p:sp>
     </p:spTree>
     <p:extLst>
       <p:ext uri="{BB962C8B-B14F-4D97-AF65-F5344CB8AC3E}">
-        <p14:creationId xmlns:p14="http://schemas.microsoft.com/office/powerpoint/2010/main" val="3229537404"/>
+        <p14:creationId xmlns:p14="http://schemas.microsoft.com/office/powerpoint/2010/main" val="2715106968"/>
+      </p:ext>
+    </p:extLst>
+  </p:cSld>
+  <p:clrMapOvr>
+    <a:masterClrMapping/>
+  </p:clrMapOvr>
+</p:sld>
+</file>
+
+<file path=ppt/slides/slide3.xml><?xml version="1.0" encoding="utf-8"?>
+<p:sld xmlns:a="http://schemas.openxmlformats.org/drawingml/2006/main" xmlns:r="http://schemas.openxmlformats.org/officeDocument/2006/relationships" xmlns:p="http://schemas.openxmlformats.org/presentationml/2006/main">
+  <p:cSld>
+    <p:spTree>
+      <p:nvGrpSpPr>
+        <p:cNvPr id="1" name="">
+          <a:extLst>
+            <a:ext uri="{FF2B5EF4-FFF2-40B4-BE49-F238E27FC236}">
+              <a16:creationId xmlns:a16="http://schemas.microsoft.com/office/drawing/2014/main" id="{54697D93-9CF0-E001-88FA-FA2867B6B0AD}"/>
+            </a:ext>
+          </a:extLst>
+        </p:cNvPr>
+        <p:cNvGrpSpPr/>
+        <p:nvPr/>
+      </p:nvGrpSpPr>
+      <p:grpSpPr>
+        <a:xfrm>
+          <a:off x="0" y="0"/>
+          <a:ext cx="0" cy="0"/>
+          <a:chOff x="0" y="0"/>
+          <a:chExt cx="0" cy="0"/>
+        </a:xfrm>
+      </p:grpSpPr>
+      <p:sp>
+        <p:nvSpPr>
+          <p:cNvPr id="69" name="직사각형 68">
+            <a:extLst>
+              <a:ext uri="{FF2B5EF4-FFF2-40B4-BE49-F238E27FC236}">
+                <a16:creationId xmlns:a16="http://schemas.microsoft.com/office/drawing/2014/main" id="{90BAF8E9-43D0-E3CD-1028-6DBCA1795C76}"/>
+              </a:ext>
+            </a:extLst>
+          </p:cNvPr>
+          <p:cNvSpPr/>
+          <p:nvPr/>
+        </p:nvSpPr>
+        <p:spPr>
+          <a:xfrm>
+            <a:off x="2209115" y="2303772"/>
+            <a:ext cx="1785037" cy="2462213"/>
+          </a:xfrm>
+          <a:prstGeom prst="rect">
+            <a:avLst/>
+          </a:prstGeom>
+          <a:solidFill>
+            <a:schemeClr val="accent1">
+              <a:lumMod val="20000"/>
+              <a:lumOff val="80000"/>
+            </a:schemeClr>
+          </a:solidFill>
+          <a:ln>
+            <a:prstDash val="dash"/>
+          </a:ln>
+        </p:spPr>
+        <p:style>
+          <a:lnRef idx="2">
+            <a:schemeClr val="accent1">
+              <a:shade val="50000"/>
+            </a:schemeClr>
+          </a:lnRef>
+          <a:fillRef idx="1">
+            <a:schemeClr val="accent1"/>
+          </a:fillRef>
+          <a:effectRef idx="0">
+            <a:schemeClr val="accent1"/>
+          </a:effectRef>
+          <a:fontRef idx="minor">
+            <a:schemeClr val="lt1"/>
+          </a:fontRef>
+        </p:style>
+        <p:txBody>
+          <a:bodyPr wrap="square" rtlCol="0" anchor="ctr">
+            <a:spAutoFit/>
+          </a:bodyPr>
+          <a:lstStyle/>
+          <a:p>
+            <a:r>
+              <a:rPr lang="en-US" altLang="ko-KR" sz="1400" b="1" dirty="0">
+                <a:solidFill>
+                  <a:schemeClr val="tx1"/>
+                </a:solidFill>
+              </a:rPr>
+              <a:t>Controller</a:t>
+            </a:r>
+          </a:p>
+          <a:p>
+            <a:pPr algn="ctr"/>
+            <a:endParaRPr lang="en-US" altLang="ko-KR" sz="1400" b="1" dirty="0">
+              <a:solidFill>
+                <a:schemeClr val="tx1"/>
+              </a:solidFill>
+            </a:endParaRPr>
+          </a:p>
+          <a:p>
+            <a:pPr algn="ctr"/>
+            <a:endParaRPr lang="en-US" altLang="ko-KR" sz="1400" b="1" dirty="0">
+              <a:solidFill>
+                <a:schemeClr val="tx1"/>
+              </a:solidFill>
+            </a:endParaRPr>
+          </a:p>
+          <a:p>
+            <a:pPr algn="ctr"/>
+            <a:endParaRPr lang="en-US" altLang="ko-KR" sz="1400" b="1" dirty="0">
+              <a:solidFill>
+                <a:schemeClr val="tx1"/>
+              </a:solidFill>
+            </a:endParaRPr>
+          </a:p>
+          <a:p>
+            <a:pPr algn="ctr"/>
+            <a:endParaRPr lang="en-US" altLang="ko-KR" sz="1400" b="1" dirty="0">
+              <a:solidFill>
+                <a:schemeClr val="tx1"/>
+              </a:solidFill>
+            </a:endParaRPr>
+          </a:p>
+          <a:p>
+            <a:pPr algn="ctr"/>
+            <a:endParaRPr lang="en-US" altLang="ko-KR" sz="1400" b="1" dirty="0">
+              <a:solidFill>
+                <a:schemeClr val="tx1"/>
+              </a:solidFill>
+            </a:endParaRPr>
+          </a:p>
+          <a:p>
+            <a:pPr algn="ctr"/>
+            <a:endParaRPr lang="en-US" altLang="ko-KR" sz="1400" b="1" dirty="0">
+              <a:solidFill>
+                <a:schemeClr val="tx1"/>
+              </a:solidFill>
+            </a:endParaRPr>
+          </a:p>
+          <a:p>
+            <a:pPr algn="ctr"/>
+            <a:endParaRPr lang="en-US" altLang="ko-KR" sz="1400" b="1" dirty="0">
+              <a:solidFill>
+                <a:schemeClr val="tx1"/>
+              </a:solidFill>
+            </a:endParaRPr>
+          </a:p>
+          <a:p>
+            <a:pPr algn="ctr"/>
+            <a:endParaRPr lang="en-US" altLang="ko-KR" sz="1400" b="1" dirty="0">
+              <a:solidFill>
+                <a:schemeClr val="tx1"/>
+              </a:solidFill>
+            </a:endParaRPr>
+          </a:p>
+          <a:p>
+            <a:pPr algn="ctr"/>
+            <a:endParaRPr lang="en-US" altLang="ko-KR" sz="1400" b="1" dirty="0">
+              <a:solidFill>
+                <a:schemeClr val="tx1"/>
+              </a:solidFill>
+            </a:endParaRPr>
+          </a:p>
+          <a:p>
+            <a:pPr algn="ctr"/>
+            <a:endParaRPr lang="ko-KR" altLang="en-US" sz="1400" b="1" dirty="0">
+              <a:solidFill>
+                <a:schemeClr val="tx1"/>
+              </a:solidFill>
+            </a:endParaRPr>
+          </a:p>
+        </p:txBody>
+      </p:sp>
+      <p:pic>
+        <p:nvPicPr>
+          <p:cNvPr id="5" name="Picture 4" descr="사용자 사람 클라이언트 - Infographics 아이콘">
+            <a:extLst>
+              <a:ext uri="{FF2B5EF4-FFF2-40B4-BE49-F238E27FC236}">
+                <a16:creationId xmlns:a16="http://schemas.microsoft.com/office/drawing/2014/main" id="{A4731A29-106E-4256-A5BF-64A61D10F416}"/>
+              </a:ext>
+            </a:extLst>
+          </p:cNvPr>
+          <p:cNvPicPr>
+            <a:picLocks noChangeAspect="1" noChangeArrowheads="1"/>
+          </p:cNvPicPr>
+          <p:nvPr/>
+        </p:nvPicPr>
+        <p:blipFill>
+          <a:blip r:embed="rId2" cstate="print">
+            <a:extLst>
+              <a:ext uri="{28A0092B-C50C-407E-A947-70E740481C1C}">
+                <a14:useLocalDpi xmlns:a14="http://schemas.microsoft.com/office/drawing/2010/main" val="0"/>
+              </a:ext>
+            </a:extLst>
+          </a:blip>
+          <a:srcRect/>
+          <a:stretch>
+            <a:fillRect/>
+          </a:stretch>
+        </p:blipFill>
+        <p:spPr bwMode="auto">
+          <a:xfrm>
+            <a:off x="416509" y="3018327"/>
+            <a:ext cx="412621" cy="530809"/>
+          </a:xfrm>
+          <a:prstGeom prst="rect">
+            <a:avLst/>
+          </a:prstGeom>
+          <a:noFill/>
+          <a:extLst>
+            <a:ext uri="{909E8E84-426E-40DD-AFC4-6F175D3DCCD1}">
+              <a14:hiddenFill xmlns:a14="http://schemas.microsoft.com/office/drawing/2010/main">
+                <a:solidFill>
+                  <a:srgbClr val="FFFFFF"/>
+                </a:solidFill>
+              </a14:hiddenFill>
+            </a:ext>
+          </a:extLst>
+        </p:spPr>
+      </p:pic>
+      <p:sp>
+        <p:nvSpPr>
+          <p:cNvPr id="6" name="TextBox 5">
+            <a:extLst>
+              <a:ext uri="{FF2B5EF4-FFF2-40B4-BE49-F238E27FC236}">
+                <a16:creationId xmlns:a16="http://schemas.microsoft.com/office/drawing/2014/main" id="{0C912519-0D24-BB85-9942-3A79ABB4C199}"/>
+              </a:ext>
+            </a:extLst>
+          </p:cNvPr>
+          <p:cNvSpPr txBox="1"/>
+          <p:nvPr/>
+        </p:nvSpPr>
+        <p:spPr>
+          <a:xfrm>
+            <a:off x="741409" y="2851878"/>
+            <a:ext cx="1534666" cy="430887"/>
+          </a:xfrm>
+          <a:prstGeom prst="rect">
+            <a:avLst/>
+          </a:prstGeom>
+          <a:noFill/>
+        </p:spPr>
+        <p:txBody>
+          <a:bodyPr wrap="square" rtlCol="0">
+            <a:spAutoFit/>
+          </a:bodyPr>
+          <a:lstStyle/>
+          <a:p>
+            <a:pPr algn="ctr"/>
+            <a:r>
+              <a:rPr lang="en-US" altLang="ko-KR" sz="1100" b="1" dirty="0">
+                <a:solidFill>
+                  <a:schemeClr val="accent5">
+                    <a:lumMod val="75000"/>
+                  </a:schemeClr>
+                </a:solidFill>
+              </a:rPr>
+              <a:t>1. Http Request</a:t>
+            </a:r>
+          </a:p>
+          <a:p>
+            <a:r>
+              <a:rPr lang="en-US" altLang="ko-KR" sz="1100" b="1" dirty="0">
+                <a:solidFill>
+                  <a:schemeClr val="accent5">
+                    <a:lumMod val="75000"/>
+                  </a:schemeClr>
+                </a:solidFill>
+              </a:rPr>
+              <a:t>RequestBody(</a:t>
+            </a:r>
+            <a:r>
+              <a:rPr lang="en-US" altLang="ko-KR" sz="1050" b="1" dirty="0">
+                <a:solidFill>
+                  <a:schemeClr val="accent5">
+                    <a:lumMod val="75000"/>
+                  </a:schemeClr>
+                </a:solidFill>
+              </a:rPr>
+              <a:t>Token</a:t>
+            </a:r>
+            <a:r>
+              <a:rPr lang="en-US" altLang="ko-KR" sz="1100" b="1" dirty="0">
+                <a:solidFill>
+                  <a:schemeClr val="accent5">
+                    <a:lumMod val="75000"/>
+                  </a:schemeClr>
+                </a:solidFill>
+              </a:rPr>
+              <a:t>)</a:t>
+            </a:r>
+            <a:endParaRPr lang="ko-KR" altLang="en-US" sz="1100" b="1" dirty="0">
+              <a:solidFill>
+                <a:schemeClr val="accent5">
+                  <a:lumMod val="75000"/>
+                </a:schemeClr>
+              </a:solidFill>
+            </a:endParaRPr>
+          </a:p>
+        </p:txBody>
+      </p:sp>
+      <p:cxnSp>
+        <p:nvCxnSpPr>
+          <p:cNvPr id="8" name="직선 화살표 연결선 7">
+            <a:extLst>
+              <a:ext uri="{FF2B5EF4-FFF2-40B4-BE49-F238E27FC236}">
+                <a16:creationId xmlns:a16="http://schemas.microsoft.com/office/drawing/2014/main" id="{D59E32A4-BC9F-E499-D9F7-F0B0E425A241}"/>
+              </a:ext>
+            </a:extLst>
+          </p:cNvPr>
+          <p:cNvCxnSpPr>
+            <a:cxnSpLocks/>
+          </p:cNvCxnSpPr>
+          <p:nvPr/>
+        </p:nvCxnSpPr>
+        <p:spPr>
+          <a:xfrm>
+            <a:off x="947315" y="3280990"/>
+            <a:ext cx="1433165" cy="0"/>
+          </a:xfrm>
+          <a:prstGeom prst="straightConnector1">
+            <a:avLst/>
+          </a:prstGeom>
+          <a:ln>
+            <a:tailEnd type="triangle"/>
+          </a:ln>
+        </p:spPr>
+        <p:style>
+          <a:lnRef idx="1">
+            <a:schemeClr val="accent1"/>
+          </a:lnRef>
+          <a:fillRef idx="0">
+            <a:schemeClr val="accent1"/>
+          </a:fillRef>
+          <a:effectRef idx="0">
+            <a:schemeClr val="accent1"/>
+          </a:effectRef>
+          <a:fontRef idx="minor">
+            <a:schemeClr val="tx1"/>
+          </a:fontRef>
+        </p:style>
+      </p:cxnSp>
+      <p:sp>
+        <p:nvSpPr>
+          <p:cNvPr id="16" name="직사각형 15">
+            <a:extLst>
+              <a:ext uri="{FF2B5EF4-FFF2-40B4-BE49-F238E27FC236}">
+                <a16:creationId xmlns:a16="http://schemas.microsoft.com/office/drawing/2014/main" id="{70C73735-0C88-AC71-F981-B5911627C749}"/>
+              </a:ext>
+            </a:extLst>
+          </p:cNvPr>
+          <p:cNvSpPr/>
+          <p:nvPr/>
+        </p:nvSpPr>
+        <p:spPr>
+          <a:xfrm>
+            <a:off x="2380480" y="3183663"/>
+            <a:ext cx="1423157" cy="307777"/>
+          </a:xfrm>
+          <a:prstGeom prst="rect">
+            <a:avLst/>
+          </a:prstGeom>
+          <a:solidFill>
+            <a:schemeClr val="accent1">
+              <a:lumMod val="40000"/>
+              <a:lumOff val="60000"/>
+            </a:schemeClr>
+          </a:solidFill>
+        </p:spPr>
+        <p:style>
+          <a:lnRef idx="2">
+            <a:schemeClr val="accent1">
+              <a:shade val="50000"/>
+            </a:schemeClr>
+          </a:lnRef>
+          <a:fillRef idx="1">
+            <a:schemeClr val="accent1"/>
+          </a:fillRef>
+          <a:effectRef idx="0">
+            <a:schemeClr val="accent1"/>
+          </a:effectRef>
+          <a:fontRef idx="minor">
+            <a:schemeClr val="lt1"/>
+          </a:fontRef>
+        </p:style>
+        <p:txBody>
+          <a:bodyPr wrap="square" rtlCol="0" anchor="ctr">
+            <a:spAutoFit/>
+          </a:bodyPr>
+          <a:lstStyle/>
+          <a:p>
+            <a:pPr algn="ctr"/>
+            <a:r>
+              <a:rPr lang="en-US" altLang="ko-KR" sz="1400" b="1" dirty="0">
+                <a:solidFill>
+                  <a:schemeClr val="tx1"/>
+                </a:solidFill>
+              </a:rPr>
+              <a:t>API</a:t>
+            </a:r>
+            <a:endParaRPr lang="ko-KR" altLang="en-US" sz="1400" b="1" dirty="0">
+              <a:solidFill>
+                <a:schemeClr val="tx1"/>
+              </a:solidFill>
+            </a:endParaRPr>
+          </a:p>
+        </p:txBody>
+      </p:sp>
+      <p:sp>
+        <p:nvSpPr>
+          <p:cNvPr id="28" name="직사각형 27">
+            <a:extLst>
+              <a:ext uri="{FF2B5EF4-FFF2-40B4-BE49-F238E27FC236}">
+                <a16:creationId xmlns:a16="http://schemas.microsoft.com/office/drawing/2014/main" id="{77959F9E-F1E0-3D75-C397-631A287C2673}"/>
+              </a:ext>
+            </a:extLst>
+          </p:cNvPr>
+          <p:cNvSpPr/>
+          <p:nvPr/>
+        </p:nvSpPr>
+        <p:spPr>
+          <a:xfrm>
+            <a:off x="5098679" y="2303593"/>
+            <a:ext cx="6400795" cy="2462213"/>
+          </a:xfrm>
+          <a:prstGeom prst="rect">
+            <a:avLst/>
+          </a:prstGeom>
+          <a:solidFill>
+            <a:schemeClr val="accent1">
+              <a:lumMod val="20000"/>
+              <a:lumOff val="80000"/>
+            </a:schemeClr>
+          </a:solidFill>
+          <a:ln>
+            <a:prstDash val="dash"/>
+          </a:ln>
+        </p:spPr>
+        <p:style>
+          <a:lnRef idx="2">
+            <a:schemeClr val="accent1">
+              <a:shade val="50000"/>
+            </a:schemeClr>
+          </a:lnRef>
+          <a:fillRef idx="1">
+            <a:schemeClr val="accent1"/>
+          </a:fillRef>
+          <a:effectRef idx="0">
+            <a:schemeClr val="accent1"/>
+          </a:effectRef>
+          <a:fontRef idx="minor">
+            <a:schemeClr val="lt1"/>
+          </a:fontRef>
+        </p:style>
+        <p:txBody>
+          <a:bodyPr wrap="square" rtlCol="0" anchor="ctr">
+            <a:spAutoFit/>
+          </a:bodyPr>
+          <a:lstStyle/>
+          <a:p>
+            <a:r>
+              <a:rPr lang="en-US" altLang="ko-KR" sz="1400" b="1" dirty="0">
+                <a:solidFill>
+                  <a:schemeClr val="tx1"/>
+                </a:solidFill>
+              </a:rPr>
+              <a:t>Service</a:t>
+            </a:r>
+          </a:p>
+          <a:p>
+            <a:pPr algn="ctr"/>
+            <a:endParaRPr lang="en-US" altLang="ko-KR" sz="1400" b="1" dirty="0">
+              <a:solidFill>
+                <a:schemeClr val="tx1"/>
+              </a:solidFill>
+            </a:endParaRPr>
+          </a:p>
+          <a:p>
+            <a:pPr algn="ctr"/>
+            <a:endParaRPr lang="en-US" altLang="ko-KR" sz="1400" b="1" dirty="0">
+              <a:solidFill>
+                <a:schemeClr val="tx1"/>
+              </a:solidFill>
+            </a:endParaRPr>
+          </a:p>
+          <a:p>
+            <a:pPr algn="ctr"/>
+            <a:endParaRPr lang="en-US" altLang="ko-KR" sz="1400" b="1" dirty="0">
+              <a:solidFill>
+                <a:schemeClr val="tx1"/>
+              </a:solidFill>
+            </a:endParaRPr>
+          </a:p>
+          <a:p>
+            <a:pPr algn="ctr"/>
+            <a:endParaRPr lang="en-US" altLang="ko-KR" sz="1400" b="1" dirty="0">
+              <a:solidFill>
+                <a:schemeClr val="tx1"/>
+              </a:solidFill>
+            </a:endParaRPr>
+          </a:p>
+          <a:p>
+            <a:pPr algn="ctr"/>
+            <a:endParaRPr lang="en-US" altLang="ko-KR" sz="1400" b="1" dirty="0">
+              <a:solidFill>
+                <a:schemeClr val="tx1"/>
+              </a:solidFill>
+            </a:endParaRPr>
+          </a:p>
+          <a:p>
+            <a:pPr algn="ctr"/>
+            <a:endParaRPr lang="en-US" altLang="ko-KR" sz="1400" b="1" dirty="0">
+              <a:solidFill>
+                <a:schemeClr val="tx1"/>
+              </a:solidFill>
+            </a:endParaRPr>
+          </a:p>
+          <a:p>
+            <a:pPr algn="ctr"/>
+            <a:endParaRPr lang="en-US" altLang="ko-KR" sz="1400" b="1" dirty="0">
+              <a:solidFill>
+                <a:schemeClr val="tx1"/>
+              </a:solidFill>
+            </a:endParaRPr>
+          </a:p>
+          <a:p>
+            <a:pPr algn="ctr"/>
+            <a:endParaRPr lang="en-US" altLang="ko-KR" sz="1400" b="1" dirty="0">
+              <a:solidFill>
+                <a:schemeClr val="tx1"/>
+              </a:solidFill>
+            </a:endParaRPr>
+          </a:p>
+          <a:p>
+            <a:pPr algn="ctr"/>
+            <a:endParaRPr lang="en-US" altLang="ko-KR" sz="1400" b="1" dirty="0">
+              <a:solidFill>
+                <a:schemeClr val="tx1"/>
+              </a:solidFill>
+            </a:endParaRPr>
+          </a:p>
+          <a:p>
+            <a:pPr algn="ctr"/>
+            <a:endParaRPr lang="ko-KR" altLang="en-US" sz="1400" b="1" dirty="0">
+              <a:solidFill>
+                <a:schemeClr val="tx1"/>
+              </a:solidFill>
+            </a:endParaRPr>
+          </a:p>
+        </p:txBody>
+      </p:sp>
+      <p:sp>
+        <p:nvSpPr>
+          <p:cNvPr id="18" name="직사각형 17">
+            <a:extLst>
+              <a:ext uri="{FF2B5EF4-FFF2-40B4-BE49-F238E27FC236}">
+                <a16:creationId xmlns:a16="http://schemas.microsoft.com/office/drawing/2014/main" id="{A99D64A6-4E40-9EF5-F22C-5864F6C06AD8}"/>
+              </a:ext>
+            </a:extLst>
+          </p:cNvPr>
+          <p:cNvSpPr/>
+          <p:nvPr/>
+        </p:nvSpPr>
+        <p:spPr>
+          <a:xfrm>
+            <a:off x="7302852" y="2456145"/>
+            <a:ext cx="1655685" cy="307777"/>
+          </a:xfrm>
+          <a:prstGeom prst="rect">
+            <a:avLst/>
+          </a:prstGeom>
+          <a:solidFill>
+            <a:schemeClr val="accent1">
+              <a:lumMod val="40000"/>
+              <a:lumOff val="60000"/>
+            </a:schemeClr>
+          </a:solidFill>
+        </p:spPr>
+        <p:style>
+          <a:lnRef idx="2">
+            <a:schemeClr val="accent1">
+              <a:shade val="50000"/>
+            </a:schemeClr>
+          </a:lnRef>
+          <a:fillRef idx="1">
+            <a:schemeClr val="accent1"/>
+          </a:fillRef>
+          <a:effectRef idx="0">
+            <a:schemeClr val="accent1"/>
+          </a:effectRef>
+          <a:fontRef idx="minor">
+            <a:schemeClr val="lt1"/>
+          </a:fontRef>
+        </p:style>
+        <p:txBody>
+          <a:bodyPr wrap="square" rtlCol="0" anchor="ctr">
+            <a:spAutoFit/>
+          </a:bodyPr>
+          <a:lstStyle/>
+          <a:p>
+            <a:pPr algn="ctr"/>
+            <a:r>
+              <a:rPr lang="en-US" altLang="ko-KR" sz="1400" b="1" dirty="0">
+                <a:solidFill>
+                  <a:schemeClr val="tx1"/>
+                </a:solidFill>
+              </a:rPr>
+              <a:t>setPayload</a:t>
+            </a:r>
+            <a:endParaRPr lang="ko-KR" altLang="en-US" sz="1400" b="1" dirty="0">
+              <a:solidFill>
+                <a:schemeClr val="tx1"/>
+              </a:solidFill>
+            </a:endParaRPr>
+          </a:p>
+        </p:txBody>
+      </p:sp>
+      <p:cxnSp>
+        <p:nvCxnSpPr>
+          <p:cNvPr id="33" name="직선 화살표 연결선 32">
+            <a:extLst>
+              <a:ext uri="{FF2B5EF4-FFF2-40B4-BE49-F238E27FC236}">
+                <a16:creationId xmlns:a16="http://schemas.microsoft.com/office/drawing/2014/main" id="{11BD2D2A-8588-A890-BFBC-F6BF7CB2C6A4}"/>
+              </a:ext>
+            </a:extLst>
+          </p:cNvPr>
+          <p:cNvCxnSpPr>
+            <a:cxnSpLocks/>
+            <a:stCxn id="16" idx="3"/>
+            <a:endCxn id="13" idx="1"/>
+          </p:cNvCxnSpPr>
+          <p:nvPr/>
+        </p:nvCxnSpPr>
+        <p:spPr>
+          <a:xfrm flipV="1">
+            <a:off x="3803637" y="3330283"/>
+            <a:ext cx="1606725" cy="7269"/>
+          </a:xfrm>
+          <a:prstGeom prst="straightConnector1">
+            <a:avLst/>
+          </a:prstGeom>
+          <a:ln>
+            <a:tailEnd type="triangle"/>
+          </a:ln>
+        </p:spPr>
+        <p:style>
+          <a:lnRef idx="1">
+            <a:schemeClr val="accent1"/>
+          </a:lnRef>
+          <a:fillRef idx="0">
+            <a:schemeClr val="accent1"/>
+          </a:fillRef>
+          <a:effectRef idx="0">
+            <a:schemeClr val="accent1"/>
+          </a:effectRef>
+          <a:fontRef idx="minor">
+            <a:schemeClr val="tx1"/>
+          </a:fontRef>
+        </p:style>
+      </p:cxnSp>
+      <p:cxnSp>
+        <p:nvCxnSpPr>
+          <p:cNvPr id="37" name="연결선: 꺾임 36">
+            <a:extLst>
+              <a:ext uri="{FF2B5EF4-FFF2-40B4-BE49-F238E27FC236}">
+                <a16:creationId xmlns:a16="http://schemas.microsoft.com/office/drawing/2014/main" id="{F9980CAF-FE67-F6FC-AE80-31F02CABD438}"/>
+              </a:ext>
+            </a:extLst>
+          </p:cNvPr>
+          <p:cNvCxnSpPr>
+            <a:cxnSpLocks/>
+            <a:stCxn id="14" idx="3"/>
+            <a:endCxn id="16" idx="2"/>
+          </p:cNvCxnSpPr>
+          <p:nvPr/>
+        </p:nvCxnSpPr>
+        <p:spPr>
+          <a:xfrm flipH="1">
+            <a:off x="3092059" y="3328695"/>
+            <a:ext cx="5557419" cy="162745"/>
+          </a:xfrm>
+          <a:prstGeom prst="bentConnector4">
+            <a:avLst>
+              <a:gd name="adj1" fmla="val -31648"/>
+              <a:gd name="adj2" fmla="val 1615350"/>
+            </a:avLst>
+          </a:prstGeom>
+          <a:ln>
+            <a:solidFill>
+              <a:schemeClr val="bg2">
+                <a:lumMod val="75000"/>
+              </a:schemeClr>
+            </a:solidFill>
+            <a:tailEnd type="triangle"/>
+          </a:ln>
+        </p:spPr>
+        <p:style>
+          <a:lnRef idx="1">
+            <a:schemeClr val="accent1"/>
+          </a:lnRef>
+          <a:fillRef idx="0">
+            <a:schemeClr val="accent1"/>
+          </a:fillRef>
+          <a:effectRef idx="0">
+            <a:schemeClr val="accent1"/>
+          </a:effectRef>
+          <a:fontRef idx="minor">
+            <a:schemeClr val="tx1"/>
+          </a:fontRef>
+        </p:style>
+      </p:cxnSp>
+      <p:cxnSp>
+        <p:nvCxnSpPr>
+          <p:cNvPr id="55" name="직선 화살표 연결선 54">
+            <a:extLst>
+              <a:ext uri="{FF2B5EF4-FFF2-40B4-BE49-F238E27FC236}">
+                <a16:creationId xmlns:a16="http://schemas.microsoft.com/office/drawing/2014/main" id="{D407F46C-2CE2-1A0B-B622-537A8527FE9B}"/>
+              </a:ext>
+            </a:extLst>
+          </p:cNvPr>
+          <p:cNvCxnSpPr>
+            <a:cxnSpLocks/>
+          </p:cNvCxnSpPr>
+          <p:nvPr/>
+        </p:nvCxnSpPr>
+        <p:spPr>
+          <a:xfrm>
+            <a:off x="948887" y="3414534"/>
+            <a:ext cx="1433165" cy="0"/>
+          </a:xfrm>
+          <a:prstGeom prst="straightConnector1">
+            <a:avLst/>
+          </a:prstGeom>
+          <a:ln>
+            <a:headEnd type="triangle"/>
+            <a:tailEnd type="none"/>
+          </a:ln>
+        </p:spPr>
+        <p:style>
+          <a:lnRef idx="1">
+            <a:schemeClr val="accent1"/>
+          </a:lnRef>
+          <a:fillRef idx="0">
+            <a:schemeClr val="accent1"/>
+          </a:fillRef>
+          <a:effectRef idx="0">
+            <a:schemeClr val="accent1"/>
+          </a:effectRef>
+          <a:fontRef idx="minor">
+            <a:schemeClr val="tx1"/>
+          </a:fontRef>
+        </p:style>
+      </p:cxnSp>
+      <p:cxnSp>
+        <p:nvCxnSpPr>
+          <p:cNvPr id="21" name="연결선: 꺾임 20">
+            <a:extLst>
+              <a:ext uri="{FF2B5EF4-FFF2-40B4-BE49-F238E27FC236}">
+                <a16:creationId xmlns:a16="http://schemas.microsoft.com/office/drawing/2014/main" id="{ACDF0A1E-14FB-7B05-E58A-3C331FBA31E4}"/>
+              </a:ext>
+            </a:extLst>
+          </p:cNvPr>
+          <p:cNvCxnSpPr>
+            <a:cxnSpLocks/>
+            <a:stCxn id="13" idx="2"/>
+            <a:endCxn id="19" idx="1"/>
+          </p:cNvCxnSpPr>
+          <p:nvPr/>
+        </p:nvCxnSpPr>
+        <p:spPr>
+          <a:xfrm rot="16200000" flipH="1">
+            <a:off x="6363894" y="3208271"/>
+            <a:ext cx="653720" cy="1205519"/>
+          </a:xfrm>
+          <a:prstGeom prst="bentConnector2">
+            <a:avLst/>
+          </a:prstGeom>
+          <a:ln>
+            <a:tailEnd type="triangle"/>
+          </a:ln>
+        </p:spPr>
+        <p:style>
+          <a:lnRef idx="1">
+            <a:schemeClr val="accent1"/>
+          </a:lnRef>
+          <a:fillRef idx="0">
+            <a:schemeClr val="accent1"/>
+          </a:fillRef>
+          <a:effectRef idx="0">
+            <a:schemeClr val="accent1"/>
+          </a:effectRef>
+          <a:fontRef idx="minor">
+            <a:schemeClr val="tx1"/>
+          </a:fontRef>
+        </p:style>
+      </p:cxnSp>
+      <p:cxnSp>
+        <p:nvCxnSpPr>
+          <p:cNvPr id="47" name="연결선: 꺾임 46">
+            <a:extLst>
+              <a:ext uri="{FF2B5EF4-FFF2-40B4-BE49-F238E27FC236}">
+                <a16:creationId xmlns:a16="http://schemas.microsoft.com/office/drawing/2014/main" id="{80C7185A-3B8B-52EB-5941-E5C32A0687C4}"/>
+              </a:ext>
+            </a:extLst>
+          </p:cNvPr>
+          <p:cNvCxnSpPr>
+            <a:cxnSpLocks/>
+            <a:endCxn id="18" idx="1"/>
+          </p:cNvCxnSpPr>
+          <p:nvPr/>
+        </p:nvCxnSpPr>
+        <p:spPr>
+          <a:xfrm flipV="1">
+            <a:off x="6578082" y="2610034"/>
+            <a:ext cx="724770" cy="618358"/>
+          </a:xfrm>
+          <a:prstGeom prst="bentConnector3">
+            <a:avLst/>
+          </a:prstGeom>
+          <a:ln>
+            <a:tailEnd type="triangle"/>
+          </a:ln>
+        </p:spPr>
+        <p:style>
+          <a:lnRef idx="1">
+            <a:schemeClr val="accent1"/>
+          </a:lnRef>
+          <a:fillRef idx="0">
+            <a:schemeClr val="accent1"/>
+          </a:fillRef>
+          <a:effectRef idx="0">
+            <a:schemeClr val="accent1"/>
+          </a:effectRef>
+          <a:fontRef idx="minor">
+            <a:schemeClr val="tx1"/>
+          </a:fontRef>
+        </p:style>
+      </p:cxnSp>
+      <p:sp>
+        <p:nvSpPr>
+          <p:cNvPr id="36" name="TextBox 35">
+            <a:extLst>
+              <a:ext uri="{FF2B5EF4-FFF2-40B4-BE49-F238E27FC236}">
+                <a16:creationId xmlns:a16="http://schemas.microsoft.com/office/drawing/2014/main" id="{7EBD99AE-4295-AF66-63D6-6F80AB020EE5}"/>
+              </a:ext>
+            </a:extLst>
+          </p:cNvPr>
+          <p:cNvSpPr txBox="1"/>
+          <p:nvPr/>
+        </p:nvSpPr>
+        <p:spPr>
+          <a:xfrm>
+            <a:off x="5553254" y="5935160"/>
+            <a:ext cx="2174851" cy="261610"/>
+          </a:xfrm>
+          <a:prstGeom prst="rect">
+            <a:avLst/>
+          </a:prstGeom>
+          <a:noFill/>
+        </p:spPr>
+        <p:txBody>
+          <a:bodyPr wrap="square" rtlCol="0">
+            <a:spAutoFit/>
+          </a:bodyPr>
+          <a:lstStyle/>
+          <a:p>
+            <a:pPr algn="ctr"/>
+            <a:r>
+              <a:rPr lang="en-US" altLang="ko-KR" sz="1100" b="1" dirty="0">
+                <a:solidFill>
+                  <a:schemeClr val="accent5">
+                    <a:lumMod val="75000"/>
+                  </a:schemeClr>
+                </a:solidFill>
+              </a:rPr>
+              <a:t>Authentication</a:t>
+            </a:r>
+          </a:p>
+        </p:txBody>
+      </p:sp>
+      <p:sp>
+        <p:nvSpPr>
+          <p:cNvPr id="38" name="TextBox 37">
+            <a:extLst>
+              <a:ext uri="{FF2B5EF4-FFF2-40B4-BE49-F238E27FC236}">
+                <a16:creationId xmlns:a16="http://schemas.microsoft.com/office/drawing/2014/main" id="{9C3CF2BD-D800-17AA-0158-17E4A0084F07}"/>
+              </a:ext>
+            </a:extLst>
+          </p:cNvPr>
+          <p:cNvSpPr txBox="1"/>
+          <p:nvPr/>
+        </p:nvSpPr>
+        <p:spPr>
+          <a:xfrm>
+            <a:off x="537740" y="3493654"/>
+            <a:ext cx="2174851" cy="261610"/>
+          </a:xfrm>
+          <a:prstGeom prst="rect">
+            <a:avLst/>
+          </a:prstGeom>
+          <a:noFill/>
+        </p:spPr>
+        <p:txBody>
+          <a:bodyPr wrap="square" rtlCol="0">
+            <a:spAutoFit/>
+          </a:bodyPr>
+          <a:lstStyle/>
+          <a:p>
+            <a:pPr algn="ctr"/>
+            <a:r>
+              <a:rPr lang="en-US" altLang="ko-KR" sz="1100" b="1" dirty="0">
+                <a:solidFill>
+                  <a:schemeClr val="accent5">
+                    <a:lumMod val="75000"/>
+                  </a:schemeClr>
+                </a:solidFill>
+              </a:rPr>
+              <a:t>Authentication</a:t>
+            </a:r>
+          </a:p>
+        </p:txBody>
+      </p:sp>
+      <p:sp>
+        <p:nvSpPr>
+          <p:cNvPr id="72" name="TextBox 71">
+            <a:extLst>
+              <a:ext uri="{FF2B5EF4-FFF2-40B4-BE49-F238E27FC236}">
+                <a16:creationId xmlns:a16="http://schemas.microsoft.com/office/drawing/2014/main" id="{0C9ECC11-4722-A11D-75AD-F44F98CD65B4}"/>
+              </a:ext>
+            </a:extLst>
+          </p:cNvPr>
+          <p:cNvSpPr txBox="1"/>
+          <p:nvPr/>
+        </p:nvSpPr>
+        <p:spPr>
+          <a:xfrm>
+            <a:off x="3790180" y="3039522"/>
+            <a:ext cx="1534666" cy="261610"/>
+          </a:xfrm>
+          <a:prstGeom prst="rect">
+            <a:avLst/>
+          </a:prstGeom>
+          <a:noFill/>
+        </p:spPr>
+        <p:txBody>
+          <a:bodyPr wrap="square" rtlCol="0">
+            <a:spAutoFit/>
+          </a:bodyPr>
+          <a:lstStyle/>
+          <a:p>
+            <a:pPr algn="ctr"/>
+            <a:r>
+              <a:rPr lang="en-US" altLang="ko-KR" sz="1100" b="1" dirty="0">
+                <a:solidFill>
+                  <a:schemeClr val="accent5">
+                    <a:lumMod val="75000"/>
+                  </a:schemeClr>
+                </a:solidFill>
+              </a:rPr>
+              <a:t>2. JsonObject</a:t>
+            </a:r>
+            <a:endParaRPr lang="ko-KR" altLang="en-US" sz="1100" b="1" dirty="0">
+              <a:solidFill>
+                <a:schemeClr val="accent5">
+                  <a:lumMod val="75000"/>
+                </a:schemeClr>
+              </a:solidFill>
+            </a:endParaRPr>
+          </a:p>
+        </p:txBody>
+      </p:sp>
+      <p:sp>
+        <p:nvSpPr>
+          <p:cNvPr id="88" name="직사각형 87">
+            <a:extLst>
+              <a:ext uri="{FF2B5EF4-FFF2-40B4-BE49-F238E27FC236}">
+                <a16:creationId xmlns:a16="http://schemas.microsoft.com/office/drawing/2014/main" id="{6542C3AE-FAA3-359B-288C-B199331400A2}"/>
+              </a:ext>
+            </a:extLst>
+          </p:cNvPr>
+          <p:cNvSpPr/>
+          <p:nvPr/>
+        </p:nvSpPr>
+        <p:spPr>
+          <a:xfrm>
+            <a:off x="7063279" y="4870124"/>
+            <a:ext cx="2127379" cy="954107"/>
+          </a:xfrm>
+          <a:prstGeom prst="rect">
+            <a:avLst/>
+          </a:prstGeom>
+          <a:solidFill>
+            <a:schemeClr val="accent1">
+              <a:lumMod val="20000"/>
+              <a:lumOff val="80000"/>
+            </a:schemeClr>
+          </a:solidFill>
+          <a:ln>
+            <a:prstDash val="dash"/>
+          </a:ln>
+        </p:spPr>
+        <p:style>
+          <a:lnRef idx="2">
+            <a:schemeClr val="accent1">
+              <a:shade val="50000"/>
+            </a:schemeClr>
+          </a:lnRef>
+          <a:fillRef idx="1">
+            <a:schemeClr val="accent1"/>
+          </a:fillRef>
+          <a:effectRef idx="0">
+            <a:schemeClr val="accent1"/>
+          </a:effectRef>
+          <a:fontRef idx="minor">
+            <a:schemeClr val="lt1"/>
+          </a:fontRef>
+        </p:style>
+        <p:txBody>
+          <a:bodyPr wrap="square" rtlCol="0" anchor="ctr">
+            <a:spAutoFit/>
+          </a:bodyPr>
+          <a:lstStyle/>
+          <a:p>
+            <a:r>
+              <a:rPr lang="en-US" altLang="ko-KR" sz="1400" b="1" dirty="0">
+                <a:solidFill>
+                  <a:schemeClr val="tx1"/>
+                </a:solidFill>
+              </a:rPr>
+              <a:t>File DB</a:t>
+            </a:r>
+          </a:p>
+          <a:p>
+            <a:pPr algn="ctr"/>
+            <a:endParaRPr lang="en-US" altLang="ko-KR" sz="1400" b="1" dirty="0">
+              <a:solidFill>
+                <a:schemeClr val="tx1"/>
+              </a:solidFill>
+            </a:endParaRPr>
+          </a:p>
+          <a:p>
+            <a:pPr algn="ctr"/>
+            <a:endParaRPr lang="en-US" altLang="ko-KR" sz="1400" b="1" dirty="0">
+              <a:solidFill>
+                <a:schemeClr val="tx1"/>
+              </a:solidFill>
+            </a:endParaRPr>
+          </a:p>
+          <a:p>
+            <a:pPr algn="ctr"/>
+            <a:endParaRPr lang="ko-KR" altLang="en-US" sz="1400" b="1" dirty="0">
+              <a:solidFill>
+                <a:schemeClr val="tx1"/>
+              </a:solidFill>
+            </a:endParaRPr>
+          </a:p>
+        </p:txBody>
+      </p:sp>
+      <p:sp>
+        <p:nvSpPr>
+          <p:cNvPr id="89" name="직사각형 88">
+            <a:extLst>
+              <a:ext uri="{FF2B5EF4-FFF2-40B4-BE49-F238E27FC236}">
+                <a16:creationId xmlns:a16="http://schemas.microsoft.com/office/drawing/2014/main" id="{A8A428FA-203A-40C6-476A-9D5928643984}"/>
+              </a:ext>
+            </a:extLst>
+          </p:cNvPr>
+          <p:cNvSpPr/>
+          <p:nvPr/>
+        </p:nvSpPr>
+        <p:spPr>
+          <a:xfrm>
+            <a:off x="7249205" y="5279535"/>
+            <a:ext cx="1773497" cy="307777"/>
+          </a:xfrm>
+          <a:prstGeom prst="rect">
+            <a:avLst/>
+          </a:prstGeom>
+          <a:solidFill>
+            <a:schemeClr val="accent1">
+              <a:lumMod val="40000"/>
+              <a:lumOff val="60000"/>
+            </a:schemeClr>
+          </a:solidFill>
+        </p:spPr>
+        <p:style>
+          <a:lnRef idx="2">
+            <a:schemeClr val="accent1">
+              <a:shade val="50000"/>
+            </a:schemeClr>
+          </a:lnRef>
+          <a:fillRef idx="1">
+            <a:schemeClr val="accent1"/>
+          </a:fillRef>
+          <a:effectRef idx="0">
+            <a:schemeClr val="accent1"/>
+          </a:effectRef>
+          <a:fontRef idx="minor">
+            <a:schemeClr val="lt1"/>
+          </a:fontRef>
+        </p:style>
+        <p:txBody>
+          <a:bodyPr wrap="square" rtlCol="0" anchor="ctr">
+            <a:spAutoFit/>
+          </a:bodyPr>
+          <a:lstStyle/>
+          <a:p>
+            <a:pPr algn="ctr"/>
+            <a:r>
+              <a:rPr lang="en-US" altLang="ko-KR" sz="1400" b="1" dirty="0">
+                <a:solidFill>
+                  <a:schemeClr val="tx1"/>
+                </a:solidFill>
+              </a:rPr>
+              <a:t>setPublicKey</a:t>
+            </a:r>
+            <a:endParaRPr lang="ko-KR" altLang="en-US" sz="1400" b="1" dirty="0">
+              <a:solidFill>
+                <a:schemeClr val="tx1"/>
+              </a:solidFill>
+            </a:endParaRPr>
+          </a:p>
+        </p:txBody>
+      </p:sp>
+      <p:cxnSp>
+        <p:nvCxnSpPr>
+          <p:cNvPr id="101" name="직선 화살표 연결선 100">
+            <a:extLst>
+              <a:ext uri="{FF2B5EF4-FFF2-40B4-BE49-F238E27FC236}">
+                <a16:creationId xmlns:a16="http://schemas.microsoft.com/office/drawing/2014/main" id="{B2ECA230-BD23-A7A5-8B3A-AE679B3F7F1D}"/>
+              </a:ext>
+            </a:extLst>
+          </p:cNvPr>
+          <p:cNvCxnSpPr>
+            <a:cxnSpLocks/>
+          </p:cNvCxnSpPr>
+          <p:nvPr/>
+        </p:nvCxnSpPr>
+        <p:spPr>
+          <a:xfrm flipH="1">
+            <a:off x="7893699" y="4291779"/>
+            <a:ext cx="3029" cy="578345"/>
+          </a:xfrm>
+          <a:prstGeom prst="straightConnector1">
+            <a:avLst/>
+          </a:prstGeom>
+          <a:ln>
+            <a:tailEnd type="triangle"/>
+          </a:ln>
+        </p:spPr>
+        <p:style>
+          <a:lnRef idx="1">
+            <a:schemeClr val="accent1"/>
+          </a:lnRef>
+          <a:fillRef idx="0">
+            <a:schemeClr val="accent1"/>
+          </a:fillRef>
+          <a:effectRef idx="0">
+            <a:schemeClr val="accent1"/>
+          </a:effectRef>
+          <a:fontRef idx="minor">
+            <a:schemeClr val="tx1"/>
+          </a:fontRef>
+        </p:style>
+      </p:cxnSp>
+      <p:sp>
+        <p:nvSpPr>
+          <p:cNvPr id="106" name="TextBox 105">
+            <a:extLst>
+              <a:ext uri="{FF2B5EF4-FFF2-40B4-BE49-F238E27FC236}">
+                <a16:creationId xmlns:a16="http://schemas.microsoft.com/office/drawing/2014/main" id="{D4BB4DC6-4DBE-5A24-67D4-015E81772EDE}"/>
+              </a:ext>
+            </a:extLst>
+          </p:cNvPr>
+          <p:cNvSpPr txBox="1"/>
+          <p:nvPr/>
+        </p:nvSpPr>
+        <p:spPr>
+          <a:xfrm>
+            <a:off x="8258785" y="3522306"/>
+            <a:ext cx="1451269" cy="430887"/>
+          </a:xfrm>
+          <a:prstGeom prst="rect">
+            <a:avLst/>
+          </a:prstGeom>
+          <a:noFill/>
+        </p:spPr>
+        <p:txBody>
+          <a:bodyPr wrap="square" rtlCol="0">
+            <a:spAutoFit/>
+          </a:bodyPr>
+          <a:lstStyle/>
+          <a:p>
+            <a:r>
+              <a:rPr lang="en-US" altLang="ko-KR" sz="1100" b="1" dirty="0">
+                <a:solidFill>
+                  <a:schemeClr val="accent5">
+                    <a:lumMod val="75000"/>
+                  </a:schemeClr>
+                </a:solidFill>
+              </a:rPr>
+              <a:t>4. RSA-decrypt</a:t>
+            </a:r>
+          </a:p>
+          <a:p>
+            <a:r>
+              <a:rPr lang="en-US" altLang="ko-KR" sz="1100" b="1" dirty="0">
+                <a:solidFill>
+                  <a:schemeClr val="accent5">
+                    <a:lumMod val="75000"/>
+                  </a:schemeClr>
+                </a:solidFill>
+              </a:rPr>
+              <a:t>(Using publicKey)</a:t>
+            </a:r>
+            <a:endParaRPr lang="ko-KR" altLang="en-US" sz="1100" b="1" dirty="0">
+              <a:solidFill>
+                <a:schemeClr val="accent5">
+                  <a:lumMod val="75000"/>
+                </a:schemeClr>
+              </a:solidFill>
+            </a:endParaRPr>
+          </a:p>
+        </p:txBody>
+      </p:sp>
+      <p:sp>
+        <p:nvSpPr>
+          <p:cNvPr id="14" name="순서도: 판단 13">
+            <a:extLst>
+              <a:ext uri="{FF2B5EF4-FFF2-40B4-BE49-F238E27FC236}">
+                <a16:creationId xmlns:a16="http://schemas.microsoft.com/office/drawing/2014/main" id="{796BF16D-2E7A-2F01-93D2-8ED4E9392FCD}"/>
+              </a:ext>
+            </a:extLst>
+          </p:cNvPr>
+          <p:cNvSpPr/>
+          <p:nvPr/>
+        </p:nvSpPr>
+        <p:spPr>
+          <a:xfrm>
+            <a:off x="7595121" y="2953137"/>
+            <a:ext cx="1054357" cy="751116"/>
+          </a:xfrm>
+          <a:prstGeom prst="flowChartDecision">
+            <a:avLst/>
+          </a:prstGeom>
+          <a:solidFill>
+            <a:schemeClr val="accent1">
+              <a:lumMod val="60000"/>
+              <a:lumOff val="40000"/>
+            </a:schemeClr>
+          </a:solidFill>
+        </p:spPr>
+        <p:style>
+          <a:lnRef idx="2">
+            <a:schemeClr val="accent1">
+              <a:shade val="15000"/>
+            </a:schemeClr>
+          </a:lnRef>
+          <a:fillRef idx="1">
+            <a:schemeClr val="accent1"/>
+          </a:fillRef>
+          <a:effectRef idx="0">
+            <a:schemeClr val="accent1"/>
+          </a:effectRef>
+          <a:fontRef idx="minor">
+            <a:schemeClr val="lt1"/>
+          </a:fontRef>
+        </p:style>
+        <p:txBody>
+          <a:bodyPr rtlCol="0" anchor="ctr"/>
+          <a:lstStyle/>
+          <a:p>
+            <a:pPr algn="ctr"/>
+            <a:r>
+              <a:rPr lang="en-US" altLang="ko-KR" sz="1200" b="1" dirty="0">
+                <a:solidFill>
+                  <a:schemeClr val="tx1"/>
+                </a:solidFill>
+              </a:rPr>
+              <a:t>Y/N</a:t>
+            </a:r>
+          </a:p>
+        </p:txBody>
+      </p:sp>
+      <p:sp>
+        <p:nvSpPr>
+          <p:cNvPr id="24" name="TextBox 23">
+            <a:extLst>
+              <a:ext uri="{FF2B5EF4-FFF2-40B4-BE49-F238E27FC236}">
+                <a16:creationId xmlns:a16="http://schemas.microsoft.com/office/drawing/2014/main" id="{C18725FB-FC76-CFAA-E1E6-3DEC9A0A9793}"/>
+              </a:ext>
+            </a:extLst>
+          </p:cNvPr>
+          <p:cNvSpPr txBox="1"/>
+          <p:nvPr/>
+        </p:nvSpPr>
+        <p:spPr>
+          <a:xfrm>
+            <a:off x="6410131" y="3873068"/>
+            <a:ext cx="634482" cy="261610"/>
+          </a:xfrm>
+          <a:prstGeom prst="rect">
+            <a:avLst/>
+          </a:prstGeom>
+          <a:noFill/>
+        </p:spPr>
+        <p:txBody>
+          <a:bodyPr wrap="square" rtlCol="0">
+            <a:spAutoFit/>
+          </a:bodyPr>
+          <a:lstStyle/>
+          <a:p>
+            <a:pPr algn="ctr"/>
+            <a:r>
+              <a:rPr lang="en-US" altLang="ko-KR" sz="1100" b="1" dirty="0">
+                <a:solidFill>
+                  <a:schemeClr val="accent5">
+                    <a:lumMod val="75000"/>
+                  </a:schemeClr>
+                </a:solidFill>
+              </a:rPr>
+              <a:t>3. call</a:t>
+            </a:r>
+            <a:endParaRPr lang="ko-KR" altLang="en-US" sz="1100" b="1" dirty="0">
+              <a:solidFill>
+                <a:schemeClr val="accent5">
+                  <a:lumMod val="75000"/>
+                </a:schemeClr>
+              </a:solidFill>
+            </a:endParaRPr>
+          </a:p>
+        </p:txBody>
+      </p:sp>
+      <p:cxnSp>
+        <p:nvCxnSpPr>
+          <p:cNvPr id="25" name="직선 화살표 연결선 24">
+            <a:extLst>
+              <a:ext uri="{FF2B5EF4-FFF2-40B4-BE49-F238E27FC236}">
+                <a16:creationId xmlns:a16="http://schemas.microsoft.com/office/drawing/2014/main" id="{C243776F-3FB1-CE61-35A7-D52EF56AD5FC}"/>
+              </a:ext>
+            </a:extLst>
+          </p:cNvPr>
+          <p:cNvCxnSpPr>
+            <a:cxnSpLocks/>
+            <a:stCxn id="88" idx="0"/>
+            <a:endCxn id="14" idx="2"/>
+          </p:cNvCxnSpPr>
+          <p:nvPr/>
+        </p:nvCxnSpPr>
+        <p:spPr>
+          <a:xfrm flipH="1" flipV="1">
+            <a:off x="8122300" y="3704253"/>
+            <a:ext cx="4669" cy="1165871"/>
+          </a:xfrm>
+          <a:prstGeom prst="straightConnector1">
+            <a:avLst/>
+          </a:prstGeom>
+          <a:ln>
+            <a:tailEnd type="triangle"/>
+          </a:ln>
+        </p:spPr>
+        <p:style>
+          <a:lnRef idx="1">
+            <a:schemeClr val="accent1"/>
+          </a:lnRef>
+          <a:fillRef idx="0">
+            <a:schemeClr val="accent1"/>
+          </a:fillRef>
+          <a:effectRef idx="0">
+            <a:schemeClr val="accent1"/>
+          </a:effectRef>
+          <a:fontRef idx="minor">
+            <a:schemeClr val="tx1"/>
+          </a:fontRef>
+        </p:style>
+      </p:cxnSp>
+      <p:sp>
+        <p:nvSpPr>
+          <p:cNvPr id="19" name="직사각형 18">
+            <a:extLst>
+              <a:ext uri="{FF2B5EF4-FFF2-40B4-BE49-F238E27FC236}">
+                <a16:creationId xmlns:a16="http://schemas.microsoft.com/office/drawing/2014/main" id="{83275A34-2AB6-D74B-0B7A-8A2404B434B8}"/>
+              </a:ext>
+            </a:extLst>
+          </p:cNvPr>
+          <p:cNvSpPr/>
+          <p:nvPr/>
+        </p:nvSpPr>
+        <p:spPr>
+          <a:xfrm>
+            <a:off x="7293514" y="3984002"/>
+            <a:ext cx="1672967" cy="307777"/>
+          </a:xfrm>
+          <a:prstGeom prst="rect">
+            <a:avLst/>
+          </a:prstGeom>
+          <a:solidFill>
+            <a:schemeClr val="accent1">
+              <a:lumMod val="40000"/>
+              <a:lumOff val="60000"/>
+            </a:schemeClr>
+          </a:solidFill>
+        </p:spPr>
+        <p:style>
+          <a:lnRef idx="2">
+            <a:schemeClr val="accent1">
+              <a:shade val="50000"/>
+            </a:schemeClr>
+          </a:lnRef>
+          <a:fillRef idx="1">
+            <a:schemeClr val="accent1"/>
+          </a:fillRef>
+          <a:effectRef idx="0">
+            <a:schemeClr val="accent1"/>
+          </a:effectRef>
+          <a:fontRef idx="minor">
+            <a:schemeClr val="lt1"/>
+          </a:fontRef>
+        </p:style>
+        <p:txBody>
+          <a:bodyPr wrap="square" rtlCol="0" anchor="ctr">
+            <a:spAutoFit/>
+          </a:bodyPr>
+          <a:lstStyle/>
+          <a:p>
+            <a:pPr algn="ctr"/>
+            <a:r>
+              <a:rPr lang="en-US" altLang="ko-KR" sz="1400" b="1" dirty="0">
+                <a:solidFill>
+                  <a:schemeClr val="tx1"/>
+                </a:solidFill>
+              </a:rPr>
+              <a:t>setSignature</a:t>
+            </a:r>
+            <a:endParaRPr lang="ko-KR" altLang="en-US" sz="1400" b="1" dirty="0">
+              <a:solidFill>
+                <a:schemeClr val="tx1"/>
+              </a:solidFill>
+            </a:endParaRPr>
+          </a:p>
+        </p:txBody>
+      </p:sp>
+      <p:sp>
+        <p:nvSpPr>
+          <p:cNvPr id="41" name="TextBox 40">
+            <a:extLst>
+              <a:ext uri="{FF2B5EF4-FFF2-40B4-BE49-F238E27FC236}">
+                <a16:creationId xmlns:a16="http://schemas.microsoft.com/office/drawing/2014/main" id="{07693607-2585-E7FE-4C89-3DA76317639B}"/>
+              </a:ext>
+            </a:extLst>
+          </p:cNvPr>
+          <p:cNvSpPr txBox="1"/>
+          <p:nvPr/>
+        </p:nvSpPr>
+        <p:spPr>
+          <a:xfrm>
+            <a:off x="6403910" y="2551230"/>
+            <a:ext cx="634482" cy="261610"/>
+          </a:xfrm>
+          <a:prstGeom prst="rect">
+            <a:avLst/>
+          </a:prstGeom>
+          <a:noFill/>
+        </p:spPr>
+        <p:txBody>
+          <a:bodyPr wrap="square" rtlCol="0">
+            <a:spAutoFit/>
+          </a:bodyPr>
+          <a:lstStyle/>
+          <a:p>
+            <a:pPr algn="ctr"/>
+            <a:r>
+              <a:rPr lang="en-US" altLang="ko-KR" sz="1100" b="1" dirty="0">
+                <a:solidFill>
+                  <a:schemeClr val="accent5">
+                    <a:lumMod val="75000"/>
+                  </a:schemeClr>
+                </a:solidFill>
+              </a:rPr>
+              <a:t>5. call</a:t>
+            </a:r>
+            <a:endParaRPr lang="ko-KR" altLang="en-US" sz="1100" b="1" dirty="0">
+              <a:solidFill>
+                <a:schemeClr val="accent5">
+                  <a:lumMod val="75000"/>
+                </a:schemeClr>
+              </a:solidFill>
+            </a:endParaRPr>
+          </a:p>
+        </p:txBody>
+      </p:sp>
+      <p:sp>
+        <p:nvSpPr>
+          <p:cNvPr id="42" name="TextBox 41">
+            <a:extLst>
+              <a:ext uri="{FF2B5EF4-FFF2-40B4-BE49-F238E27FC236}">
+                <a16:creationId xmlns:a16="http://schemas.microsoft.com/office/drawing/2014/main" id="{5FF5CCE0-9529-7693-0610-ECBF0AE838D1}"/>
+              </a:ext>
+            </a:extLst>
+          </p:cNvPr>
+          <p:cNvSpPr txBox="1"/>
+          <p:nvPr/>
+        </p:nvSpPr>
+        <p:spPr>
+          <a:xfrm>
+            <a:off x="7228117" y="3076854"/>
+            <a:ext cx="634482" cy="261610"/>
+          </a:xfrm>
+          <a:prstGeom prst="rect">
+            <a:avLst/>
+          </a:prstGeom>
+          <a:noFill/>
+        </p:spPr>
+        <p:txBody>
+          <a:bodyPr wrap="square" rtlCol="0">
+            <a:spAutoFit/>
+          </a:bodyPr>
+          <a:lstStyle/>
+          <a:p>
+            <a:pPr algn="ctr"/>
+            <a:r>
+              <a:rPr lang="en-US" altLang="ko-KR" sz="1100" b="1" dirty="0">
+                <a:solidFill>
+                  <a:schemeClr val="accent5">
+                    <a:lumMod val="75000"/>
+                  </a:schemeClr>
+                </a:solidFill>
+              </a:rPr>
+              <a:t>Y</a:t>
+            </a:r>
+            <a:endParaRPr lang="ko-KR" altLang="en-US" sz="1100" b="1" dirty="0">
+              <a:solidFill>
+                <a:schemeClr val="accent5">
+                  <a:lumMod val="75000"/>
+                </a:schemeClr>
+              </a:solidFill>
+            </a:endParaRPr>
+          </a:p>
+        </p:txBody>
+      </p:sp>
+      <p:cxnSp>
+        <p:nvCxnSpPr>
+          <p:cNvPr id="43" name="직선 화살표 연결선 42">
+            <a:extLst>
+              <a:ext uri="{FF2B5EF4-FFF2-40B4-BE49-F238E27FC236}">
+                <a16:creationId xmlns:a16="http://schemas.microsoft.com/office/drawing/2014/main" id="{4761C5B7-F790-4FCA-DA5B-AAD3E625F9C6}"/>
+              </a:ext>
+            </a:extLst>
+          </p:cNvPr>
+          <p:cNvCxnSpPr>
+            <a:cxnSpLocks/>
+            <a:stCxn id="14" idx="1"/>
+          </p:cNvCxnSpPr>
+          <p:nvPr/>
+        </p:nvCxnSpPr>
+        <p:spPr>
+          <a:xfrm flipH="1">
+            <a:off x="6755363" y="3328695"/>
+            <a:ext cx="839758" cy="0"/>
+          </a:xfrm>
+          <a:prstGeom prst="straightConnector1">
+            <a:avLst/>
+          </a:prstGeom>
+          <a:ln>
+            <a:tailEnd type="triangle"/>
+          </a:ln>
+        </p:spPr>
+        <p:style>
+          <a:lnRef idx="1">
+            <a:schemeClr val="accent1"/>
+          </a:lnRef>
+          <a:fillRef idx="0">
+            <a:schemeClr val="accent1"/>
+          </a:fillRef>
+          <a:effectRef idx="0">
+            <a:schemeClr val="accent1"/>
+          </a:effectRef>
+          <a:fontRef idx="minor">
+            <a:schemeClr val="tx1"/>
+          </a:fontRef>
+        </p:style>
+      </p:cxnSp>
+      <p:sp>
+        <p:nvSpPr>
+          <p:cNvPr id="48" name="TextBox 47">
+            <a:extLst>
+              <a:ext uri="{FF2B5EF4-FFF2-40B4-BE49-F238E27FC236}">
+                <a16:creationId xmlns:a16="http://schemas.microsoft.com/office/drawing/2014/main" id="{0CDE12F9-A1F6-5AEA-2526-B6367EAACECD}"/>
+              </a:ext>
+            </a:extLst>
+          </p:cNvPr>
+          <p:cNvSpPr txBox="1"/>
+          <p:nvPr/>
+        </p:nvSpPr>
+        <p:spPr>
+          <a:xfrm>
+            <a:off x="8397549" y="3070634"/>
+            <a:ext cx="634482" cy="261610"/>
+          </a:xfrm>
+          <a:prstGeom prst="rect">
+            <a:avLst/>
+          </a:prstGeom>
+          <a:noFill/>
+        </p:spPr>
+        <p:txBody>
+          <a:bodyPr wrap="square" rtlCol="0">
+            <a:spAutoFit/>
+          </a:bodyPr>
+          <a:lstStyle/>
+          <a:p>
+            <a:pPr algn="ctr"/>
+            <a:r>
+              <a:rPr lang="en-US" altLang="ko-KR" sz="1100" b="1" dirty="0">
+                <a:solidFill>
+                  <a:schemeClr val="tx1">
+                    <a:lumMod val="50000"/>
+                    <a:lumOff val="50000"/>
+                  </a:schemeClr>
+                </a:solidFill>
+              </a:rPr>
+              <a:t>N</a:t>
+            </a:r>
+            <a:endParaRPr lang="ko-KR" altLang="en-US" sz="1100" b="1" dirty="0">
+              <a:solidFill>
+                <a:schemeClr val="tx1">
+                  <a:lumMod val="50000"/>
+                  <a:lumOff val="50000"/>
+                </a:schemeClr>
+              </a:solidFill>
+            </a:endParaRPr>
+          </a:p>
+        </p:txBody>
+      </p:sp>
+      <p:cxnSp>
+        <p:nvCxnSpPr>
+          <p:cNvPr id="77" name="연결선: 꺾임 76">
+            <a:extLst>
+              <a:ext uri="{FF2B5EF4-FFF2-40B4-BE49-F238E27FC236}">
+                <a16:creationId xmlns:a16="http://schemas.microsoft.com/office/drawing/2014/main" id="{F01B4CAB-DF5A-E79D-1B17-A00C7BFB65DA}"/>
+              </a:ext>
+            </a:extLst>
+          </p:cNvPr>
+          <p:cNvCxnSpPr>
+            <a:cxnSpLocks/>
+            <a:endCxn id="16" idx="2"/>
+          </p:cNvCxnSpPr>
+          <p:nvPr/>
+        </p:nvCxnSpPr>
+        <p:spPr>
+          <a:xfrm rot="10800000" flipV="1">
+            <a:off x="3092060" y="2584580"/>
+            <a:ext cx="5874663" cy="906860"/>
+          </a:xfrm>
+          <a:prstGeom prst="bentConnector4">
+            <a:avLst>
+              <a:gd name="adj1" fmla="val -24670"/>
+              <a:gd name="adj2" fmla="val 372142"/>
+            </a:avLst>
+          </a:prstGeom>
+          <a:ln>
+            <a:tailEnd type="triangle"/>
+          </a:ln>
+        </p:spPr>
+        <p:style>
+          <a:lnRef idx="1">
+            <a:schemeClr val="accent1"/>
+          </a:lnRef>
+          <a:fillRef idx="0">
+            <a:schemeClr val="accent1"/>
+          </a:fillRef>
+          <a:effectRef idx="0">
+            <a:schemeClr val="accent1"/>
+          </a:effectRef>
+          <a:fontRef idx="minor">
+            <a:schemeClr val="tx1"/>
+          </a:fontRef>
+        </p:style>
+      </p:cxnSp>
+      <p:sp>
+        <p:nvSpPr>
+          <p:cNvPr id="93" name="TextBox 92">
+            <a:extLst>
+              <a:ext uri="{FF2B5EF4-FFF2-40B4-BE49-F238E27FC236}">
+                <a16:creationId xmlns:a16="http://schemas.microsoft.com/office/drawing/2014/main" id="{642973D5-E79E-51E5-11B3-869B395F7AD0}"/>
+              </a:ext>
+            </a:extLst>
+          </p:cNvPr>
+          <p:cNvSpPr txBox="1"/>
+          <p:nvPr/>
+        </p:nvSpPr>
+        <p:spPr>
+          <a:xfrm>
+            <a:off x="9050693" y="2309152"/>
+            <a:ext cx="1250301" cy="261610"/>
+          </a:xfrm>
+          <a:prstGeom prst="rect">
+            <a:avLst/>
+          </a:prstGeom>
+          <a:noFill/>
+        </p:spPr>
+        <p:txBody>
+          <a:bodyPr wrap="square">
+            <a:spAutoFit/>
+          </a:bodyPr>
+          <a:lstStyle/>
+          <a:p>
+            <a:r>
+              <a:rPr lang="en-US" altLang="ko-KR" sz="1100" b="1" dirty="0">
+                <a:solidFill>
+                  <a:schemeClr val="accent1"/>
+                </a:solidFill>
+              </a:rPr>
+              <a:t>base58-encrypt</a:t>
+            </a:r>
+            <a:endParaRPr lang="ko-KR" altLang="en-US" sz="1100" dirty="0">
+              <a:solidFill>
+                <a:schemeClr val="accent1"/>
+              </a:solidFill>
+            </a:endParaRPr>
+          </a:p>
+        </p:txBody>
+      </p:sp>
+      <p:sp>
+        <p:nvSpPr>
+          <p:cNvPr id="13" name="직사각형 12">
+            <a:extLst>
+              <a:ext uri="{FF2B5EF4-FFF2-40B4-BE49-F238E27FC236}">
+                <a16:creationId xmlns:a16="http://schemas.microsoft.com/office/drawing/2014/main" id="{5156A00C-80E9-3ED0-1D25-F12235FA7A3C}"/>
+              </a:ext>
+            </a:extLst>
+          </p:cNvPr>
+          <p:cNvSpPr/>
+          <p:nvPr/>
+        </p:nvSpPr>
+        <p:spPr>
+          <a:xfrm>
+            <a:off x="5410362" y="3176394"/>
+            <a:ext cx="1355266" cy="307777"/>
+          </a:xfrm>
+          <a:prstGeom prst="rect">
+            <a:avLst/>
+          </a:prstGeom>
+          <a:solidFill>
+            <a:schemeClr val="accent1">
+              <a:lumMod val="40000"/>
+              <a:lumOff val="60000"/>
+            </a:schemeClr>
+          </a:solidFill>
+        </p:spPr>
+        <p:style>
+          <a:lnRef idx="2">
+            <a:schemeClr val="accent1">
+              <a:shade val="50000"/>
+            </a:schemeClr>
+          </a:lnRef>
+          <a:fillRef idx="1">
+            <a:schemeClr val="accent1"/>
+          </a:fillRef>
+          <a:effectRef idx="0">
+            <a:schemeClr val="accent1"/>
+          </a:effectRef>
+          <a:fontRef idx="minor">
+            <a:schemeClr val="lt1"/>
+          </a:fontRef>
+        </p:style>
+        <p:txBody>
+          <a:bodyPr wrap="square" rtlCol="0" anchor="ctr">
+            <a:spAutoFit/>
+          </a:bodyPr>
+          <a:lstStyle/>
+          <a:p>
+            <a:pPr algn="ctr"/>
+            <a:r>
+              <a:rPr lang="en-US" altLang="ko-KR" sz="1400" b="1" dirty="0">
+                <a:solidFill>
+                  <a:schemeClr val="tx1"/>
+                </a:solidFill>
+              </a:rPr>
+              <a:t>setElements</a:t>
+            </a:r>
+            <a:endParaRPr lang="ko-KR" altLang="en-US" sz="1400" b="1" dirty="0">
+              <a:solidFill>
+                <a:schemeClr val="tx1"/>
+              </a:solidFill>
+            </a:endParaRPr>
+          </a:p>
+        </p:txBody>
+      </p:sp>
+      <p:sp>
+        <p:nvSpPr>
+          <p:cNvPr id="102" name="제목 1">
+            <a:extLst>
+              <a:ext uri="{FF2B5EF4-FFF2-40B4-BE49-F238E27FC236}">
+                <a16:creationId xmlns:a16="http://schemas.microsoft.com/office/drawing/2014/main" id="{10ABCCDF-5E96-0FC7-51D5-DB78DE1DEEDB}"/>
+              </a:ext>
+            </a:extLst>
+          </p:cNvPr>
+          <p:cNvSpPr txBox="1">
+            <a:spLocks/>
+          </p:cNvSpPr>
+          <p:nvPr/>
+        </p:nvSpPr>
+        <p:spPr>
+          <a:xfrm>
+            <a:off x="373930" y="566243"/>
+            <a:ext cx="4603423" cy="480131"/>
+          </a:xfrm>
+          <a:prstGeom prst="rect">
+            <a:avLst/>
+          </a:prstGeom>
+        </p:spPr>
+        <p:txBody>
+          <a:bodyPr vert="horz" lIns="91440" tIns="45720" rIns="91440" bIns="45720" rtlCol="0" anchor="b">
+            <a:spAutoFit/>
+          </a:bodyPr>
+          <a:lstStyle>
+            <a:lvl1pPr algn="ctr" defTabSz="914400" rtl="0" eaLnBrk="1" latinLnBrk="1" hangingPunct="1">
+              <a:lnSpc>
+                <a:spcPct val="90000"/>
+              </a:lnSpc>
+              <a:spcBef>
+                <a:spcPct val="0"/>
+              </a:spcBef>
+              <a:buNone/>
+              <a:defRPr sz="6000" kern="1200">
+                <a:solidFill>
+                  <a:schemeClr val="tx1"/>
+                </a:solidFill>
+                <a:latin typeface="+mj-lt"/>
+                <a:ea typeface="+mj-ea"/>
+                <a:cs typeface="+mj-cs"/>
+              </a:defRPr>
+            </a:lvl1pPr>
+          </a:lstStyle>
+          <a:p>
+            <a:pPr algn="l"/>
+            <a:r>
+              <a:rPr lang="en-US" altLang="ko-KR" sz="2800" b="1" dirty="0"/>
+              <a:t>Json Web Token, JWT</a:t>
+            </a:r>
+            <a:endParaRPr lang="ko-KR" altLang="en-US" sz="2800" b="1" dirty="0"/>
+          </a:p>
+        </p:txBody>
+      </p:sp>
+      <p:sp>
+        <p:nvSpPr>
+          <p:cNvPr id="103" name="TextBox 102">
+            <a:extLst>
+              <a:ext uri="{FF2B5EF4-FFF2-40B4-BE49-F238E27FC236}">
+                <a16:creationId xmlns:a16="http://schemas.microsoft.com/office/drawing/2014/main" id="{8B6153E4-43BB-944F-6985-6694C2B0F976}"/>
+              </a:ext>
+            </a:extLst>
+          </p:cNvPr>
+          <p:cNvSpPr txBox="1"/>
+          <p:nvPr/>
+        </p:nvSpPr>
+        <p:spPr>
+          <a:xfrm>
+            <a:off x="382555" y="1212980"/>
+            <a:ext cx="2827176" cy="369332"/>
+          </a:xfrm>
+          <a:prstGeom prst="rect">
+            <a:avLst/>
+          </a:prstGeom>
+          <a:noFill/>
+        </p:spPr>
+        <p:txBody>
+          <a:bodyPr wrap="square" rtlCol="0">
+            <a:spAutoFit/>
+          </a:bodyPr>
+          <a:lstStyle/>
+          <a:p>
+            <a:r>
+              <a:rPr lang="en-US" altLang="ko-KR" dirty="0"/>
+              <a:t>3. </a:t>
+            </a:r>
+            <a:r>
+              <a:rPr lang="ko-KR" altLang="en-US" dirty="0"/>
+              <a:t>토큰 정보 추출</a:t>
+            </a:r>
+          </a:p>
+        </p:txBody>
+      </p:sp>
+      <p:sp>
+        <p:nvSpPr>
+          <p:cNvPr id="104" name="날짜 개체 틀 103">
+            <a:extLst>
+              <a:ext uri="{FF2B5EF4-FFF2-40B4-BE49-F238E27FC236}">
+                <a16:creationId xmlns:a16="http://schemas.microsoft.com/office/drawing/2014/main" id="{F47E217E-45EB-A570-61A7-563CBB765569}"/>
+              </a:ext>
+            </a:extLst>
+          </p:cNvPr>
+          <p:cNvSpPr>
+            <a:spLocks noGrp="1"/>
+          </p:cNvSpPr>
+          <p:nvPr>
+            <p:ph type="dt" sz="half" idx="10"/>
+          </p:nvPr>
+        </p:nvSpPr>
+        <p:spPr/>
+        <p:txBody>
+          <a:bodyPr/>
+          <a:lstStyle/>
+          <a:p>
+            <a:fld id="{7FFA3D48-931E-4F45-821B-884487FAD2E0}" type="datetime1">
+              <a:rPr lang="ko-KR" altLang="en-US" smtClean="0"/>
+              <a:t>2025-01-16</a:t>
+            </a:fld>
+            <a:endParaRPr lang="ko-KR" altLang="en-US" dirty="0"/>
+          </a:p>
+        </p:txBody>
+      </p:sp>
+      <p:sp>
+        <p:nvSpPr>
+          <p:cNvPr id="105" name="바닥글 개체 틀 104">
+            <a:extLst>
+              <a:ext uri="{FF2B5EF4-FFF2-40B4-BE49-F238E27FC236}">
+                <a16:creationId xmlns:a16="http://schemas.microsoft.com/office/drawing/2014/main" id="{98930054-B2AD-9A3A-E8CA-9B7196C0A4FF}"/>
+              </a:ext>
+            </a:extLst>
+          </p:cNvPr>
+          <p:cNvSpPr>
+            <a:spLocks noGrp="1"/>
+          </p:cNvSpPr>
+          <p:nvPr>
+            <p:ph type="ftr" sz="quarter" idx="11"/>
+          </p:nvPr>
+        </p:nvSpPr>
+        <p:spPr/>
+        <p:txBody>
+          <a:bodyPr/>
+          <a:lstStyle/>
+          <a:p>
+            <a:r>
+              <a:rPr lang="en-US" altLang="ko-KR" dirty="0"/>
+              <a:t>https://github.com/mon99745/TokenReference</a:t>
+            </a:r>
+            <a:endParaRPr lang="ko-KR" altLang="en-US" dirty="0"/>
+          </a:p>
+        </p:txBody>
+      </p:sp>
+      <p:sp>
+        <p:nvSpPr>
+          <p:cNvPr id="107" name="TextBox 106">
+            <a:extLst>
+              <a:ext uri="{FF2B5EF4-FFF2-40B4-BE49-F238E27FC236}">
+                <a16:creationId xmlns:a16="http://schemas.microsoft.com/office/drawing/2014/main" id="{1E789DD5-CE2D-C03C-D942-5B4FEBC97D30}"/>
+              </a:ext>
+            </a:extLst>
+          </p:cNvPr>
+          <p:cNvSpPr txBox="1"/>
+          <p:nvPr/>
+        </p:nvSpPr>
+        <p:spPr>
+          <a:xfrm>
+            <a:off x="-55985" y="3490812"/>
+            <a:ext cx="1384468" cy="261610"/>
+          </a:xfrm>
+          <a:prstGeom prst="rect">
+            <a:avLst/>
+          </a:prstGeom>
+          <a:noFill/>
+        </p:spPr>
+        <p:txBody>
+          <a:bodyPr wrap="square" rtlCol="0">
+            <a:spAutoFit/>
+          </a:bodyPr>
+          <a:lstStyle/>
+          <a:p>
+            <a:pPr algn="ctr"/>
+            <a:r>
+              <a:rPr lang="en-US" altLang="ko-KR" sz="1100" b="1" dirty="0">
+                <a:solidFill>
+                  <a:schemeClr val="tx1">
+                    <a:lumMod val="50000"/>
+                    <a:lumOff val="50000"/>
+                  </a:schemeClr>
+                </a:solidFill>
+              </a:rPr>
+              <a:t>admin</a:t>
+            </a:r>
+          </a:p>
+        </p:txBody>
+      </p:sp>
+    </p:spTree>
+    <p:extLst>
+      <p:ext uri="{BB962C8B-B14F-4D97-AF65-F5344CB8AC3E}">
+        <p14:creationId xmlns:p14="http://schemas.microsoft.com/office/powerpoint/2010/main" val="4200069197"/>
       </p:ext>
     </p:extLst>
   </p:cSld>
@@ -5845,4 +10944,319 @@
     </a:ext>
   </a:extLst>
 </a:theme>
+</file>
+
+<file path=ppt/theme/theme2.xml><?xml version="1.0" encoding="utf-8"?>
+<a:theme xmlns:a="http://schemas.openxmlformats.org/drawingml/2006/main" name="Office 테마">
+  <a:themeElements>
+    <a:clrScheme name="Office">
+      <a:dk1>
+        <a:sysClr val="windowText" lastClr="000000"/>
+      </a:dk1>
+      <a:lt1>
+        <a:sysClr val="window" lastClr="FFFFFF"/>
+      </a:lt1>
+      <a:dk2>
+        <a:srgbClr val="0E2841"/>
+      </a:dk2>
+      <a:lt2>
+        <a:srgbClr val="E8E8E8"/>
+      </a:lt2>
+      <a:accent1>
+        <a:srgbClr val="156082"/>
+      </a:accent1>
+      <a:accent2>
+        <a:srgbClr val="E97132"/>
+      </a:accent2>
+      <a:accent3>
+        <a:srgbClr val="196B24"/>
+      </a:accent3>
+      <a:accent4>
+        <a:srgbClr val="0F9ED5"/>
+      </a:accent4>
+      <a:accent5>
+        <a:srgbClr val="A02B93"/>
+      </a:accent5>
+      <a:accent6>
+        <a:srgbClr val="4EA72E"/>
+      </a:accent6>
+      <a:hlink>
+        <a:srgbClr val="467886"/>
+      </a:hlink>
+      <a:folHlink>
+        <a:srgbClr val="96607D"/>
+      </a:folHlink>
+    </a:clrScheme>
+    <a:fontScheme name="Office">
+      <a:majorFont>
+        <a:latin typeface="맑은 고딕" panose="02110004020202020204"/>
+        <a:ea typeface=""/>
+        <a:cs typeface=""/>
+        <a:font script="Jpan" typeface="游ゴシック Light"/>
+        <a:font script="Hang" typeface="맑은 고딕"/>
+        <a:font script="Hans" typeface="等线 Light"/>
+        <a:font script="Hant" typeface="新細明體"/>
+        <a:font script="Arab" typeface="Times New Roman"/>
+        <a:font script="Hebr" typeface="Times New Roman"/>
+        <a:font script="Thai" typeface="Angsana New"/>
+        <a:font script="Ethi" typeface="Nyala"/>
+        <a:font script="Beng" typeface="Vrinda"/>
+        <a:font script="Gujr" typeface="Shruti"/>
+        <a:font script="Khmr" typeface="MoolBoran"/>
+        <a:font script="Knda" typeface="Tunga"/>
+        <a:font script="Guru" typeface="Raavi"/>
+        <a:font script="Cans" typeface="Euphemia"/>
+        <a:font script="Cher" typeface="Plantagenet Cherokee"/>
+        <a:font script="Yiii" typeface="Microsoft Yi Baiti"/>
+        <a:font script="Tibt" typeface="Microsoft Himalaya"/>
+        <a:font script="Thaa" typeface="MV Boli"/>
+        <a:font script="Deva" typeface="Mangal"/>
+        <a:font script="Telu" typeface="Gautami"/>
+        <a:font script="Taml" typeface="Latha"/>
+        <a:font script="Syrc" typeface="Estrangelo Edessa"/>
+        <a:font script="Orya" typeface="Kalinga"/>
+        <a:font script="Mlym" typeface="Kartika"/>
+        <a:font script="Laoo" typeface="DokChampa"/>
+        <a:font script="Sinh" typeface="Iskoola Pota"/>
+        <a:font script="Mong" typeface="Mongolian Baiti"/>
+        <a:font script="Viet" typeface="Times New Roman"/>
+        <a:font script="Uigh" typeface="Microsoft Uighur"/>
+        <a:font script="Geor" typeface="Sylfaen"/>
+        <a:font script="Armn" typeface="Arial"/>
+        <a:font script="Bugi" typeface="Leelawadee UI"/>
+        <a:font script="Bopo" typeface="Microsoft JhengHei"/>
+        <a:font script="Java" typeface="Javanese Text"/>
+        <a:font script="Lisu" typeface="Segoe UI"/>
+        <a:font script="Mymr" typeface="Myanmar Text"/>
+        <a:font script="Nkoo" typeface="Ebrima"/>
+        <a:font script="Olck" typeface="Nirmala UI"/>
+        <a:font script="Osma" typeface="Ebrima"/>
+        <a:font script="Phag" typeface="Phagspa"/>
+        <a:font script="Syrn" typeface="Estrangelo Edessa"/>
+        <a:font script="Syrj" typeface="Estrangelo Edessa"/>
+        <a:font script="Syre" typeface="Estrangelo Edessa"/>
+        <a:font script="Sora" typeface="Nirmala UI"/>
+        <a:font script="Tale" typeface="Microsoft Tai Le"/>
+        <a:font script="Talu" typeface="Microsoft New Tai Lue"/>
+        <a:font script="Tfng" typeface="Ebrima"/>
+      </a:majorFont>
+      <a:minorFont>
+        <a:latin typeface="맑은 고딕" panose="02110004020202020204"/>
+        <a:ea typeface=""/>
+        <a:cs typeface=""/>
+        <a:font script="Jpan" typeface="游ゴシック"/>
+        <a:font script="Hang" typeface="맑은 고딕"/>
+        <a:font script="Hans" typeface="等线"/>
+        <a:font script="Hant" typeface="新細明體"/>
+        <a:font script="Arab" typeface="Arial"/>
+        <a:font script="Hebr" typeface="Arial"/>
+        <a:font script="Thai" typeface="Cordia New"/>
+        <a:font script="Ethi" typeface="Nyala"/>
+        <a:font script="Beng" typeface="Vrinda"/>
+        <a:font script="Gujr" typeface="Shruti"/>
+        <a:font script="Khmr" typeface="DaunPenh"/>
+        <a:font script="Knda" typeface="Tunga"/>
+        <a:font script="Guru" typeface="Raavi"/>
+        <a:font script="Cans" typeface="Euphemia"/>
+        <a:font script="Cher" typeface="Plantagenet Cherokee"/>
+        <a:font script="Yiii" typeface="Microsoft Yi Baiti"/>
+        <a:font script="Tibt" typeface="Microsoft Himalaya"/>
+        <a:font script="Thaa" typeface="MV Boli"/>
+        <a:font script="Deva" typeface="Mangal"/>
+        <a:font script="Telu" typeface="Gautami"/>
+        <a:font script="Taml" typeface="Latha"/>
+        <a:font script="Syrc" typeface="Estrangelo Edessa"/>
+        <a:font script="Orya" typeface="Kalinga"/>
+        <a:font script="Mlym" typeface="Kartika"/>
+        <a:font script="Laoo" typeface="DokChampa"/>
+        <a:font script="Sinh" typeface="Iskoola Pota"/>
+        <a:font script="Mong" typeface="Mongolian Baiti"/>
+        <a:font script="Viet" typeface="Arial"/>
+        <a:font script="Uigh" typeface="Microsoft Uighur"/>
+        <a:font script="Geor" typeface="Sylfaen"/>
+        <a:font script="Armn" typeface="Arial"/>
+        <a:font script="Bugi" typeface="Leelawadee UI"/>
+        <a:font script="Bopo" typeface="Microsoft JhengHei"/>
+        <a:font script="Java" typeface="Javanese Text"/>
+        <a:font script="Lisu" typeface="Segoe UI"/>
+        <a:font script="Mymr" typeface="Myanmar Text"/>
+        <a:font script="Nkoo" typeface="Ebrima"/>
+        <a:font script="Olck" typeface="Nirmala UI"/>
+        <a:font script="Osma" typeface="Ebrima"/>
+        <a:font script="Phag" typeface="Phagspa"/>
+        <a:font script="Syrn" typeface="Estrangelo Edessa"/>
+        <a:font script="Syrj" typeface="Estrangelo Edessa"/>
+        <a:font script="Syre" typeface="Estrangelo Edessa"/>
+        <a:font script="Sora" typeface="Nirmala UI"/>
+        <a:font script="Tale" typeface="Microsoft Tai Le"/>
+        <a:font script="Talu" typeface="Microsoft New Tai Lue"/>
+        <a:font script="Tfng" typeface="Ebrima"/>
+      </a:minorFont>
+    </a:fontScheme>
+    <a:fmtScheme name="Office">
+      <a:fillStyleLst>
+        <a:solidFill>
+          <a:schemeClr val="phClr"/>
+        </a:solidFill>
+        <a:gradFill rotWithShape="1">
+          <a:gsLst>
+            <a:gs pos="0">
+              <a:schemeClr val="phClr">
+                <a:lumMod val="110000"/>
+                <a:satMod val="105000"/>
+                <a:tint val="67000"/>
+              </a:schemeClr>
+            </a:gs>
+            <a:gs pos="50000">
+              <a:schemeClr val="phClr">
+                <a:lumMod val="105000"/>
+                <a:satMod val="103000"/>
+                <a:tint val="73000"/>
+              </a:schemeClr>
+            </a:gs>
+            <a:gs pos="100000">
+              <a:schemeClr val="phClr">
+                <a:lumMod val="105000"/>
+                <a:satMod val="109000"/>
+                <a:tint val="81000"/>
+              </a:schemeClr>
+            </a:gs>
+          </a:gsLst>
+          <a:lin ang="5400000" scaled="0"/>
+        </a:gradFill>
+        <a:gradFill rotWithShape="1">
+          <a:gsLst>
+            <a:gs pos="0">
+              <a:schemeClr val="phClr">
+                <a:satMod val="103000"/>
+                <a:lumMod val="102000"/>
+                <a:tint val="94000"/>
+              </a:schemeClr>
+            </a:gs>
+            <a:gs pos="50000">
+              <a:schemeClr val="phClr">
+                <a:satMod val="110000"/>
+                <a:lumMod val="100000"/>
+                <a:shade val="100000"/>
+              </a:schemeClr>
+            </a:gs>
+            <a:gs pos="100000">
+              <a:schemeClr val="phClr">
+                <a:lumMod val="99000"/>
+                <a:satMod val="120000"/>
+                <a:shade val="78000"/>
+              </a:schemeClr>
+            </a:gs>
+          </a:gsLst>
+          <a:lin ang="5400000" scaled="0"/>
+        </a:gradFill>
+      </a:fillStyleLst>
+      <a:lnStyleLst>
+        <a:ln w="12700" cap="flat" cmpd="sng" algn="ctr">
+          <a:solidFill>
+            <a:schemeClr val="phClr"/>
+          </a:solidFill>
+          <a:prstDash val="solid"/>
+          <a:miter lim="800000"/>
+        </a:ln>
+        <a:ln w="19050" cap="flat" cmpd="sng" algn="ctr">
+          <a:solidFill>
+            <a:schemeClr val="phClr"/>
+          </a:solidFill>
+          <a:prstDash val="solid"/>
+          <a:miter lim="800000"/>
+        </a:ln>
+        <a:ln w="25400" cap="flat" cmpd="sng" algn="ctr">
+          <a:solidFill>
+            <a:schemeClr val="phClr"/>
+          </a:solidFill>
+          <a:prstDash val="solid"/>
+          <a:miter lim="800000"/>
+        </a:ln>
+      </a:lnStyleLst>
+      <a:effectStyleLst>
+        <a:effectStyle>
+          <a:effectLst/>
+        </a:effectStyle>
+        <a:effectStyle>
+          <a:effectLst/>
+        </a:effectStyle>
+        <a:effectStyle>
+          <a:effectLst>
+            <a:outerShdw blurRad="57150" dist="19050" dir="5400000" algn="ctr" rotWithShape="0">
+              <a:srgbClr val="000000">
+                <a:alpha val="63000"/>
+              </a:srgbClr>
+            </a:outerShdw>
+          </a:effectLst>
+        </a:effectStyle>
+      </a:effectStyleLst>
+      <a:bgFillStyleLst>
+        <a:solidFill>
+          <a:schemeClr val="phClr"/>
+        </a:solidFill>
+        <a:solidFill>
+          <a:schemeClr val="phClr">
+            <a:tint val="95000"/>
+            <a:satMod val="170000"/>
+          </a:schemeClr>
+        </a:solidFill>
+        <a:gradFill rotWithShape="1">
+          <a:gsLst>
+            <a:gs pos="0">
+              <a:schemeClr val="phClr">
+                <a:tint val="93000"/>
+                <a:satMod val="150000"/>
+                <a:shade val="98000"/>
+                <a:lumMod val="102000"/>
+              </a:schemeClr>
+            </a:gs>
+            <a:gs pos="50000">
+              <a:schemeClr val="phClr">
+                <a:tint val="98000"/>
+                <a:satMod val="130000"/>
+                <a:shade val="90000"/>
+                <a:lumMod val="103000"/>
+              </a:schemeClr>
+            </a:gs>
+            <a:gs pos="100000">
+              <a:schemeClr val="phClr">
+                <a:shade val="63000"/>
+                <a:satMod val="120000"/>
+              </a:schemeClr>
+            </a:gs>
+          </a:gsLst>
+          <a:lin ang="5400000" scaled="0"/>
+        </a:gradFill>
+      </a:bgFillStyleLst>
+    </a:fmtScheme>
+  </a:themeElements>
+  <a:objectDefaults>
+    <a:lnDef>
+      <a:spPr/>
+      <a:bodyPr/>
+      <a:lstStyle/>
+      <a:style>
+        <a:lnRef idx="2">
+          <a:schemeClr val="accent1"/>
+        </a:lnRef>
+        <a:fillRef idx="0">
+          <a:schemeClr val="accent1"/>
+        </a:fillRef>
+        <a:effectRef idx="1">
+          <a:schemeClr val="accent1"/>
+        </a:effectRef>
+        <a:fontRef idx="minor">
+          <a:schemeClr val="tx1"/>
+        </a:fontRef>
+      </a:style>
+    </a:lnDef>
+  </a:objectDefaults>
+  <a:extraClrSchemeLst/>
+  <a:extLst>
+    <a:ext uri="{05A4C25C-085E-4340-85A3-A5531E510DB2}">
+      <thm15:themeFamily xmlns:thm15="http://schemas.microsoft.com/office/thememl/2012/main" name="Office Theme" id="{2E142A2C-CD16-42D6-873A-C26D2A0506FA}" vid="{1BDDFF52-6CD6-40A5-AB3C-68EB2F1E4D0A}"/>
+    </a:ext>
+  </a:extLst>
+</a:theme>
 </file>